--- a/stats/describing-and-analyzing-data.pptx
+++ b/stats/describing-and-analyzing-data.pptx
@@ -5,7 +5,7 @@
     <p:sldMasterId id="2147483657" r:id="rId1"/>
   </p:sldMasterIdLst>
   <p:notesMasterIdLst>
-    <p:notesMasterId r:id="rId20"/>
+    <p:notesMasterId r:id="rId22"/>
   </p:notesMasterIdLst>
   <p:sldIdLst>
     <p:sldId id="256" r:id="rId2"/>
@@ -25,42 +25,37 @@
     <p:sldId id="264" r:id="rId16"/>
     <p:sldId id="333" r:id="rId17"/>
     <p:sldId id="426" r:id="rId18"/>
-    <p:sldId id="427" r:id="rId19"/>
+    <p:sldId id="428" r:id="rId19"/>
+    <p:sldId id="429" r:id="rId20"/>
+    <p:sldId id="430" r:id="rId21"/>
   </p:sldIdLst>
   <p:sldSz cx="9144000" cy="5143500" type="screen16x9"/>
   <p:notesSz cx="6858000" cy="9144000"/>
   <p:embeddedFontLst>
     <p:embeddedFont>
       <p:font typeface="Arvo" panose="02000000000000000000" pitchFamily="2" charset="77"/>
-      <p:regular r:id="rId21"/>
-      <p:bold r:id="rId22"/>
-      <p:italic r:id="rId23"/>
-      <p:boldItalic r:id="rId24"/>
-    </p:embeddedFont>
-    <p:embeddedFont>
-      <p:font typeface="Calibri" panose="020F0502020204030204" pitchFamily="34" charset="0"/>
-      <p:regular r:id="rId25"/>
-      <p:bold r:id="rId26"/>
-      <p:italic r:id="rId27"/>
-      <p:boldItalic r:id="rId28"/>
+      <p:regular r:id="rId23"/>
+      <p:bold r:id="rId24"/>
+      <p:italic r:id="rId25"/>
+      <p:boldItalic r:id="rId26"/>
     </p:embeddedFont>
     <p:embeddedFont>
       <p:font typeface="Cambria Math" panose="02040503050406030204" pitchFamily="18" charset="0"/>
-      <p:regular r:id="rId29"/>
+      <p:regular r:id="rId27"/>
     </p:embeddedFont>
     <p:embeddedFont>
       <p:font typeface="Roboto Condensed" panose="020F0502020204030204" pitchFamily="34" charset="0"/>
-      <p:regular r:id="rId30"/>
-      <p:bold r:id="rId31"/>
-      <p:italic r:id="rId32"/>
-      <p:boldItalic r:id="rId33"/>
+      <p:regular r:id="rId28"/>
+      <p:bold r:id="rId29"/>
+      <p:italic r:id="rId30"/>
+      <p:boldItalic r:id="rId31"/>
     </p:embeddedFont>
     <p:embeddedFont>
       <p:font typeface="Roboto Condensed Light" panose="020F0302020204030204" pitchFamily="34" charset="0"/>
-      <p:regular r:id="rId34"/>
-      <p:bold r:id="rId35"/>
-      <p:italic r:id="rId36"/>
-      <p:boldItalic r:id="rId37"/>
+      <p:regular r:id="rId32"/>
+      <p:bold r:id="rId33"/>
+      <p:italic r:id="rId34"/>
+      <p:boldItalic r:id="rId35"/>
     </p:embeddedFont>
   </p:embeddedFontLst>
   <p:defaultTextStyle>
@@ -6982,7 +6977,7 @@
             </a:pPr>
             <a:r>
               <a:rPr lang="en-US" sz="3200" dirty="0"/>
-              <a:t>8.3 Describing and</a:t>
+              <a:t>11.3 Describing and</a:t>
             </a:r>
             <a:br>
               <a:rPr lang="en-US" sz="3200" dirty="0"/>
@@ -8319,8 +8314,8 @@
             </a:p>
           </p:txBody>
         </p:sp>
-        <mc:AlternateContent xmlns:mc="http://schemas.openxmlformats.org/markup-compatibility/2006">
-          <mc:Choice xmlns:a14="http://schemas.microsoft.com/office/drawing/2010/main" Requires="a14">
+        <mc:AlternateContent xmlns:mc="http://schemas.openxmlformats.org/markup-compatibility/2006" xmlns:a14="http://schemas.microsoft.com/office/drawing/2010/main">
+          <mc:Choice Requires="a14">
             <p:sp>
               <p:nvSpPr>
                 <p:cNvPr id="6" name="Text Placeholder 2">
@@ -8829,7 +8824,7 @@
               </p:txBody>
             </p:sp>
           </mc:Choice>
-          <mc:Fallback>
+          <mc:Fallback xmlns="">
             <p:sp>
               <p:nvSpPr>
                 <p:cNvPr id="6" name="Text Placeholder 2">
@@ -9446,8 +9441,12 @@
           <a:lstStyle/>
           <a:p>
             <a:r>
+              <a:rPr lang="en-US" b="1" dirty="0"/>
+              <a:t>Example 3</a:t>
+            </a:r>
+            <a:r>
               <a:rPr lang="en-US" dirty="0"/>
-              <a:t>Example: </a:t>
+              <a:t>: </a:t>
             </a:r>
           </a:p>
           <a:p>
@@ -10853,7 +10852,7 @@
             </a:pPr>
             <a:r>
               <a:rPr lang="en" dirty="0"/>
-              <a:t>Empirical Rule</a:t>
+              <a:t>Measures of Relative Position</a:t>
             </a:r>
             <a:endParaRPr dirty="0"/>
           </a:p>
@@ -11019,13 +11018,13 @@
               </a:spcAft>
             </a:pPr>
             <a:r>
-              <a:rPr lang="en-US" sz="1800" b="1" u="sng" dirty="0">
+              <a:rPr lang="en-US" sz="1800" b="1" dirty="0">
                 <a:effectLst/>
                 <a:latin typeface="Calibri" panose="020F0502020204030204" pitchFamily="34" charset="0"/>
                 <a:ea typeface="Calibri" panose="020F0502020204030204" pitchFamily="34" charset="0"/>
                 <a:cs typeface="Times New Roman" panose="02020603050405020304" pitchFamily="18" charset="0"/>
               </a:rPr>
-              <a:t>Empirical Rule (68 – 95 – 99.7 Rule)</a:t>
+              <a:t>Percentiles</a:t>
             </a:r>
             <a:endParaRPr lang="en-US" sz="1800" dirty="0">
               <a:effectLst/>
@@ -11054,29 +11053,176 @@
         </p:nvSpPr>
         <p:spPr>
           <a:xfrm>
-            <a:off x="152400" y="1158775"/>
-            <a:ext cx="8825149" cy="3145500"/>
+            <a:off x="159425" y="1359497"/>
+            <a:ext cx="8825149" cy="4193810"/>
           </a:xfrm>
         </p:spPr>
         <p:txBody>
           <a:bodyPr anchor="t"/>
           <a:lstStyle/>
           <a:p>
+            <a:pPr marL="400050" indent="-285750">
+              <a:spcBef>
+                <a:spcPts val="0"/>
+              </a:spcBef>
+              <a:buSzPct val="100000"/>
+            </a:pPr>
             <a:r>
-              <a:rPr lang="en-US" sz="2000" b="1" dirty="0"/>
-              <a:t>When data is approximately </a:t>
+              <a:rPr lang="en-US" sz="1400" dirty="0"/>
+              <a:t>A </a:t>
             </a:r>
             <a:r>
-              <a:rPr lang="en-US" sz="2000" b="1" u="sng" dirty="0"/>
-              <a:t>bell shaped</a:t>
+              <a:rPr lang="en-US" sz="1400" b="1" dirty="0"/>
+              <a:t>percentile</a:t>
             </a:r>
             <a:r>
-              <a:rPr lang="en-US" sz="2000" b="1" dirty="0"/>
-              <a:t>, the standard deviation allows us to make fairly accurate approximations about the locations of our data values.</a:t>
+              <a:rPr lang="en-US" sz="1400" dirty="0"/>
+              <a:t> tells you the </a:t>
+            </a:r>
+            <a:r>
+              <a:rPr lang="en-US" sz="1400" u="sng" dirty="0"/>
+              <a:t>percent</a:t>
+            </a:r>
+            <a:r>
+              <a:rPr lang="en-US" sz="1400" dirty="0"/>
+              <a:t> of observations/individuals you are </a:t>
+            </a:r>
+            <a:r>
+              <a:rPr lang="en-US" sz="1400" u="sng" dirty="0"/>
+              <a:t>higher</a:t>
+            </a:r>
+            <a:r>
+              <a:rPr lang="en-US" sz="1400" dirty="0"/>
+              <a:t> than.</a:t>
             </a:r>
           </a:p>
           <a:p>
-            <a:endParaRPr lang="en-US" sz="1800" dirty="0">
+            <a:pPr lvl="1"/>
+            <a:r>
+              <a:rPr lang="en-US" sz="1200" dirty="0"/>
+              <a:t>Interpreting example: You are told you scored in the 90</a:t>
+            </a:r>
+            <a:r>
+              <a:rPr lang="en-US" sz="1200" baseline="30000" dirty="0"/>
+              <a:t>th</a:t>
+            </a:r>
+            <a:r>
+              <a:rPr lang="en-US" sz="1200" dirty="0"/>
+              <a:t> percentile on GRE. This means you have a score that </a:t>
+            </a:r>
+            <a:r>
+              <a:rPr lang="en-US" sz="1200" u="sng" dirty="0"/>
+              <a:t>is higher than 90%</a:t>
+            </a:r>
+            <a:r>
+              <a:rPr lang="en-US" sz="1200" dirty="0"/>
+              <a:t> of all others that took the test.</a:t>
+            </a:r>
+          </a:p>
+          <a:p>
+            <a:pPr lvl="1"/>
+            <a:r>
+              <a:rPr lang="en-US" sz="1200" dirty="0"/>
+              <a:t>Range from 0</a:t>
+            </a:r>
+            <a:r>
+              <a:rPr lang="en-US" sz="1200" baseline="30000" dirty="0"/>
+              <a:t>th</a:t>
+            </a:r>
+            <a:r>
+              <a:rPr lang="en-US" sz="1200" dirty="0"/>
+              <a:t> to 100</a:t>
+            </a:r>
+            <a:r>
+              <a:rPr lang="en-US" sz="1200" baseline="30000" dirty="0"/>
+              <a:t>th</a:t>
+            </a:r>
+            <a:r>
+              <a:rPr lang="en-US" sz="1200" dirty="0"/>
+              <a:t> percentile!</a:t>
+            </a:r>
+          </a:p>
+          <a:p>
+            <a:pPr lvl="1"/>
+            <a:r>
+              <a:rPr lang="en-US" sz="1200" dirty="0"/>
+              <a:t>There is complement aspect to percentiles as well; for example, if you are the 80</a:t>
+            </a:r>
+            <a:r>
+              <a:rPr lang="en-US" sz="1200" baseline="30000" dirty="0"/>
+              <a:t>th</a:t>
+            </a:r>
+            <a:r>
+              <a:rPr lang="en-US" sz="1200" dirty="0"/>
+              <a:t>  percentile, there is ______ greater than you!</a:t>
+            </a:r>
+          </a:p>
+          <a:p>
+            <a:pPr marL="533400" lvl="1" indent="0">
+              <a:buNone/>
+            </a:pPr>
+            <a:endParaRPr lang="en-US" sz="1400" dirty="0"/>
+          </a:p>
+          <a:p>
+            <a:r>
+              <a:rPr lang="en-US" sz="1400" b="1" dirty="0"/>
+              <a:t>Best way to remember!</a:t>
+            </a:r>
+          </a:p>
+          <a:p>
+            <a:pPr lvl="1"/>
+            <a:endParaRPr lang="en-US" sz="1400" dirty="0"/>
+          </a:p>
+          <a:p>
+            <a:pPr lvl="1"/>
+            <a:endParaRPr lang="en-US" sz="1400" dirty="0"/>
+          </a:p>
+          <a:p>
+            <a:pPr lvl="1"/>
+            <a:endParaRPr lang="en-US" sz="1400" dirty="0"/>
+          </a:p>
+          <a:p>
+            <a:pPr lvl="1"/>
+            <a:r>
+              <a:rPr lang="en-US" sz="1400" dirty="0"/>
+              <a:t>Notation: </a:t>
+            </a:r>
+            <a:r>
+              <a:rPr lang="en-US" sz="1400" dirty="0" err="1"/>
+              <a:t>X</a:t>
+            </a:r>
+            <a:r>
+              <a:rPr lang="en-US" sz="1400" baseline="30000" dirty="0" err="1"/>
+              <a:t>th</a:t>
+            </a:r>
+            <a:r>
+              <a:rPr lang="en-US" sz="1400" dirty="0"/>
+              <a:t> Percentile = </a:t>
+            </a:r>
+            <a:r>
+              <a:rPr lang="en-US" sz="1400" dirty="0" err="1"/>
+              <a:t>P</a:t>
+            </a:r>
+            <a:r>
+              <a:rPr lang="en-US" sz="1400" baseline="-25000" dirty="0" err="1"/>
+              <a:t>x</a:t>
+            </a:r>
+            <a:endParaRPr lang="en-US" sz="1400" baseline="-25000" dirty="0"/>
+          </a:p>
+          <a:p>
+            <a:endParaRPr lang="en-US" sz="1400" b="1" dirty="0"/>
+          </a:p>
+          <a:p>
+            <a:pPr lvl="1"/>
+            <a:endParaRPr lang="en-US" sz="1400" dirty="0"/>
+          </a:p>
+          <a:p>
+            <a:pPr lvl="1"/>
+            <a:endParaRPr lang="en-US" sz="1400" dirty="0"/>
+          </a:p>
+          <a:p>
+            <a:pPr lvl="1"/>
+            <a:endParaRPr lang="en-US" sz="1400" dirty="0">
               <a:latin typeface="Calibri" panose="020F0502020204030204" pitchFamily="34" charset="0"/>
               <a:ea typeface="Calibri" panose="020F0502020204030204" pitchFamily="34" charset="0"/>
               <a:cs typeface="Times New Roman" panose="02020603050405020304" pitchFamily="18" charset="0"/>
@@ -11094,73 +11240,7 @@
                 <a:spcPts val="800"/>
               </a:spcAft>
             </a:pPr>
-            <a:r>
-              <a:rPr lang="en-US" sz="1800" dirty="0">
-                <a:effectLst/>
-                <a:latin typeface="Calibri" panose="020F0502020204030204" pitchFamily="34" charset="0"/>
-                <a:ea typeface="Calibri" panose="020F0502020204030204" pitchFamily="34" charset="0"/>
-                <a:cs typeface="Times New Roman" panose="02020603050405020304" pitchFamily="18" charset="0"/>
-              </a:rPr>
-              <a:t>_____ of the data lies within 1 standard deviation of the mean.</a:t>
-            </a:r>
-          </a:p>
-          <a:p>
-            <a:pPr marL="914400" lvl="2">
-              <a:lnSpc>
-                <a:spcPct val="107000"/>
-              </a:lnSpc>
-              <a:spcBef>
-                <a:spcPts val="0"/>
-              </a:spcBef>
-              <a:spcAft>
-                <a:spcPts val="800"/>
-              </a:spcAft>
-            </a:pPr>
-            <a:r>
-              <a:rPr lang="en-US" sz="1800" dirty="0">
-                <a:effectLst/>
-                <a:latin typeface="Calibri" panose="020F0502020204030204" pitchFamily="34" charset="0"/>
-                <a:ea typeface="Calibri" panose="020F0502020204030204" pitchFamily="34" charset="0"/>
-                <a:cs typeface="Times New Roman" panose="02020603050405020304" pitchFamily="18" charset="0"/>
-              </a:rPr>
-              <a:t>_____ of the data lies within 2 standard deviations of the mean.</a:t>
-            </a:r>
-          </a:p>
-          <a:p>
-            <a:pPr marL="914400" lvl="2">
-              <a:lnSpc>
-                <a:spcPct val="107000"/>
-              </a:lnSpc>
-              <a:spcBef>
-                <a:spcPts val="0"/>
-              </a:spcBef>
-              <a:spcAft>
-                <a:spcPts val="800"/>
-              </a:spcAft>
-            </a:pPr>
-            <a:r>
-              <a:rPr lang="en-US" sz="1800" dirty="0">
-                <a:effectLst/>
-                <a:latin typeface="Calibri" panose="020F0502020204030204" pitchFamily="34" charset="0"/>
-                <a:ea typeface="Calibri" panose="020F0502020204030204" pitchFamily="34" charset="0"/>
-                <a:cs typeface="Times New Roman" panose="02020603050405020304" pitchFamily="18" charset="0"/>
-              </a:rPr>
-              <a:t>_____ of the data lies within 3 standard deviations of the mean.</a:t>
-            </a:r>
-          </a:p>
-          <a:p>
-            <a:pPr marL="914400" lvl="2">
-              <a:lnSpc>
-                <a:spcPct val="107000"/>
-              </a:lnSpc>
-              <a:spcBef>
-                <a:spcPts val="0"/>
-              </a:spcBef>
-              <a:spcAft>
-                <a:spcPts val="800"/>
-              </a:spcAft>
-            </a:pPr>
-            <a:endParaRPr lang="en-US" sz="1800" dirty="0">
+            <a:endParaRPr lang="en-US" sz="1400" dirty="0">
               <a:effectLst/>
               <a:latin typeface="Calibri" panose="020F0502020204030204" pitchFamily="34" charset="0"/>
               <a:ea typeface="Calibri" panose="020F0502020204030204" pitchFamily="34" charset="0"/>
@@ -11528,12 +11608,492 @@
           </a:p>
         </p:txBody>
       </p:sp>
+      <p:grpSp>
+        <p:nvGrpSpPr>
+          <p:cNvPr id="44" name="Group 43">
+            <a:extLst>
+              <a:ext uri="{FF2B5EF4-FFF2-40B4-BE49-F238E27FC236}">
+                <a16:creationId xmlns:a16="http://schemas.microsoft.com/office/drawing/2014/main" id="{9CA7262D-7880-F080-1032-2C4366D32BC8}"/>
+              </a:ext>
+            </a:extLst>
+          </p:cNvPr>
+          <p:cNvGrpSpPr/>
+          <p:nvPr/>
+        </p:nvGrpSpPr>
+        <p:grpSpPr>
+          <a:xfrm>
+            <a:off x="5664446" y="3261940"/>
+            <a:ext cx="2358452" cy="1205185"/>
+            <a:chOff x="3493832" y="3243146"/>
+            <a:chExt cx="2358452" cy="1205185"/>
+          </a:xfrm>
+        </p:grpSpPr>
+        <p:cxnSp>
+          <p:nvCxnSpPr>
+            <p:cNvPr id="7" name="Straight Connector 6">
+              <a:extLst>
+                <a:ext uri="{FF2B5EF4-FFF2-40B4-BE49-F238E27FC236}">
+                  <a16:creationId xmlns:a16="http://schemas.microsoft.com/office/drawing/2014/main" id="{1EC1F798-8AF5-589C-2EAA-790A002F70ED}"/>
+                </a:ext>
+              </a:extLst>
+            </p:cNvPr>
+            <p:cNvCxnSpPr/>
+            <p:nvPr/>
+          </p:nvCxnSpPr>
+          <p:spPr>
+            <a:xfrm>
+              <a:off x="5210455" y="3611627"/>
+              <a:ext cx="0" cy="372735"/>
+            </a:xfrm>
+            <a:prstGeom prst="line">
+              <a:avLst/>
+            </a:prstGeom>
+            <a:ln w="28575"/>
+          </p:spPr>
+          <p:style>
+            <a:lnRef idx="1">
+              <a:schemeClr val="accent1"/>
+            </a:lnRef>
+            <a:fillRef idx="0">
+              <a:schemeClr val="accent1"/>
+            </a:fillRef>
+            <a:effectRef idx="0">
+              <a:schemeClr val="accent1"/>
+            </a:effectRef>
+            <a:fontRef idx="minor">
+              <a:schemeClr val="tx1"/>
+            </a:fontRef>
+          </p:style>
+        </p:cxnSp>
+        <p:sp>
+          <p:nvSpPr>
+            <p:cNvPr id="8" name="TextBox 7">
+              <a:extLst>
+                <a:ext uri="{FF2B5EF4-FFF2-40B4-BE49-F238E27FC236}">
+                  <a16:creationId xmlns:a16="http://schemas.microsoft.com/office/drawing/2014/main" id="{11F71FFA-92B7-1E64-F1DF-A90F51554CFD}"/>
+                </a:ext>
+              </a:extLst>
+            </p:cNvPr>
+            <p:cNvSpPr txBox="1"/>
+            <p:nvPr/>
+          </p:nvSpPr>
+          <p:spPr>
+            <a:xfrm>
+              <a:off x="5051721" y="3344257"/>
+              <a:ext cx="317468" cy="244644"/>
+            </a:xfrm>
+            <a:prstGeom prst="rect">
+              <a:avLst/>
+            </a:prstGeom>
+            <a:noFill/>
+          </p:spPr>
+          <p:txBody>
+            <a:bodyPr wrap="none" rtlCol="0">
+              <a:spAutoFit/>
+            </a:bodyPr>
+            <a:lstStyle/>
+            <a:p>
+              <a:r>
+                <a:rPr lang="en-US" dirty="0"/>
+                <a:t>P</a:t>
+              </a:r>
+              <a:r>
+                <a:rPr lang="en-US" baseline="-25000" dirty="0"/>
+                <a:t>80</a:t>
+              </a:r>
+              <a:endParaRPr lang="en-US" dirty="0"/>
+            </a:p>
+          </p:txBody>
+        </p:sp>
+        <p:grpSp>
+          <p:nvGrpSpPr>
+            <p:cNvPr id="36" name="Group 35">
+              <a:extLst>
+                <a:ext uri="{FF2B5EF4-FFF2-40B4-BE49-F238E27FC236}">
+                  <a16:creationId xmlns:a16="http://schemas.microsoft.com/office/drawing/2014/main" id="{7C9A591B-D8D0-9E2B-2B6D-95E31A5726F3}"/>
+                </a:ext>
+              </a:extLst>
+            </p:cNvPr>
+            <p:cNvGrpSpPr/>
+            <p:nvPr/>
+          </p:nvGrpSpPr>
+          <p:grpSpPr>
+            <a:xfrm>
+              <a:off x="3493832" y="3243146"/>
+              <a:ext cx="1196898" cy="494860"/>
+              <a:chOff x="3493832" y="3243146"/>
+              <a:chExt cx="1196898" cy="494860"/>
+            </a:xfrm>
+          </p:grpSpPr>
+          <p:sp>
+            <p:nvSpPr>
+              <p:cNvPr id="34" name="Right Brace 33">
+                <a:extLst>
+                  <a:ext uri="{FF2B5EF4-FFF2-40B4-BE49-F238E27FC236}">
+                    <a16:creationId xmlns:a16="http://schemas.microsoft.com/office/drawing/2014/main" id="{59EF533E-0FA3-4DC2-DA0C-D017AA408CF6}"/>
+                  </a:ext>
+                </a:extLst>
+              </p:cNvPr>
+              <p:cNvSpPr/>
+              <p:nvPr/>
+            </p:nvSpPr>
+            <p:spPr>
+              <a:xfrm rot="16200000">
+                <a:off x="3965900" y="3013177"/>
+                <a:ext cx="252761" cy="1196898"/>
+              </a:xfrm>
+              <a:prstGeom prst="rightBrace">
+                <a:avLst>
+                  <a:gd name="adj1" fmla="val 94119"/>
+                  <a:gd name="adj2" fmla="val 50000"/>
+                </a:avLst>
+              </a:prstGeom>
+              <a:ln>
+                <a:solidFill>
+                  <a:srgbClr val="00B050"/>
+                </a:solidFill>
+              </a:ln>
+            </p:spPr>
+            <p:style>
+              <a:lnRef idx="1">
+                <a:schemeClr val="accent1"/>
+              </a:lnRef>
+              <a:fillRef idx="0">
+                <a:schemeClr val="accent1"/>
+              </a:fillRef>
+              <a:effectRef idx="0">
+                <a:schemeClr val="accent1"/>
+              </a:effectRef>
+              <a:fontRef idx="minor">
+                <a:schemeClr val="tx1"/>
+              </a:fontRef>
+            </p:style>
+            <p:txBody>
+              <a:bodyPr rtlCol="0" anchor="ctr"/>
+              <a:lstStyle/>
+              <a:p>
+                <a:pPr algn="ctr"/>
+                <a:endParaRPr lang="en-US" dirty="0"/>
+              </a:p>
+            </p:txBody>
+          </p:sp>
+          <p:sp>
+            <p:nvSpPr>
+              <p:cNvPr id="35" name="TextBox 34">
+                <a:extLst>
+                  <a:ext uri="{FF2B5EF4-FFF2-40B4-BE49-F238E27FC236}">
+                    <a16:creationId xmlns:a16="http://schemas.microsoft.com/office/drawing/2014/main" id="{421CDB28-D7FB-EE37-4549-288027A5C814}"/>
+                  </a:ext>
+                </a:extLst>
+              </p:cNvPr>
+              <p:cNvSpPr txBox="1"/>
+              <p:nvPr/>
+            </p:nvSpPr>
+            <p:spPr>
+              <a:xfrm>
+                <a:off x="3821943" y="3243146"/>
+                <a:ext cx="543739" cy="307777"/>
+              </a:xfrm>
+              <a:prstGeom prst="rect">
+                <a:avLst/>
+              </a:prstGeom>
+              <a:noFill/>
+            </p:spPr>
+            <p:txBody>
+              <a:bodyPr wrap="none" rtlCol="0">
+                <a:spAutoFit/>
+              </a:bodyPr>
+              <a:lstStyle/>
+              <a:p>
+                <a:r>
+                  <a:rPr lang="en-US" dirty="0">
+                    <a:solidFill>
+                      <a:srgbClr val="00B050"/>
+                    </a:solidFill>
+                  </a:rPr>
+                  <a:t>80%</a:t>
+                </a:r>
+              </a:p>
+            </p:txBody>
+          </p:sp>
+        </p:grpSp>
+        <p:grpSp>
+          <p:nvGrpSpPr>
+            <p:cNvPr id="40" name="Group 39">
+              <a:extLst>
+                <a:ext uri="{FF2B5EF4-FFF2-40B4-BE49-F238E27FC236}">
+                  <a16:creationId xmlns:a16="http://schemas.microsoft.com/office/drawing/2014/main" id="{7B0CEFC9-57FA-B4BF-2F85-D2BFDA2149F4}"/>
+                </a:ext>
+              </a:extLst>
+            </p:cNvPr>
+            <p:cNvGrpSpPr/>
+            <p:nvPr/>
+          </p:nvGrpSpPr>
+          <p:grpSpPr>
+            <a:xfrm>
+              <a:off x="5308544" y="3899232"/>
+              <a:ext cx="543740" cy="549099"/>
+              <a:chOff x="5308544" y="3899232"/>
+              <a:chExt cx="543740" cy="549099"/>
+            </a:xfrm>
+          </p:grpSpPr>
+          <p:sp>
+            <p:nvSpPr>
+              <p:cNvPr id="38" name="Right Brace 37">
+                <a:extLst>
+                  <a:ext uri="{FF2B5EF4-FFF2-40B4-BE49-F238E27FC236}">
+                    <a16:creationId xmlns:a16="http://schemas.microsoft.com/office/drawing/2014/main" id="{9B52B2F2-1B5D-ED3D-883B-03BA0EFE3B0D}"/>
+                  </a:ext>
+                </a:extLst>
+              </p:cNvPr>
+              <p:cNvSpPr/>
+              <p:nvPr/>
+            </p:nvSpPr>
+            <p:spPr>
+              <a:xfrm rot="5400000">
+                <a:off x="5395063" y="3812713"/>
+                <a:ext cx="215718" cy="388755"/>
+              </a:xfrm>
+              <a:prstGeom prst="rightBrace">
+                <a:avLst>
+                  <a:gd name="adj1" fmla="val 21603"/>
+                  <a:gd name="adj2" fmla="val 46175"/>
+                </a:avLst>
+              </a:prstGeom>
+              <a:ln>
+                <a:solidFill>
+                  <a:srgbClr val="7030A0"/>
+                </a:solidFill>
+              </a:ln>
+            </p:spPr>
+            <p:style>
+              <a:lnRef idx="1">
+                <a:schemeClr val="accent1"/>
+              </a:lnRef>
+              <a:fillRef idx="0">
+                <a:schemeClr val="accent1"/>
+              </a:fillRef>
+              <a:effectRef idx="0">
+                <a:schemeClr val="accent1"/>
+              </a:effectRef>
+              <a:fontRef idx="minor">
+                <a:schemeClr val="tx1"/>
+              </a:fontRef>
+            </p:style>
+            <p:txBody>
+              <a:bodyPr rtlCol="0" anchor="ctr"/>
+              <a:lstStyle/>
+              <a:p>
+                <a:pPr algn="ctr"/>
+                <a:endParaRPr lang="en-US"/>
+              </a:p>
+            </p:txBody>
+          </p:sp>
+          <p:sp>
+            <p:nvSpPr>
+              <p:cNvPr id="39" name="TextBox 38">
+                <a:extLst>
+                  <a:ext uri="{FF2B5EF4-FFF2-40B4-BE49-F238E27FC236}">
+                    <a16:creationId xmlns:a16="http://schemas.microsoft.com/office/drawing/2014/main" id="{FFE0FC59-0951-FEF3-002F-9325996C41E5}"/>
+                  </a:ext>
+                </a:extLst>
+              </p:cNvPr>
+              <p:cNvSpPr txBox="1"/>
+              <p:nvPr/>
+            </p:nvSpPr>
+            <p:spPr>
+              <a:xfrm>
+                <a:off x="5308545" y="4140554"/>
+                <a:ext cx="543739" cy="307777"/>
+              </a:xfrm>
+              <a:prstGeom prst="rect">
+                <a:avLst/>
+              </a:prstGeom>
+              <a:noFill/>
+            </p:spPr>
+            <p:txBody>
+              <a:bodyPr wrap="none" rtlCol="0">
+                <a:spAutoFit/>
+              </a:bodyPr>
+              <a:lstStyle/>
+              <a:p>
+                <a:r>
+                  <a:rPr lang="en-US" dirty="0">
+                    <a:solidFill>
+                      <a:srgbClr val="7030A0"/>
+                    </a:solidFill>
+                  </a:rPr>
+                  <a:t>20%</a:t>
+                </a:r>
+              </a:p>
+            </p:txBody>
+          </p:sp>
+        </p:grpSp>
+      </p:grpSp>
+      <p:grpSp>
+        <p:nvGrpSpPr>
+          <p:cNvPr id="43" name="Group 42">
+            <a:extLst>
+              <a:ext uri="{FF2B5EF4-FFF2-40B4-BE49-F238E27FC236}">
+                <a16:creationId xmlns:a16="http://schemas.microsoft.com/office/drawing/2014/main" id="{53C45847-4A0E-F738-B975-E11EEF12C3D4}"/>
+              </a:ext>
+            </a:extLst>
+          </p:cNvPr>
+          <p:cNvGrpSpPr/>
+          <p:nvPr/>
+        </p:nvGrpSpPr>
+        <p:grpSpPr>
+          <a:xfrm>
+            <a:off x="4841594" y="3667027"/>
+            <a:ext cx="3608164" cy="321042"/>
+            <a:chOff x="2670980" y="3648233"/>
+            <a:chExt cx="3608164" cy="321042"/>
+          </a:xfrm>
+        </p:grpSpPr>
+        <p:cxnSp>
+          <p:nvCxnSpPr>
+            <p:cNvPr id="6" name="Straight Connector 5">
+              <a:extLst>
+                <a:ext uri="{FF2B5EF4-FFF2-40B4-BE49-F238E27FC236}">
+                  <a16:creationId xmlns:a16="http://schemas.microsoft.com/office/drawing/2014/main" id="{648E8142-4B46-02C9-B95E-C7B21656BD1A}"/>
+                </a:ext>
+              </a:extLst>
+            </p:cNvPr>
+            <p:cNvCxnSpPr/>
+            <p:nvPr/>
+          </p:nvCxnSpPr>
+          <p:spPr>
+            <a:xfrm>
+              <a:off x="2955032" y="3797995"/>
+              <a:ext cx="2821300" cy="0"/>
+            </a:xfrm>
+            <a:prstGeom prst="line">
+              <a:avLst/>
+            </a:prstGeom>
+            <a:ln w="28575"/>
+          </p:spPr>
+          <p:style>
+            <a:lnRef idx="1">
+              <a:schemeClr val="accent1"/>
+            </a:lnRef>
+            <a:fillRef idx="0">
+              <a:schemeClr val="accent1"/>
+            </a:fillRef>
+            <a:effectRef idx="0">
+              <a:schemeClr val="accent1"/>
+            </a:effectRef>
+            <a:fontRef idx="minor">
+              <a:schemeClr val="tx1"/>
+            </a:fontRef>
+          </p:style>
+        </p:cxnSp>
+        <p:sp>
+          <p:nvSpPr>
+            <p:cNvPr id="41" name="TextBox 40">
+              <a:extLst>
+                <a:ext uri="{FF2B5EF4-FFF2-40B4-BE49-F238E27FC236}">
+                  <a16:creationId xmlns:a16="http://schemas.microsoft.com/office/drawing/2014/main" id="{CC811A04-8168-3B5E-E5EF-4C62FECD40DC}"/>
+                </a:ext>
+              </a:extLst>
+            </p:cNvPr>
+            <p:cNvSpPr txBox="1"/>
+            <p:nvPr/>
+          </p:nvSpPr>
+          <p:spPr>
+            <a:xfrm>
+              <a:off x="2670980" y="3648233"/>
+              <a:ext cx="284052" cy="307777"/>
+            </a:xfrm>
+            <a:prstGeom prst="rect">
+              <a:avLst/>
+            </a:prstGeom>
+            <a:noFill/>
+          </p:spPr>
+          <p:txBody>
+            <a:bodyPr wrap="none" rtlCol="0">
+              <a:spAutoFit/>
+            </a:bodyPr>
+            <a:lstStyle/>
+            <a:p>
+              <a:r>
+                <a:rPr lang="en-US" dirty="0"/>
+                <a:t>0</a:t>
+              </a:r>
+            </a:p>
+          </p:txBody>
+        </p:sp>
+        <p:sp>
+          <p:nvSpPr>
+            <p:cNvPr id="42" name="TextBox 41">
+              <a:extLst>
+                <a:ext uri="{FF2B5EF4-FFF2-40B4-BE49-F238E27FC236}">
+                  <a16:creationId xmlns:a16="http://schemas.microsoft.com/office/drawing/2014/main" id="{79C31FB7-6F9A-00A1-61E2-C18FB8CC7188}"/>
+                </a:ext>
+              </a:extLst>
+            </p:cNvPr>
+            <p:cNvSpPr txBox="1"/>
+            <p:nvPr/>
+          </p:nvSpPr>
+          <p:spPr>
+            <a:xfrm>
+              <a:off x="5796320" y="3661498"/>
+              <a:ext cx="482824" cy="307777"/>
+            </a:xfrm>
+            <a:prstGeom prst="rect">
+              <a:avLst/>
+            </a:prstGeom>
+            <a:noFill/>
+          </p:spPr>
+          <p:txBody>
+            <a:bodyPr wrap="none" rtlCol="0">
+              <a:spAutoFit/>
+            </a:bodyPr>
+            <a:lstStyle/>
+            <a:p>
+              <a:r>
+                <a:rPr lang="en-US" dirty="0"/>
+                <a:t>100</a:t>
+              </a:r>
+            </a:p>
+          </p:txBody>
+        </p:sp>
+      </p:grpSp>
+      <p:pic>
+        <p:nvPicPr>
+          <p:cNvPr id="53" name="Picture 52">
+            <a:extLst>
+              <a:ext uri="{FF2B5EF4-FFF2-40B4-BE49-F238E27FC236}">
+                <a16:creationId xmlns:a16="http://schemas.microsoft.com/office/drawing/2014/main" id="{EC6FE387-4DA9-359C-8798-6A204AC148F7}"/>
+              </a:ext>
+            </a:extLst>
+          </p:cNvPr>
+          <p:cNvPicPr>
+            <a:picLocks noChangeAspect="1"/>
+          </p:cNvPicPr>
+          <p:nvPr/>
+        </p:nvPicPr>
+        <p:blipFill>
+          <a:blip r:embed="rId2"/>
+          <a:stretch>
+            <a:fillRect/>
+          </a:stretch>
+        </p:blipFill>
+        <p:spPr>
+          <a:xfrm>
+            <a:off x="1432491" y="3484195"/>
+            <a:ext cx="3139508" cy="982930"/>
+          </a:xfrm>
+          <a:prstGeom prst="rect">
+            <a:avLst/>
+          </a:prstGeom>
+        </p:spPr>
+      </p:pic>
       <p:sp>
         <p:nvSpPr>
-          <p:cNvPr id="22" name="TextBox 21">
+          <p:cNvPr id="5" name="TextBox 4">
             <a:extLst>
               <a:ext uri="{FF2B5EF4-FFF2-40B4-BE49-F238E27FC236}">
-                <a16:creationId xmlns:a16="http://schemas.microsoft.com/office/drawing/2014/main" id="{546F4D5F-8C7A-1FAE-17FD-0EF71AD8BF74}"/>
+                <a16:creationId xmlns:a16="http://schemas.microsoft.com/office/drawing/2014/main" id="{A6ADDA35-BF10-6919-E7E6-570B08EBB261}"/>
               </a:ext>
             </a:extLst>
           </p:cNvPr>
@@ -11542,8 +12102,8 @@
         </p:nvSpPr>
         <p:spPr>
           <a:xfrm>
-            <a:off x="1186543" y="2170213"/>
-            <a:ext cx="543739" cy="307777"/>
+            <a:off x="7109199" y="2484804"/>
+            <a:ext cx="490840" cy="276999"/>
           </a:xfrm>
           <a:prstGeom prst="rect">
             <a:avLst/>
@@ -11557,78 +12117,8 @@
           <a:lstStyle/>
           <a:p>
             <a:r>
-              <a:rPr lang="en-US" dirty="0"/>
-              <a:t>68%</a:t>
-            </a:r>
-          </a:p>
-        </p:txBody>
-      </p:sp>
-      <p:sp>
-        <p:nvSpPr>
-          <p:cNvPr id="23" name="TextBox 22">
-            <a:extLst>
-              <a:ext uri="{FF2B5EF4-FFF2-40B4-BE49-F238E27FC236}">
-                <a16:creationId xmlns:a16="http://schemas.microsoft.com/office/drawing/2014/main" id="{EB22EBF7-03F8-FB73-A53B-9B833280DEF7}"/>
-              </a:ext>
-            </a:extLst>
-          </p:cNvPr>
-          <p:cNvSpPr txBox="1"/>
-          <p:nvPr/>
-        </p:nvSpPr>
-        <p:spPr>
-          <a:xfrm>
-            <a:off x="1186543" y="2577095"/>
-            <a:ext cx="543739" cy="307777"/>
-          </a:xfrm>
-          <a:prstGeom prst="rect">
-            <a:avLst/>
-          </a:prstGeom>
-          <a:noFill/>
-        </p:spPr>
-        <p:txBody>
-          <a:bodyPr wrap="none" rtlCol="0">
-            <a:spAutoFit/>
-          </a:bodyPr>
-          <a:lstStyle/>
-          <a:p>
-            <a:r>
-              <a:rPr lang="en-US" dirty="0"/>
-              <a:t>95%</a:t>
-            </a:r>
-          </a:p>
-        </p:txBody>
-      </p:sp>
-      <p:sp>
-        <p:nvSpPr>
-          <p:cNvPr id="24" name="TextBox 23">
-            <a:extLst>
-              <a:ext uri="{FF2B5EF4-FFF2-40B4-BE49-F238E27FC236}">
-                <a16:creationId xmlns:a16="http://schemas.microsoft.com/office/drawing/2014/main" id="{9E4844F2-4F53-2C23-83AE-323CB336248E}"/>
-              </a:ext>
-            </a:extLst>
-          </p:cNvPr>
-          <p:cNvSpPr txBox="1"/>
-          <p:nvPr/>
-        </p:nvSpPr>
-        <p:spPr>
-          <a:xfrm>
-            <a:off x="1186542" y="2996706"/>
-            <a:ext cx="692818" cy="307777"/>
-          </a:xfrm>
-          <a:prstGeom prst="rect">
-            <a:avLst/>
-          </a:prstGeom>
-          <a:noFill/>
-        </p:spPr>
-        <p:txBody>
-          <a:bodyPr wrap="none" rtlCol="0">
-            <a:spAutoFit/>
-          </a:bodyPr>
-          <a:lstStyle/>
-          <a:p>
-            <a:r>
-              <a:rPr lang="en-US" dirty="0"/>
-              <a:t>99.7%</a:t>
+              <a:rPr lang="en-US" sz="1200" dirty="0"/>
+              <a:t>20%</a:t>
             </a:r>
           </a:p>
         </p:txBody>
@@ -11664,7 +12154,7 @@
                             </p:stCondLst>
                             <p:childTnLst>
                               <p:par>
-                                <p:cTn id="5" presetID="1" presetClass="entr" presetSubtype="0" fill="hold" grpId="0" nodeType="clickEffect">
+                                <p:cTn id="5" presetID="1" presetClass="entr" presetSubtype="0" fill="hold" nodeType="clickEffect">
                                   <p:stCondLst>
                                     <p:cond delay="0"/>
                                   </p:stCondLst>
@@ -11677,7 +12167,11 @@
                                           </p:stCondLst>
                                         </p:cTn>
                                         <p:tgtEl>
-                                          <p:spTgt spid="22"/>
+                                          <p:spTgt spid="5">
+                                            <p:txEl>
+                                              <p:pRg st="0" end="0"/>
+                                            </p:txEl>
+                                          </p:spTgt>
                                         </p:tgtEl>
                                         <p:attrNameLst>
                                           <p:attrName>style.visibility</p:attrName>
@@ -11709,7 +12203,7 @@
                             </p:stCondLst>
                             <p:childTnLst>
                               <p:par>
-                                <p:cTn id="9" presetID="1" presetClass="entr" presetSubtype="0" fill="hold" grpId="0" nodeType="clickEffect">
+                                <p:cTn id="9" presetID="1" presetClass="entr" presetSubtype="0" fill="hold" nodeType="clickEffect">
                                   <p:stCondLst>
                                     <p:cond delay="0"/>
                                   </p:stCondLst>
@@ -11722,7 +12216,7 @@
                                           </p:stCondLst>
                                         </p:cTn>
                                         <p:tgtEl>
-                                          <p:spTgt spid="23"/>
+                                          <p:spTgt spid="43"/>
                                         </p:tgtEl>
                                         <p:attrNameLst>
                                           <p:attrName>style.visibility</p:attrName>
@@ -11754,7 +12248,7 @@
                             </p:stCondLst>
                             <p:childTnLst>
                               <p:par>
-                                <p:cTn id="13" presetID="1" presetClass="entr" presetSubtype="0" fill="hold" grpId="0" nodeType="clickEffect">
+                                <p:cTn id="13" presetID="1" presetClass="entr" presetSubtype="0" fill="hold" nodeType="clickEffect">
                                   <p:stCondLst>
                                     <p:cond delay="0"/>
                                   </p:stCondLst>
@@ -11767,7 +12261,52 @@
                                           </p:stCondLst>
                                         </p:cTn>
                                         <p:tgtEl>
-                                          <p:spTgt spid="24"/>
+                                          <p:spTgt spid="44"/>
+                                        </p:tgtEl>
+                                        <p:attrNameLst>
+                                          <p:attrName>style.visibility</p:attrName>
+                                        </p:attrNameLst>
+                                      </p:cBhvr>
+                                      <p:to>
+                                        <p:strVal val="visible"/>
+                                      </p:to>
+                                    </p:set>
+                                  </p:childTnLst>
+                                </p:cTn>
+                              </p:par>
+                            </p:childTnLst>
+                          </p:cTn>
+                        </p:par>
+                      </p:childTnLst>
+                    </p:cTn>
+                  </p:par>
+                  <p:par>
+                    <p:cTn id="15" fill="hold">
+                      <p:stCondLst>
+                        <p:cond delay="indefinite"/>
+                      </p:stCondLst>
+                      <p:childTnLst>
+                        <p:par>
+                          <p:cTn id="16" fill="hold">
+                            <p:stCondLst>
+                              <p:cond delay="0"/>
+                            </p:stCondLst>
+                            <p:childTnLst>
+                              <p:par>
+                                <p:cTn id="17" presetID="1" presetClass="entr" presetSubtype="0" fill="hold" nodeType="clickEffect">
+                                  <p:stCondLst>
+                                    <p:cond delay="0"/>
+                                  </p:stCondLst>
+                                  <p:childTnLst>
+                                    <p:set>
+                                      <p:cBhvr>
+                                        <p:cTn id="18" dur="1" fill="hold">
+                                          <p:stCondLst>
+                                            <p:cond delay="0"/>
+                                          </p:stCondLst>
+                                        </p:cTn>
+                                        <p:tgtEl>
+                                          <p:spTgt spid="53"/>
                                         </p:tgtEl>
                                         <p:attrNameLst>
                                           <p:attrName>style.visibility</p:attrName>
@@ -11807,11 +12346,6 @@
         </p:cTn>
       </p:par>
     </p:tnLst>
-    <p:bldLst>
-      <p:bldP spid="22" grpId="0"/>
-      <p:bldP spid="23" grpId="0"/>
-      <p:bldP spid="24" grpId="0"/>
-    </p:bldLst>
   </p:timing>
 </p:sld>
 </file>
@@ -11821,7 +12355,13 @@
   <p:cSld>
     <p:spTree>
       <p:nvGrpSpPr>
-        <p:cNvPr id="1" name=""/>
+        <p:cNvPr id="1" name="">
+          <a:extLst>
+            <a:ext uri="{FF2B5EF4-FFF2-40B4-BE49-F238E27FC236}">
+              <a16:creationId xmlns:a16="http://schemas.microsoft.com/office/drawing/2014/main" id="{9342289B-B84E-95B8-2C34-2C0914ACF55D}"/>
+            </a:ext>
+          </a:extLst>
+        </p:cNvPr>
         <p:cNvGrpSpPr/>
         <p:nvPr/>
       </p:nvGrpSpPr>
@@ -11838,7 +12378,7 @@
           <p:cNvPr id="2" name="Title 1">
             <a:extLst>
               <a:ext uri="{FF2B5EF4-FFF2-40B4-BE49-F238E27FC236}">
-                <a16:creationId xmlns:a16="http://schemas.microsoft.com/office/drawing/2014/main" id="{43B37B89-5678-C5A8-D4CB-B663D415F34B}"/>
+                <a16:creationId xmlns:a16="http://schemas.microsoft.com/office/drawing/2014/main" id="{F3154260-F13A-55FD-25AD-028E5398A7D9}"/>
               </a:ext>
             </a:extLst>
           </p:cNvPr>
@@ -11868,13 +12408,13 @@
               </a:spcAft>
             </a:pPr>
             <a:r>
-              <a:rPr lang="en-US" sz="1800" b="1" u="sng" dirty="0">
+              <a:rPr lang="en-US" sz="1800" b="1" dirty="0">
                 <a:effectLst/>
                 <a:latin typeface="Calibri" panose="020F0502020204030204" pitchFamily="34" charset="0"/>
                 <a:ea typeface="Calibri" panose="020F0502020204030204" pitchFamily="34" charset="0"/>
                 <a:cs typeface="Times New Roman" panose="02020603050405020304" pitchFamily="18" charset="0"/>
               </a:rPr>
-              <a:t>Empirical Rule (68 – 95 – 99.7 Rule)</a:t>
+              <a:t>5-Number Summary and Boxplots</a:t>
             </a:r>
             <a:endParaRPr lang="en-US" sz="1800" dirty="0">
               <a:effectLst/>
@@ -11890,7 +12430,7 @@
           <p:cNvPr id="3" name="Text Placeholder 2">
             <a:extLst>
               <a:ext uri="{FF2B5EF4-FFF2-40B4-BE49-F238E27FC236}">
-                <a16:creationId xmlns:a16="http://schemas.microsoft.com/office/drawing/2014/main" id="{174A2818-11F1-9527-987C-744698490DA5}"/>
+                <a16:creationId xmlns:a16="http://schemas.microsoft.com/office/drawing/2014/main" id="{B611ED46-A693-0911-5F37-1B65C31B61D9}"/>
               </a:ext>
             </a:extLst>
           </p:cNvPr>
@@ -11903,53 +12443,199 @@
         </p:nvSpPr>
         <p:spPr>
           <a:xfrm>
-            <a:off x="152401" y="4232100"/>
-            <a:ext cx="8825149" cy="562200"/>
+            <a:off x="152402" y="935750"/>
+            <a:ext cx="5492400" cy="3700750"/>
           </a:xfrm>
         </p:spPr>
         <p:txBody>
           <a:bodyPr anchor="t"/>
           <a:lstStyle/>
           <a:p>
-            <a:pPr marL="914400" lvl="2">
-              <a:lnSpc>
-                <a:spcPct val="107000"/>
-              </a:lnSpc>
-              <a:spcBef>
-                <a:spcPts val="0"/>
-              </a:spcBef>
-              <a:spcAft>
-                <a:spcPts val="800"/>
-              </a:spcAft>
+            <a:pPr marL="533400" lvl="1" indent="0">
+              <a:buNone/>
             </a:pPr>
+            <a:endParaRPr lang="en-US" sz="1200" dirty="0"/>
+          </a:p>
+          <a:p>
             <a:r>
-              <a:rPr lang="en-US" sz="1800" dirty="0">
-                <a:effectLst/>
-                <a:latin typeface="Calibri" panose="020F0502020204030204" pitchFamily="34" charset="0"/>
-                <a:ea typeface="Calibri" panose="020F0502020204030204" pitchFamily="34" charset="0"/>
-                <a:cs typeface="Times New Roman" panose="02020603050405020304" pitchFamily="18" charset="0"/>
-              </a:rPr>
-              <a:t>We can use these breakdowns to find probabilities within certain intervals.</a:t>
+              <a:rPr lang="en-US" sz="1200" b="1" dirty="0"/>
+              <a:t>Quartiles</a:t>
+            </a:r>
+            <a:r>
+              <a:rPr lang="en-US" sz="1200" dirty="0"/>
+              <a:t> are specific percentiles.</a:t>
             </a:r>
           </a:p>
           <a:p>
-            <a:pPr marL="914400" lvl="2">
-              <a:lnSpc>
-                <a:spcPct val="107000"/>
-              </a:lnSpc>
-              <a:spcBef>
-                <a:spcPts val="0"/>
-              </a:spcBef>
-              <a:spcAft>
-                <a:spcPts val="800"/>
-              </a:spcAft>
-            </a:pPr>
-            <a:endParaRPr lang="en-US" sz="1800" dirty="0">
-              <a:effectLst/>
-              <a:latin typeface="Calibri" panose="020F0502020204030204" pitchFamily="34" charset="0"/>
-              <a:ea typeface="Calibri" panose="020F0502020204030204" pitchFamily="34" charset="0"/>
-              <a:cs typeface="Times New Roman" panose="02020603050405020304" pitchFamily="18" charset="0"/>
-            </a:endParaRPr>
+            <a:pPr lvl="1"/>
+            <a:r>
+              <a:rPr lang="en-US" sz="1200" dirty="0"/>
+              <a:t>Q</a:t>
+            </a:r>
+            <a:r>
+              <a:rPr lang="en-US" sz="1200" baseline="-25000" dirty="0"/>
+              <a:t>1</a:t>
+            </a:r>
+            <a:r>
+              <a:rPr lang="en-US" sz="1200" dirty="0"/>
+              <a:t> is the 25</a:t>
+            </a:r>
+            <a:r>
+              <a:rPr lang="en-US" sz="1200" baseline="30000" dirty="0"/>
+              <a:t>th</a:t>
+            </a:r>
+            <a:r>
+              <a:rPr lang="en-US" sz="1200" dirty="0"/>
+              <a:t> Percentile.</a:t>
+            </a:r>
+          </a:p>
+          <a:p>
+            <a:pPr lvl="1"/>
+            <a:r>
+              <a:rPr lang="en-US" sz="1200" dirty="0"/>
+              <a:t>Q</a:t>
+            </a:r>
+            <a:r>
+              <a:rPr lang="en-US" sz="1200" baseline="-25000" dirty="0"/>
+              <a:t>3</a:t>
+            </a:r>
+            <a:r>
+              <a:rPr lang="en-US" sz="1200" dirty="0"/>
+              <a:t> is the 75</a:t>
+            </a:r>
+            <a:r>
+              <a:rPr lang="en-US" sz="1200" baseline="30000" dirty="0"/>
+              <a:t>th</a:t>
+            </a:r>
+            <a:r>
+              <a:rPr lang="en-US" sz="1200" dirty="0"/>
+              <a:t> Percentile.</a:t>
+            </a:r>
+          </a:p>
+          <a:p>
+            <a:pPr lvl="1"/>
+            <a:r>
+              <a:rPr lang="en-US" sz="1200" dirty="0"/>
+              <a:t>Q</a:t>
+            </a:r>
+            <a:r>
+              <a:rPr lang="en-US" sz="1200" baseline="-25000" dirty="0"/>
+              <a:t>2</a:t>
+            </a:r>
+            <a:r>
+              <a:rPr lang="en-US" sz="1200" dirty="0"/>
+              <a:t> is the 50</a:t>
+            </a:r>
+            <a:r>
+              <a:rPr lang="en-US" sz="1200" baseline="30000" dirty="0"/>
+              <a:t>th</a:t>
+            </a:r>
+            <a:r>
+              <a:rPr lang="en-US" sz="1200" dirty="0"/>
+              <a:t> Percentile = Median.</a:t>
+            </a:r>
+          </a:p>
+          <a:p>
+            <a:r>
+              <a:rPr lang="en-US" sz="1200" b="1" dirty="0"/>
+              <a:t>Inner Quartile Range (IQR)</a:t>
+            </a:r>
+          </a:p>
+          <a:p>
+            <a:pPr lvl="1"/>
+            <a:r>
+              <a:rPr lang="en-US" sz="1200" dirty="0"/>
+              <a:t>Another measure of variation, less informative than the standard deviation.</a:t>
+            </a:r>
+          </a:p>
+          <a:p>
+            <a:pPr lvl="1"/>
+            <a:r>
+              <a:rPr lang="en-US" sz="1200" dirty="0"/>
+              <a:t>Uses </a:t>
+            </a:r>
+            <a:r>
+              <a:rPr lang="en-US" sz="1200" u="sng" dirty="0"/>
+              <a:t>quartiles</a:t>
+            </a:r>
+            <a:r>
+              <a:rPr lang="en-US" sz="1200" dirty="0"/>
+              <a:t> to measure how far data is spread out around the </a:t>
+            </a:r>
+            <a:r>
+              <a:rPr lang="en-US" sz="1200" u="sng" dirty="0"/>
+              <a:t>median</a:t>
+            </a:r>
+            <a:r>
+              <a:rPr lang="en-US" sz="1200" dirty="0"/>
+              <a:t>. Specifically, it measures the range of the middle 50% of the data</a:t>
+            </a:r>
+          </a:p>
+          <a:p>
+            <a:pPr lvl="2"/>
+            <a:r>
+              <a:rPr lang="en-US" sz="1200" dirty="0"/>
+              <a:t>IQR = Q</a:t>
+            </a:r>
+            <a:r>
+              <a:rPr lang="en-US" sz="1200" baseline="-25000" dirty="0"/>
+              <a:t>3</a:t>
+            </a:r>
+            <a:r>
+              <a:rPr lang="en-US" sz="1200" dirty="0"/>
+              <a:t> – Q</a:t>
+            </a:r>
+            <a:r>
+              <a:rPr lang="en-US" sz="1200" baseline="-25000" dirty="0"/>
+              <a:t>1</a:t>
+            </a:r>
+          </a:p>
+          <a:p>
+            <a:pPr lvl="1"/>
+            <a:r>
+              <a:rPr lang="en-US" sz="1200" dirty="0"/>
+              <a:t>Visualized very well in boxplots! It is the length of the box!</a:t>
+            </a:r>
+          </a:p>
+          <a:p>
+            <a:r>
+              <a:rPr lang="en-US" sz="1200" b="1" dirty="0"/>
+              <a:t>5-number summary</a:t>
+            </a:r>
+          </a:p>
+          <a:p>
+            <a:pPr lvl="1"/>
+            <a:r>
+              <a:rPr lang="en-US" sz="1200" b="1" dirty="0"/>
+              <a:t>Min, Q</a:t>
+            </a:r>
+            <a:r>
+              <a:rPr lang="en-US" sz="1200" b="1" baseline="-25000" dirty="0"/>
+              <a:t>1</a:t>
+            </a:r>
+            <a:r>
+              <a:rPr lang="en-US" sz="1200" b="1" dirty="0"/>
+              <a:t>, Med, Q</a:t>
+            </a:r>
+            <a:r>
+              <a:rPr lang="en-US" sz="1200" b="1" baseline="-25000" dirty="0"/>
+              <a:t>3</a:t>
+            </a:r>
+            <a:r>
+              <a:rPr lang="en-US" sz="1200" b="1" dirty="0"/>
+              <a:t>, Max </a:t>
+            </a:r>
+            <a:r>
+              <a:rPr lang="en-US" sz="1200" b="1" dirty="0">
+                <a:sym typeface="Wingdings" pitchFamily="2" charset="2"/>
+              </a:rPr>
+              <a:t> Points of a boxplot</a:t>
+            </a:r>
+            <a:endParaRPr lang="en-US" sz="1200" b="1" dirty="0"/>
+          </a:p>
+          <a:p>
+            <a:pPr lvl="1"/>
+            <a:endParaRPr lang="en-US" sz="1200" dirty="0"/>
           </a:p>
         </p:txBody>
       </p:sp>
@@ -11958,7 +12644,7 @@
           <p:cNvPr id="4" name="Slide Number Placeholder 3">
             <a:extLst>
               <a:ext uri="{FF2B5EF4-FFF2-40B4-BE49-F238E27FC236}">
-                <a16:creationId xmlns:a16="http://schemas.microsoft.com/office/drawing/2014/main" id="{4560313A-44E4-C84A-69E5-B6D15EFB1F1D}"/>
+                <a16:creationId xmlns:a16="http://schemas.microsoft.com/office/drawing/2014/main" id="{628BD264-9054-8EE2-E3D0-F37CF4F7DE68}"/>
               </a:ext>
             </a:extLst>
           </p:cNvPr>
@@ -11996,7 +12682,7 @@
           <p:cNvPr id="12" name="Group 11">
             <a:extLst>
               <a:ext uri="{FF2B5EF4-FFF2-40B4-BE49-F238E27FC236}">
-                <a16:creationId xmlns:a16="http://schemas.microsoft.com/office/drawing/2014/main" id="{CF8E0F3B-B17D-D848-8C9B-FC4AE1F4C070}"/>
+                <a16:creationId xmlns:a16="http://schemas.microsoft.com/office/drawing/2014/main" id="{C985C18D-B1E4-EA6E-BB82-F0B21D620F78}"/>
               </a:ext>
             </a:extLst>
           </p:cNvPr>
@@ -12016,7 +12702,7 @@
             <p:cNvPr id="13" name="Google Shape;304;p20">
               <a:extLst>
                 <a:ext uri="{FF2B5EF4-FFF2-40B4-BE49-F238E27FC236}">
-                  <a16:creationId xmlns:a16="http://schemas.microsoft.com/office/drawing/2014/main" id="{4A6B4400-3106-9848-AD9C-0180A6E61CAD}"/>
+                  <a16:creationId xmlns:a16="http://schemas.microsoft.com/office/drawing/2014/main" id="{28157806-5CBC-4738-37E4-0C0984988CD3}"/>
                 </a:ext>
               </a:extLst>
             </p:cNvPr>
@@ -12076,7 +12762,7 @@
             <p:cNvPr id="14" name="Google Shape;305;p20">
               <a:extLst>
                 <a:ext uri="{FF2B5EF4-FFF2-40B4-BE49-F238E27FC236}">
-                  <a16:creationId xmlns:a16="http://schemas.microsoft.com/office/drawing/2014/main" id="{40896E37-832F-F647-88DA-2D2949A56D72}"/>
+                  <a16:creationId xmlns:a16="http://schemas.microsoft.com/office/drawing/2014/main" id="{22C3F67F-2B78-71B1-19AF-04B0CA465713}"/>
                 </a:ext>
               </a:extLst>
             </p:cNvPr>
@@ -12134,7 +12820,7 @@
             <p:cNvPr id="15" name="Google Shape;306;p20">
               <a:extLst>
                 <a:ext uri="{FF2B5EF4-FFF2-40B4-BE49-F238E27FC236}">
-                  <a16:creationId xmlns:a16="http://schemas.microsoft.com/office/drawing/2014/main" id="{1F86357B-7661-0847-B941-F58410521CB4}"/>
+                  <a16:creationId xmlns:a16="http://schemas.microsoft.com/office/drawing/2014/main" id="{3BD7ADC8-B947-ACDB-5132-0E329486C6C7}"/>
                 </a:ext>
               </a:extLst>
             </p:cNvPr>
@@ -12192,7 +12878,7 @@
             <p:cNvPr id="16" name="Google Shape;307;p20">
               <a:extLst>
                 <a:ext uri="{FF2B5EF4-FFF2-40B4-BE49-F238E27FC236}">
-                  <a16:creationId xmlns:a16="http://schemas.microsoft.com/office/drawing/2014/main" id="{6A07B4C9-521D-624A-8DDC-A828FB8B267F}"/>
+                  <a16:creationId xmlns:a16="http://schemas.microsoft.com/office/drawing/2014/main" id="{7B04C853-F95B-C63D-29BC-5FECCB46C5D1}"/>
                 </a:ext>
               </a:extLst>
             </p:cNvPr>
@@ -12253,7 +12939,7 @@
           <p:cNvPr id="17" name="Google Shape;308;p20">
             <a:extLst>
               <a:ext uri="{FF2B5EF4-FFF2-40B4-BE49-F238E27FC236}">
-                <a16:creationId xmlns:a16="http://schemas.microsoft.com/office/drawing/2014/main" id="{F7A8ECA2-4414-BA49-ABC9-EED9E962BA31}"/>
+                <a16:creationId xmlns:a16="http://schemas.microsoft.com/office/drawing/2014/main" id="{7086ABF5-B4FE-5D7B-CC3A-CC8E5656586E}"/>
               </a:ext>
             </a:extLst>
           </p:cNvPr>
@@ -12314,10 +13000,10 @@
       </p:sp>
       <p:pic>
         <p:nvPicPr>
-          <p:cNvPr id="6" name="Picture 5">
+          <p:cNvPr id="25" name="Picture 24">
             <a:extLst>
               <a:ext uri="{FF2B5EF4-FFF2-40B4-BE49-F238E27FC236}">
-                <a16:creationId xmlns:a16="http://schemas.microsoft.com/office/drawing/2014/main" id="{58C3BF61-49B7-1936-D9E3-F45E72C08DFE}"/>
+                <a16:creationId xmlns:a16="http://schemas.microsoft.com/office/drawing/2014/main" id="{124EFDB1-BCD3-C2A3-6D59-C45C7F1254C9}"/>
               </a:ext>
             </a:extLst>
           </p:cNvPr>
@@ -12326,32 +13012,294 @@
           </p:cNvPicPr>
           <p:nvPr/>
         </p:nvPicPr>
-        <p:blipFill>
+        <p:blipFill rotWithShape="1">
           <a:blip r:embed="rId2"/>
-          <a:stretch>
-            <a:fillRect/>
-          </a:stretch>
+          <a:srcRect t="7320"/>
+          <a:stretch/>
         </p:blipFill>
         <p:spPr>
           <a:xfrm>
-            <a:off x="1217385" y="1309709"/>
-            <a:ext cx="5607958" cy="3002686"/>
+            <a:off x="5678685" y="1501698"/>
+            <a:ext cx="2996964" cy="3115512"/>
           </a:xfrm>
           <a:prstGeom prst="rect">
             <a:avLst/>
           </a:prstGeom>
         </p:spPr>
       </p:pic>
+      <p:sp>
+        <p:nvSpPr>
+          <p:cNvPr id="26" name="Oval 25">
+            <a:extLst>
+              <a:ext uri="{FF2B5EF4-FFF2-40B4-BE49-F238E27FC236}">
+                <a16:creationId xmlns:a16="http://schemas.microsoft.com/office/drawing/2014/main" id="{F9898740-FA15-6971-F6DF-D314F1FD321E}"/>
+              </a:ext>
+            </a:extLst>
+          </p:cNvPr>
+          <p:cNvSpPr/>
+          <p:nvPr/>
+        </p:nvSpPr>
+        <p:spPr>
+          <a:xfrm>
+            <a:off x="1409076" y="3844977"/>
+            <a:ext cx="1409075" cy="262328"/>
+          </a:xfrm>
+          <a:prstGeom prst="ellipse">
+            <a:avLst/>
+          </a:prstGeom>
+          <a:noFill/>
+        </p:spPr>
+        <p:style>
+          <a:lnRef idx="2">
+            <a:schemeClr val="accent1">
+              <a:shade val="15000"/>
+            </a:schemeClr>
+          </a:lnRef>
+          <a:fillRef idx="1">
+            <a:schemeClr val="accent1"/>
+          </a:fillRef>
+          <a:effectRef idx="0">
+            <a:schemeClr val="accent1"/>
+          </a:effectRef>
+          <a:fontRef idx="minor">
+            <a:schemeClr val="lt1"/>
+          </a:fontRef>
+        </p:style>
+        <p:txBody>
+          <a:bodyPr rtlCol="0" anchor="ctr"/>
+          <a:lstStyle/>
+          <a:p>
+            <a:pPr algn="ctr"/>
+            <a:endParaRPr lang="en-US"/>
+          </a:p>
+        </p:txBody>
+      </p:sp>
+      <p:sp>
+        <p:nvSpPr>
+          <p:cNvPr id="27" name="Oval 26">
+            <a:extLst>
+              <a:ext uri="{FF2B5EF4-FFF2-40B4-BE49-F238E27FC236}">
+                <a16:creationId xmlns:a16="http://schemas.microsoft.com/office/drawing/2014/main" id="{416314D6-6E39-C80C-EC36-13B91914D72A}"/>
+              </a:ext>
+            </a:extLst>
+          </p:cNvPr>
+          <p:cNvSpPr/>
+          <p:nvPr/>
+        </p:nvSpPr>
+        <p:spPr>
+          <a:xfrm>
+            <a:off x="1029325" y="4750354"/>
+            <a:ext cx="1586459" cy="262328"/>
+          </a:xfrm>
+          <a:prstGeom prst="ellipse">
+            <a:avLst/>
+          </a:prstGeom>
+          <a:noFill/>
+        </p:spPr>
+        <p:style>
+          <a:lnRef idx="2">
+            <a:schemeClr val="accent1">
+              <a:shade val="15000"/>
+            </a:schemeClr>
+          </a:lnRef>
+          <a:fillRef idx="1">
+            <a:schemeClr val="accent1"/>
+          </a:fillRef>
+          <a:effectRef idx="0">
+            <a:schemeClr val="accent1"/>
+          </a:effectRef>
+          <a:fontRef idx="minor">
+            <a:schemeClr val="lt1"/>
+          </a:fontRef>
+        </p:style>
+        <p:txBody>
+          <a:bodyPr rtlCol="0" anchor="ctr"/>
+          <a:lstStyle/>
+          <a:p>
+            <a:pPr algn="ctr"/>
+            <a:endParaRPr lang="en-US"/>
+          </a:p>
+        </p:txBody>
+      </p:sp>
     </p:spTree>
     <p:extLst>
       <p:ext uri="{BB962C8B-B14F-4D97-AF65-F5344CB8AC3E}">
-        <p14:creationId xmlns:p14="http://schemas.microsoft.com/office/powerpoint/2010/main" val="317224951"/>
+        <p14:creationId xmlns:p14="http://schemas.microsoft.com/office/powerpoint/2010/main" val="1105857349"/>
       </p:ext>
     </p:extLst>
   </p:cSld>
   <p:clrMapOvr>
     <a:masterClrMapping/>
   </p:clrMapOvr>
+  <p:timing>
+    <p:tnLst>
+      <p:par>
+        <p:cTn id="1" dur="indefinite" restart="never" nodeType="tmRoot">
+          <p:childTnLst>
+            <p:seq concurrent="1" nextAc="seek">
+              <p:cTn id="2" dur="indefinite" nodeType="mainSeq">
+                <p:childTnLst>
+                  <p:par>
+                    <p:cTn id="3" fill="hold">
+                      <p:stCondLst>
+                        <p:cond delay="indefinite"/>
+                      </p:stCondLst>
+                      <p:childTnLst>
+                        <p:par>
+                          <p:cTn id="4" fill="hold">
+                            <p:stCondLst>
+                              <p:cond delay="0"/>
+                            </p:stCondLst>
+                            <p:childTnLst>
+                              <p:par>
+                                <p:cTn id="5" presetID="1" presetClass="entr" presetSubtype="0" fill="hold" grpId="0" nodeType="clickEffect">
+                                  <p:stCondLst>
+                                    <p:cond delay="0"/>
+                                  </p:stCondLst>
+                                  <p:childTnLst>
+                                    <p:set>
+                                      <p:cBhvr>
+                                        <p:cTn id="6" dur="1" fill="hold">
+                                          <p:stCondLst>
+                                            <p:cond delay="0"/>
+                                          </p:stCondLst>
+                                        </p:cTn>
+                                        <p:tgtEl>
+                                          <p:spTgt spid="26"/>
+                                        </p:tgtEl>
+                                        <p:attrNameLst>
+                                          <p:attrName>style.visibility</p:attrName>
+                                        </p:attrNameLst>
+                                      </p:cBhvr>
+                                      <p:to>
+                                        <p:strVal val="visible"/>
+                                      </p:to>
+                                    </p:set>
+                                  </p:childTnLst>
+                                </p:cTn>
+                              </p:par>
+                            </p:childTnLst>
+                          </p:cTn>
+                        </p:par>
+                      </p:childTnLst>
+                    </p:cTn>
+                  </p:par>
+                  <p:par>
+                    <p:cTn id="7" fill="hold">
+                      <p:stCondLst>
+                        <p:cond delay="indefinite"/>
+                      </p:stCondLst>
+                      <p:childTnLst>
+                        <p:par>
+                          <p:cTn id="8" fill="hold">
+                            <p:stCondLst>
+                              <p:cond delay="0"/>
+                            </p:stCondLst>
+                            <p:childTnLst>
+                              <p:par>
+                                <p:cTn id="9" presetID="1" presetClass="entr" presetSubtype="0" fill="hold" grpId="0" nodeType="clickEffect">
+                                  <p:stCondLst>
+                                    <p:cond delay="0"/>
+                                  </p:stCondLst>
+                                  <p:childTnLst>
+                                    <p:set>
+                                      <p:cBhvr>
+                                        <p:cTn id="10" dur="1" fill="hold">
+                                          <p:stCondLst>
+                                            <p:cond delay="0"/>
+                                          </p:stCondLst>
+                                        </p:cTn>
+                                        <p:tgtEl>
+                                          <p:spTgt spid="27"/>
+                                        </p:tgtEl>
+                                        <p:attrNameLst>
+                                          <p:attrName>style.visibility</p:attrName>
+                                        </p:attrNameLst>
+                                      </p:cBhvr>
+                                      <p:to>
+                                        <p:strVal val="visible"/>
+                                      </p:to>
+                                    </p:set>
+                                  </p:childTnLst>
+                                </p:cTn>
+                              </p:par>
+                            </p:childTnLst>
+                          </p:cTn>
+                        </p:par>
+                      </p:childTnLst>
+                    </p:cTn>
+                  </p:par>
+                  <p:par>
+                    <p:cTn id="11" fill="hold">
+                      <p:stCondLst>
+                        <p:cond delay="indefinite"/>
+                      </p:stCondLst>
+                      <p:childTnLst>
+                        <p:par>
+                          <p:cTn id="12" fill="hold">
+                            <p:stCondLst>
+                              <p:cond delay="0"/>
+                            </p:stCondLst>
+                            <p:childTnLst>
+                              <p:par>
+                                <p:cTn id="13" presetID="1" presetClass="entr" presetSubtype="0" fill="hold" nodeType="clickEffect">
+                                  <p:stCondLst>
+                                    <p:cond delay="0"/>
+                                  </p:stCondLst>
+                                  <p:childTnLst>
+                                    <p:set>
+                                      <p:cBhvr>
+                                        <p:cTn id="14" dur="1" fill="hold">
+                                          <p:stCondLst>
+                                            <p:cond delay="0"/>
+                                          </p:stCondLst>
+                                        </p:cTn>
+                                        <p:tgtEl>
+                                          <p:spTgt spid="25"/>
+                                        </p:tgtEl>
+                                        <p:attrNameLst>
+                                          <p:attrName>style.visibility</p:attrName>
+                                        </p:attrNameLst>
+                                      </p:cBhvr>
+                                      <p:to>
+                                        <p:strVal val="visible"/>
+                                      </p:to>
+                                    </p:set>
+                                  </p:childTnLst>
+                                </p:cTn>
+                              </p:par>
+                            </p:childTnLst>
+                          </p:cTn>
+                        </p:par>
+                      </p:childTnLst>
+                    </p:cTn>
+                  </p:par>
+                </p:childTnLst>
+              </p:cTn>
+              <p:prevCondLst>
+                <p:cond evt="onPrev" delay="0">
+                  <p:tgtEl>
+                    <p:sldTgt/>
+                  </p:tgtEl>
+                </p:cond>
+              </p:prevCondLst>
+              <p:nextCondLst>
+                <p:cond evt="onNext" delay="0">
+                  <p:tgtEl>
+                    <p:sldTgt/>
+                  </p:tgtEl>
+                </p:cond>
+              </p:nextCondLst>
+            </p:seq>
+          </p:childTnLst>
+        </p:cTn>
+      </p:par>
+    </p:tnLst>
+    <p:bldLst>
+      <p:bldP spid="26" grpId="0" animBg="1"/>
+      <p:bldP spid="27" grpId="0" animBg="1"/>
+    </p:bldLst>
+  </p:timing>
 </p:sld>
 </file>
 
@@ -12360,7 +13308,13 @@
   <p:cSld>
     <p:spTree>
       <p:nvGrpSpPr>
-        <p:cNvPr id="1" name=""/>
+        <p:cNvPr id="1" name="">
+          <a:extLst>
+            <a:ext uri="{FF2B5EF4-FFF2-40B4-BE49-F238E27FC236}">
+              <a16:creationId xmlns:a16="http://schemas.microsoft.com/office/drawing/2014/main" id="{F56407AB-5095-0D46-90EF-F5DC1F0E568E}"/>
+            </a:ext>
+          </a:extLst>
+        </p:cNvPr>
         <p:cNvGrpSpPr/>
         <p:nvPr/>
       </p:nvGrpSpPr>
@@ -12377,7 +13331,7 @@
           <p:cNvPr id="2" name="Title 1">
             <a:extLst>
               <a:ext uri="{FF2B5EF4-FFF2-40B4-BE49-F238E27FC236}">
-                <a16:creationId xmlns:a16="http://schemas.microsoft.com/office/drawing/2014/main" id="{43B37B89-5678-C5A8-D4CB-B663D415F34B}"/>
+                <a16:creationId xmlns:a16="http://schemas.microsoft.com/office/drawing/2014/main" id="{8E083177-AA26-10BD-1398-EA2FC52E13EE}"/>
               </a:ext>
             </a:extLst>
           </p:cNvPr>
@@ -12407,88 +13361,14 @@
               </a:spcAft>
             </a:pPr>
             <a:r>
-              <a:rPr lang="en-US" sz="1800" b="1" u="sng" dirty="0">
-                <a:effectLst/>
-                <a:latin typeface="Calibri" panose="020F0502020204030204" pitchFamily="34" charset="0"/>
-                <a:ea typeface="Calibri" panose="020F0502020204030204" pitchFamily="34" charset="0"/>
-                <a:cs typeface="Times New Roman" panose="02020603050405020304" pitchFamily="18" charset="0"/>
-              </a:rPr>
-              <a:t>Empirical Rule Examples</a:t>
-            </a:r>
-            <a:endParaRPr lang="en-US" sz="1800" dirty="0">
-              <a:effectLst/>
-              <a:latin typeface="Calibri" panose="020F0502020204030204" pitchFamily="34" charset="0"/>
-              <a:ea typeface="Calibri" panose="020F0502020204030204" pitchFamily="34" charset="0"/>
-              <a:cs typeface="Times New Roman" panose="02020603050405020304" pitchFamily="18" charset="0"/>
-            </a:endParaRPr>
-          </a:p>
-        </p:txBody>
-      </p:sp>
-      <p:sp>
-        <p:nvSpPr>
-          <p:cNvPr id="3" name="Text Placeholder 2">
-            <a:extLst>
-              <a:ext uri="{FF2B5EF4-FFF2-40B4-BE49-F238E27FC236}">
-                <a16:creationId xmlns:a16="http://schemas.microsoft.com/office/drawing/2014/main" id="{174A2818-11F1-9527-987C-744698490DA5}"/>
-              </a:ext>
-            </a:extLst>
-          </p:cNvPr>
-          <p:cNvSpPr>
-            <a:spLocks noGrp="1"/>
-          </p:cNvSpPr>
-          <p:nvPr>
-            <p:ph type="body" idx="1"/>
-          </p:nvPr>
-        </p:nvSpPr>
-        <p:spPr>
-          <a:xfrm>
-            <a:off x="272951" y="1485866"/>
-            <a:ext cx="8312799" cy="1176596"/>
-          </a:xfrm>
-        </p:spPr>
-        <p:txBody>
-          <a:bodyPr anchor="t"/>
-          <a:lstStyle/>
-          <a:p>
-            <a:pPr marL="0" marR="0">
-              <a:spcBef>
-                <a:spcPts val="0"/>
-              </a:spcBef>
-              <a:spcAft>
-                <a:spcPts val="0"/>
-              </a:spcAft>
-            </a:pPr>
-            <a:r>
               <a:rPr lang="en-US" sz="1800" b="1" dirty="0">
                 <a:effectLst/>
                 <a:latin typeface="Calibri" panose="020F0502020204030204" pitchFamily="34" charset="0"/>
                 <a:ea typeface="Calibri" panose="020F0502020204030204" pitchFamily="34" charset="0"/>
                 <a:cs typeface="Times New Roman" panose="02020603050405020304" pitchFamily="18" charset="0"/>
               </a:rPr>
-              <a:t>Example 5</a:t>
+              <a:t>5-Number Summary and Boxplots</a:t>
             </a:r>
-            <a:r>
-              <a:rPr lang="en-US" sz="1800" dirty="0">
-                <a:effectLst/>
-                <a:latin typeface="Calibri" panose="020F0502020204030204" pitchFamily="34" charset="0"/>
-                <a:ea typeface="Calibri" panose="020F0502020204030204" pitchFamily="34" charset="0"/>
-                <a:cs typeface="Times New Roman" panose="02020603050405020304" pitchFamily="18" charset="0"/>
-              </a:rPr>
-              <a:t>: Suppose that IQ scores have a bell-shaped distribution with a mean of 105 and a standard deviation of 15. Using the empirical rule answer the following questions:</a:t>
-            </a:r>
-          </a:p>
-          <a:p>
-            <a:pPr marL="914400" lvl="2">
-              <a:lnSpc>
-                <a:spcPct val="107000"/>
-              </a:lnSpc>
-              <a:spcBef>
-                <a:spcPts val="0"/>
-              </a:spcBef>
-              <a:spcAft>
-                <a:spcPts val="800"/>
-              </a:spcAft>
-            </a:pPr>
             <a:endParaRPr lang="en-US" sz="1800" dirty="0">
               <a:effectLst/>
               <a:latin typeface="Calibri" panose="020F0502020204030204" pitchFamily="34" charset="0"/>
@@ -12503,7 +13383,7 @@
           <p:cNvPr id="4" name="Slide Number Placeholder 3">
             <a:extLst>
               <a:ext uri="{FF2B5EF4-FFF2-40B4-BE49-F238E27FC236}">
-                <a16:creationId xmlns:a16="http://schemas.microsoft.com/office/drawing/2014/main" id="{4560313A-44E4-C84A-69E5-B6D15EFB1F1D}"/>
+                <a16:creationId xmlns:a16="http://schemas.microsoft.com/office/drawing/2014/main" id="{9175894F-BE13-0E7D-F7A3-D9836C3CEA17}"/>
               </a:ext>
             </a:extLst>
           </p:cNvPr>
@@ -12541,7 +13421,7 @@
           <p:cNvPr id="12" name="Group 11">
             <a:extLst>
               <a:ext uri="{FF2B5EF4-FFF2-40B4-BE49-F238E27FC236}">
-                <a16:creationId xmlns:a16="http://schemas.microsoft.com/office/drawing/2014/main" id="{CF8E0F3B-B17D-D848-8C9B-FC4AE1F4C070}"/>
+                <a16:creationId xmlns:a16="http://schemas.microsoft.com/office/drawing/2014/main" id="{7189E897-C534-3CA8-D114-CC3DB2C287D3}"/>
               </a:ext>
             </a:extLst>
           </p:cNvPr>
@@ -12561,7 +13441,7 @@
             <p:cNvPr id="13" name="Google Shape;304;p20">
               <a:extLst>
                 <a:ext uri="{FF2B5EF4-FFF2-40B4-BE49-F238E27FC236}">
-                  <a16:creationId xmlns:a16="http://schemas.microsoft.com/office/drawing/2014/main" id="{4A6B4400-3106-9848-AD9C-0180A6E61CAD}"/>
+                  <a16:creationId xmlns:a16="http://schemas.microsoft.com/office/drawing/2014/main" id="{0B186943-47DB-CF61-8E81-E5DC022667B2}"/>
                 </a:ext>
               </a:extLst>
             </p:cNvPr>
@@ -12621,7 +13501,7 @@
             <p:cNvPr id="14" name="Google Shape;305;p20">
               <a:extLst>
                 <a:ext uri="{FF2B5EF4-FFF2-40B4-BE49-F238E27FC236}">
-                  <a16:creationId xmlns:a16="http://schemas.microsoft.com/office/drawing/2014/main" id="{40896E37-832F-F647-88DA-2D2949A56D72}"/>
+                  <a16:creationId xmlns:a16="http://schemas.microsoft.com/office/drawing/2014/main" id="{81EC35F6-F8F6-A730-E2A7-9D0B75441B5B}"/>
                 </a:ext>
               </a:extLst>
             </p:cNvPr>
@@ -12679,7 +13559,7 @@
             <p:cNvPr id="15" name="Google Shape;306;p20">
               <a:extLst>
                 <a:ext uri="{FF2B5EF4-FFF2-40B4-BE49-F238E27FC236}">
-                  <a16:creationId xmlns:a16="http://schemas.microsoft.com/office/drawing/2014/main" id="{1F86357B-7661-0847-B941-F58410521CB4}"/>
+                  <a16:creationId xmlns:a16="http://schemas.microsoft.com/office/drawing/2014/main" id="{C099824E-6FE6-5B4C-9F97-69A2D8B2F86C}"/>
                 </a:ext>
               </a:extLst>
             </p:cNvPr>
@@ -12737,7 +13617,7 @@
             <p:cNvPr id="16" name="Google Shape;307;p20">
               <a:extLst>
                 <a:ext uri="{FF2B5EF4-FFF2-40B4-BE49-F238E27FC236}">
-                  <a16:creationId xmlns:a16="http://schemas.microsoft.com/office/drawing/2014/main" id="{6A07B4C9-521D-624A-8DDC-A828FB8B267F}"/>
+                  <a16:creationId xmlns:a16="http://schemas.microsoft.com/office/drawing/2014/main" id="{48E6A362-2B19-A309-8F7B-8E1B115FA419}"/>
                 </a:ext>
               </a:extLst>
             </p:cNvPr>
@@ -12798,7 +13678,7 @@
           <p:cNvPr id="17" name="Google Shape;308;p20">
             <a:extLst>
               <a:ext uri="{FF2B5EF4-FFF2-40B4-BE49-F238E27FC236}">
-                <a16:creationId xmlns:a16="http://schemas.microsoft.com/office/drawing/2014/main" id="{F7A8ECA2-4414-BA49-ABC9-EED9E962BA31}"/>
+                <a16:creationId xmlns:a16="http://schemas.microsoft.com/office/drawing/2014/main" id="{11E1679B-CCE5-4469-D524-69099D1E2D66}"/>
               </a:ext>
             </a:extLst>
           </p:cNvPr>
@@ -12857,12 +13737,530 @@
           </a:p>
         </p:txBody>
       </p:sp>
+      <p:pic>
+        <p:nvPicPr>
+          <p:cNvPr id="170" name="Picture 169">
+            <a:extLst>
+              <a:ext uri="{FF2B5EF4-FFF2-40B4-BE49-F238E27FC236}">
+                <a16:creationId xmlns:a16="http://schemas.microsoft.com/office/drawing/2014/main" id="{D8FD26C7-F472-6F72-7CAF-595CF422728D}"/>
+              </a:ext>
+            </a:extLst>
+          </p:cNvPr>
+          <p:cNvPicPr>
+            <a:picLocks noChangeAspect="1"/>
+          </p:cNvPicPr>
+          <p:nvPr/>
+        </p:nvPicPr>
+        <p:blipFill>
+          <a:blip r:embed="rId2"/>
+          <a:stretch>
+            <a:fillRect/>
+          </a:stretch>
+        </p:blipFill>
+        <p:spPr>
+          <a:xfrm>
+            <a:off x="1955180" y="1157868"/>
+            <a:ext cx="4066812" cy="3656401"/>
+          </a:xfrm>
+          <a:prstGeom prst="rect">
+            <a:avLst/>
+          </a:prstGeom>
+        </p:spPr>
+      </p:pic>
+    </p:spTree>
+    <p:extLst>
+      <p:ext uri="{BB962C8B-B14F-4D97-AF65-F5344CB8AC3E}">
+        <p14:creationId xmlns:p14="http://schemas.microsoft.com/office/powerpoint/2010/main" val="4099521617"/>
+      </p:ext>
+    </p:extLst>
+  </p:cSld>
+  <p:clrMapOvr>
+    <a:masterClrMapping/>
+  </p:clrMapOvr>
+</p:sld>
+</file>
+
+<file path=ppt/slides/slide19.xml><?xml version="1.0" encoding="utf-8"?>
+<p:sld xmlns:a="http://schemas.openxmlformats.org/drawingml/2006/main" xmlns:r="http://schemas.openxmlformats.org/officeDocument/2006/relationships" xmlns:p="http://schemas.openxmlformats.org/presentationml/2006/main">
+  <p:cSld>
+    <p:spTree>
+      <p:nvGrpSpPr>
+        <p:cNvPr id="1" name="">
+          <a:extLst>
+            <a:ext uri="{FF2B5EF4-FFF2-40B4-BE49-F238E27FC236}">
+              <a16:creationId xmlns:a16="http://schemas.microsoft.com/office/drawing/2014/main" id="{8B37599D-C992-BF88-3C6F-9B64D8803BD3}"/>
+            </a:ext>
+          </a:extLst>
+        </p:cNvPr>
+        <p:cNvGrpSpPr/>
+        <p:nvPr/>
+      </p:nvGrpSpPr>
+      <p:grpSpPr>
+        <a:xfrm>
+          <a:off x="0" y="0"/>
+          <a:ext cx="0" cy="0"/>
+          <a:chOff x="0" y="0"/>
+          <a:chExt cx="0" cy="0"/>
+        </a:xfrm>
+      </p:grpSpPr>
       <p:sp>
         <p:nvSpPr>
-          <p:cNvPr id="5" name="Text Box 2">
+          <p:cNvPr id="2" name="Title 1">
             <a:extLst>
               <a:ext uri="{FF2B5EF4-FFF2-40B4-BE49-F238E27FC236}">
-                <a16:creationId xmlns:a16="http://schemas.microsoft.com/office/drawing/2014/main" id="{0C23A914-41A0-7E98-7EA6-056E305A783D}"/>
+                <a16:creationId xmlns:a16="http://schemas.microsoft.com/office/drawing/2014/main" id="{C7F04CC2-7E17-2FCD-326C-971DA8A8AD35}"/>
+              </a:ext>
+            </a:extLst>
+          </p:cNvPr>
+          <p:cNvSpPr>
+            <a:spLocks noGrp="1"/>
+          </p:cNvSpPr>
+          <p:nvPr>
+            <p:ph type="title"/>
+          </p:nvPr>
+        </p:nvSpPr>
+        <p:spPr>
+          <a:xfrm>
+            <a:off x="771441" y="391668"/>
+            <a:ext cx="5492400" cy="766200"/>
+          </a:xfrm>
+        </p:spPr>
+        <p:txBody>
+          <a:bodyPr/>
+          <a:lstStyle/>
+          <a:p>
+            <a:pPr marL="0" marR="0">
+              <a:spcBef>
+                <a:spcPts val="0"/>
+              </a:spcBef>
+              <a:spcAft>
+                <a:spcPts val="0"/>
+              </a:spcAft>
+            </a:pPr>
+            <a:r>
+              <a:rPr lang="en-US" sz="1800" b="1" dirty="0">
+                <a:effectLst/>
+                <a:latin typeface="Calibri" panose="020F0502020204030204" pitchFamily="34" charset="0"/>
+                <a:ea typeface="Calibri" panose="020F0502020204030204" pitchFamily="34" charset="0"/>
+                <a:cs typeface="Times New Roman" panose="02020603050405020304" pitchFamily="18" charset="0"/>
+              </a:rPr>
+              <a:t>Examples</a:t>
+            </a:r>
+            <a:endParaRPr lang="en-US" sz="1800" dirty="0">
+              <a:effectLst/>
+              <a:latin typeface="Calibri" panose="020F0502020204030204" pitchFamily="34" charset="0"/>
+              <a:ea typeface="Calibri" panose="020F0502020204030204" pitchFamily="34" charset="0"/>
+              <a:cs typeface="Times New Roman" panose="02020603050405020304" pitchFamily="18" charset="0"/>
+            </a:endParaRPr>
+          </a:p>
+        </p:txBody>
+      </p:sp>
+      <p:sp>
+        <p:nvSpPr>
+          <p:cNvPr id="3" name="Text Placeholder 2">
+            <a:extLst>
+              <a:ext uri="{FF2B5EF4-FFF2-40B4-BE49-F238E27FC236}">
+                <a16:creationId xmlns:a16="http://schemas.microsoft.com/office/drawing/2014/main" id="{9BB583F1-C782-FDA7-222E-7FFFCC056575}"/>
+              </a:ext>
+            </a:extLst>
+          </p:cNvPr>
+          <p:cNvSpPr>
+            <a:spLocks noGrp="1"/>
+          </p:cNvSpPr>
+          <p:nvPr>
+            <p:ph type="body" idx="1"/>
+          </p:nvPr>
+        </p:nvSpPr>
+        <p:spPr>
+          <a:xfrm>
+            <a:off x="152401" y="935750"/>
+            <a:ext cx="8825149" cy="1529692"/>
+          </a:xfrm>
+        </p:spPr>
+        <p:txBody>
+          <a:bodyPr anchor="t"/>
+          <a:lstStyle/>
+          <a:p>
+            <a:pPr marL="533400" lvl="1" indent="0">
+              <a:buNone/>
+            </a:pPr>
+            <a:endParaRPr lang="en-US" sz="1400" dirty="0"/>
+          </a:p>
+          <a:p>
+            <a:r>
+              <a:rPr lang="en-US" sz="1400" b="1" dirty="0"/>
+              <a:t>Example 4:</a:t>
+            </a:r>
+          </a:p>
+          <a:p>
+            <a:pPr lvl="1">
+              <a:buFont typeface="+mj-lt"/>
+              <a:buAutoNum type="alphaLcParenR"/>
+            </a:pPr>
+            <a:r>
+              <a:rPr lang="en-US" sz="1400" b="1" dirty="0"/>
+              <a:t>Using this output from a 1-Var Stat, what is the IQR?</a:t>
+            </a:r>
+          </a:p>
+          <a:p>
+            <a:pPr lvl="1">
+              <a:buFont typeface="+mj-lt"/>
+              <a:buAutoNum type="alphaLcParenR"/>
+            </a:pPr>
+            <a:endParaRPr lang="en-US" sz="1400" dirty="0"/>
+          </a:p>
+          <a:p>
+            <a:pPr lvl="1">
+              <a:buFont typeface="+mj-lt"/>
+              <a:buAutoNum type="alphaLcParenR"/>
+            </a:pPr>
+            <a:endParaRPr lang="en-US" sz="1400" dirty="0"/>
+          </a:p>
+          <a:p>
+            <a:pPr lvl="1">
+              <a:buFont typeface="+mj-lt"/>
+              <a:buAutoNum type="alphaLcParenR"/>
+            </a:pPr>
+            <a:endParaRPr lang="en-US" sz="1400" dirty="0"/>
+          </a:p>
+          <a:p>
+            <a:pPr lvl="1">
+              <a:buFont typeface="+mj-lt"/>
+              <a:buAutoNum type="alphaLcParenR"/>
+            </a:pPr>
+            <a:endParaRPr lang="en-US" sz="1400" dirty="0"/>
+          </a:p>
+          <a:p>
+            <a:pPr lvl="1">
+              <a:buFont typeface="+mj-lt"/>
+              <a:buAutoNum type="alphaLcParenR"/>
+            </a:pPr>
+            <a:endParaRPr lang="en-US" sz="1400" dirty="0"/>
+          </a:p>
+          <a:p>
+            <a:pPr lvl="1">
+              <a:buFont typeface="+mj-lt"/>
+              <a:buAutoNum type="alphaLcParenR"/>
+            </a:pPr>
+            <a:r>
+              <a:rPr lang="en-US" sz="1400" dirty="0"/>
+              <a:t>Find the IQR from this boxplot.</a:t>
+            </a:r>
+          </a:p>
+          <a:p>
+            <a:pPr lvl="1">
+              <a:buFont typeface="+mj-lt"/>
+              <a:buAutoNum type="alphaLcParenR"/>
+            </a:pPr>
+            <a:endParaRPr lang="en-US" sz="1400" dirty="0"/>
+          </a:p>
+          <a:p>
+            <a:pPr lvl="1"/>
+            <a:endParaRPr lang="en-US" sz="1400" dirty="0"/>
+          </a:p>
+        </p:txBody>
+      </p:sp>
+      <p:sp>
+        <p:nvSpPr>
+          <p:cNvPr id="4" name="Slide Number Placeholder 3">
+            <a:extLst>
+              <a:ext uri="{FF2B5EF4-FFF2-40B4-BE49-F238E27FC236}">
+                <a16:creationId xmlns:a16="http://schemas.microsoft.com/office/drawing/2014/main" id="{DC19F70A-6135-D99A-F8B0-4B22632799C5}"/>
+              </a:ext>
+            </a:extLst>
+          </p:cNvPr>
+          <p:cNvSpPr>
+            <a:spLocks noGrp="1"/>
+          </p:cNvSpPr>
+          <p:nvPr>
+            <p:ph type="sldNum" idx="12"/>
+          </p:nvPr>
+        </p:nvSpPr>
+        <p:spPr/>
+        <p:txBody>
+          <a:bodyPr/>
+          <a:lstStyle/>
+          <a:p>
+            <a:pPr marL="0" lvl="0" indent="0" algn="r" rtl="0">
+              <a:spcBef>
+                <a:spcPts val="0"/>
+              </a:spcBef>
+              <a:spcAft>
+                <a:spcPts val="0"/>
+              </a:spcAft>
+              <a:buNone/>
+            </a:pPr>
+            <a:fld id="{00000000-1234-1234-1234-123412341234}" type="slidenum">
+              <a:rPr lang="en" smtClean="0"/>
+              <a:t>19</a:t>
+            </a:fld>
+            <a:endParaRPr lang="en"/>
+          </a:p>
+        </p:txBody>
+      </p:sp>
+      <p:grpSp>
+        <p:nvGrpSpPr>
+          <p:cNvPr id="12" name="Group 11">
+            <a:extLst>
+              <a:ext uri="{FF2B5EF4-FFF2-40B4-BE49-F238E27FC236}">
+                <a16:creationId xmlns:a16="http://schemas.microsoft.com/office/drawing/2014/main" id="{FD39FB3F-71AC-3B5F-CE14-7B7ABD4F12B6}"/>
+              </a:ext>
+            </a:extLst>
+          </p:cNvPr>
+          <p:cNvGrpSpPr/>
+          <p:nvPr/>
+        </p:nvGrpSpPr>
+        <p:grpSpPr>
+          <a:xfrm>
+            <a:off x="7218250" y="126225"/>
+            <a:ext cx="1824283" cy="562200"/>
+            <a:chOff x="7218250" y="126225"/>
+            <a:chExt cx="1824283" cy="562200"/>
+          </a:xfrm>
+        </p:grpSpPr>
+        <p:sp>
+          <p:nvSpPr>
+            <p:cNvPr id="13" name="Google Shape;304;p20">
+              <a:extLst>
+                <a:ext uri="{FF2B5EF4-FFF2-40B4-BE49-F238E27FC236}">
+                  <a16:creationId xmlns:a16="http://schemas.microsoft.com/office/drawing/2014/main" id="{66716B3D-A60C-2567-6F57-40C855F2FDF9}"/>
+                </a:ext>
+              </a:extLst>
+            </p:cNvPr>
+            <p:cNvSpPr/>
+            <p:nvPr/>
+          </p:nvSpPr>
+          <p:spPr>
+            <a:xfrm>
+              <a:off x="7636825" y="126225"/>
+              <a:ext cx="562200" cy="562200"/>
+            </a:xfrm>
+            <a:prstGeom prst="diamond">
+              <a:avLst/>
+            </a:prstGeom>
+            <a:solidFill>
+              <a:schemeClr val="lt1"/>
+            </a:solidFill>
+            <a:ln w="76200" cap="flat" cmpd="sng">
+              <a:solidFill>
+                <a:schemeClr val="dk2"/>
+              </a:solidFill>
+              <a:prstDash val="solid"/>
+              <a:miter lim="8000"/>
+              <a:headEnd type="none" w="sm" len="sm"/>
+              <a:tailEnd type="none" w="sm" len="sm"/>
+            </a:ln>
+          </p:spPr>
+          <p:txBody>
+            <a:bodyPr spcFirstLastPara="1" wrap="square" lIns="91425" tIns="91425" rIns="91425" bIns="91425" anchor="ctr" anchorCtr="0">
+              <a:noAutofit/>
+            </a:bodyPr>
+            <a:lstStyle/>
+            <a:p>
+              <a:pPr marL="0" lvl="0" indent="0" algn="ctr" rtl="0">
+                <a:spcBef>
+                  <a:spcPts val="0"/>
+                </a:spcBef>
+                <a:spcAft>
+                  <a:spcPts val="0"/>
+                </a:spcAft>
+                <a:buNone/>
+              </a:pPr>
+              <a:endParaRPr>
+                <a:solidFill>
+                  <a:schemeClr val="dk2"/>
+                </a:solidFill>
+                <a:latin typeface="Roboto Condensed"/>
+                <a:ea typeface="Roboto Condensed"/>
+                <a:cs typeface="Roboto Condensed"/>
+                <a:sym typeface="Roboto Condensed"/>
+              </a:endParaRPr>
+            </a:p>
+          </p:txBody>
+        </p:sp>
+        <p:sp>
+          <p:nvSpPr>
+            <p:cNvPr id="14" name="Google Shape;305;p20">
+              <a:extLst>
+                <a:ext uri="{FF2B5EF4-FFF2-40B4-BE49-F238E27FC236}">
+                  <a16:creationId xmlns:a16="http://schemas.microsoft.com/office/drawing/2014/main" id="{C90CA730-72AA-2554-2732-93DA0A861827}"/>
+                </a:ext>
+              </a:extLst>
+            </p:cNvPr>
+            <p:cNvSpPr/>
+            <p:nvPr/>
+          </p:nvSpPr>
+          <p:spPr>
+            <a:xfrm>
+              <a:off x="7218250" y="126225"/>
+              <a:ext cx="562200" cy="562200"/>
+            </a:xfrm>
+            <a:prstGeom prst="diamond">
+              <a:avLst/>
+            </a:prstGeom>
+            <a:noFill/>
+            <a:ln w="76200" cap="flat" cmpd="sng">
+              <a:solidFill>
+                <a:schemeClr val="dk2"/>
+              </a:solidFill>
+              <a:prstDash val="solid"/>
+              <a:miter lim="8000"/>
+              <a:headEnd type="none" w="sm" len="sm"/>
+              <a:tailEnd type="none" w="sm" len="sm"/>
+            </a:ln>
+          </p:spPr>
+          <p:txBody>
+            <a:bodyPr spcFirstLastPara="1" wrap="square" lIns="91425" tIns="91425" rIns="91425" bIns="91425" anchor="ctr" anchorCtr="0">
+              <a:noAutofit/>
+            </a:bodyPr>
+            <a:lstStyle/>
+            <a:p>
+              <a:pPr marL="0" lvl="0" indent="0" algn="ctr" rtl="0">
+                <a:spcBef>
+                  <a:spcPts val="0"/>
+                </a:spcBef>
+                <a:spcAft>
+                  <a:spcPts val="0"/>
+                </a:spcAft>
+                <a:buNone/>
+              </a:pPr>
+              <a:endParaRPr>
+                <a:solidFill>
+                  <a:schemeClr val="dk2"/>
+                </a:solidFill>
+                <a:latin typeface="Roboto Condensed"/>
+                <a:ea typeface="Roboto Condensed"/>
+                <a:cs typeface="Roboto Condensed"/>
+                <a:sym typeface="Roboto Condensed"/>
+              </a:endParaRPr>
+            </a:p>
+          </p:txBody>
+        </p:sp>
+        <p:sp>
+          <p:nvSpPr>
+            <p:cNvPr id="15" name="Google Shape;306;p20">
+              <a:extLst>
+                <a:ext uri="{FF2B5EF4-FFF2-40B4-BE49-F238E27FC236}">
+                  <a16:creationId xmlns:a16="http://schemas.microsoft.com/office/drawing/2014/main" id="{1E47163D-DB18-DCBE-ECC7-4A900DD72BD7}"/>
+                </a:ext>
+              </a:extLst>
+            </p:cNvPr>
+            <p:cNvSpPr/>
+            <p:nvPr/>
+          </p:nvSpPr>
+          <p:spPr>
+            <a:xfrm>
+              <a:off x="8055399" y="126225"/>
+              <a:ext cx="562200" cy="562200"/>
+            </a:xfrm>
+            <a:prstGeom prst="diamond">
+              <a:avLst/>
+            </a:prstGeom>
+            <a:noFill/>
+            <a:ln w="76200" cap="flat" cmpd="sng">
+              <a:solidFill>
+                <a:schemeClr val="dk2"/>
+              </a:solidFill>
+              <a:prstDash val="solid"/>
+              <a:miter lim="8000"/>
+              <a:headEnd type="none" w="sm" len="sm"/>
+              <a:tailEnd type="none" w="sm" len="sm"/>
+            </a:ln>
+          </p:spPr>
+          <p:txBody>
+            <a:bodyPr spcFirstLastPara="1" wrap="square" lIns="91425" tIns="91425" rIns="91425" bIns="91425" anchor="ctr" anchorCtr="0">
+              <a:noAutofit/>
+            </a:bodyPr>
+            <a:lstStyle/>
+            <a:p>
+              <a:pPr marL="0" lvl="0" indent="0" algn="ctr" rtl="0">
+                <a:spcBef>
+                  <a:spcPts val="0"/>
+                </a:spcBef>
+                <a:spcAft>
+                  <a:spcPts val="0"/>
+                </a:spcAft>
+                <a:buNone/>
+              </a:pPr>
+              <a:endParaRPr>
+                <a:solidFill>
+                  <a:schemeClr val="dk2"/>
+                </a:solidFill>
+                <a:latin typeface="Roboto Condensed"/>
+                <a:ea typeface="Roboto Condensed"/>
+                <a:cs typeface="Roboto Condensed"/>
+                <a:sym typeface="Roboto Condensed"/>
+              </a:endParaRPr>
+            </a:p>
+          </p:txBody>
+        </p:sp>
+        <p:sp>
+          <p:nvSpPr>
+            <p:cNvPr id="16" name="Google Shape;307;p20">
+              <a:extLst>
+                <a:ext uri="{FF2B5EF4-FFF2-40B4-BE49-F238E27FC236}">
+                  <a16:creationId xmlns:a16="http://schemas.microsoft.com/office/drawing/2014/main" id="{58B89596-55AE-7A37-C010-EB76A4CAF5C7}"/>
+                </a:ext>
+              </a:extLst>
+            </p:cNvPr>
+            <p:cNvSpPr/>
+            <p:nvPr/>
+          </p:nvSpPr>
+          <p:spPr>
+            <a:xfrm>
+              <a:off x="8480333" y="126225"/>
+              <a:ext cx="562200" cy="562200"/>
+            </a:xfrm>
+            <a:prstGeom prst="diamond">
+              <a:avLst/>
+            </a:prstGeom>
+            <a:solidFill>
+              <a:schemeClr val="lt1"/>
+            </a:solidFill>
+            <a:ln w="76200" cap="flat" cmpd="sng">
+              <a:solidFill>
+                <a:schemeClr val="accent5"/>
+              </a:solidFill>
+              <a:prstDash val="solid"/>
+              <a:miter lim="8000"/>
+              <a:headEnd type="none" w="sm" len="sm"/>
+              <a:tailEnd type="none" w="sm" len="sm"/>
+            </a:ln>
+          </p:spPr>
+          <p:txBody>
+            <a:bodyPr spcFirstLastPara="1" wrap="square" lIns="91425" tIns="91425" rIns="91425" bIns="91425" anchor="ctr" anchorCtr="0">
+              <a:noAutofit/>
+            </a:bodyPr>
+            <a:lstStyle/>
+            <a:p>
+              <a:pPr marL="0" lvl="0" indent="0" algn="ctr" rtl="0">
+                <a:spcBef>
+                  <a:spcPts val="0"/>
+                </a:spcBef>
+                <a:spcAft>
+                  <a:spcPts val="0"/>
+                </a:spcAft>
+                <a:buNone/>
+              </a:pPr>
+              <a:endParaRPr>
+                <a:solidFill>
+                  <a:schemeClr val="dk2"/>
+                </a:solidFill>
+                <a:latin typeface="Roboto Condensed"/>
+                <a:ea typeface="Roboto Condensed"/>
+                <a:cs typeface="Roboto Condensed"/>
+                <a:sym typeface="Roboto Condensed"/>
+              </a:endParaRPr>
+            </a:p>
+          </p:txBody>
+        </p:sp>
+      </p:grpSp>
+      <p:sp>
+        <p:nvSpPr>
+          <p:cNvPr id="17" name="Google Shape;308;p20">
+            <a:extLst>
+              <a:ext uri="{FF2B5EF4-FFF2-40B4-BE49-F238E27FC236}">
+                <a16:creationId xmlns:a16="http://schemas.microsoft.com/office/drawing/2014/main" id="{2138ADFE-2F0F-C4E8-B60B-B3813D04CD99}"/>
               </a:ext>
             </a:extLst>
           </p:cNvPr>
@@ -12871,282 +14269,62 @@
         </p:nvSpPr>
         <p:spPr>
           <a:xfrm>
-            <a:off x="350927" y="2802072"/>
-            <a:ext cx="1739129" cy="1040585"/>
-          </a:xfrm>
-          <a:prstGeom prst="rect">
-            <a:avLst/>
-          </a:prstGeom>
-          <a:ln/>
-        </p:spPr>
-        <p:style>
-          <a:lnRef idx="2">
-            <a:schemeClr val="dk1"/>
-          </a:lnRef>
-          <a:fillRef idx="1">
-            <a:schemeClr val="lt1"/>
-          </a:fillRef>
-          <a:effectRef idx="0">
-            <a:schemeClr val="dk1"/>
-          </a:effectRef>
-          <a:fontRef idx="minor">
-            <a:schemeClr val="dk1"/>
-          </a:fontRef>
-        </p:style>
-        <p:txBody>
-          <a:bodyPr rot="0" spcFirstLastPara="0" vert="horz" wrap="square" lIns="91440" tIns="45720" rIns="91440" bIns="45720" numCol="1" spcCol="0" rtlCol="0" fromWordArt="0" anchor="t" anchorCtr="0" forceAA="0" compatLnSpc="1">
-            <a:prstTxWarp prst="textNoShape">
-              <a:avLst/>
-            </a:prstTxWarp>
-            <a:noAutofit/>
-          </a:bodyPr>
-          <a:lstStyle/>
-          <a:p>
-            <a:pPr marL="0" marR="0">
-              <a:spcBef>
-                <a:spcPts val="0"/>
-              </a:spcBef>
-              <a:spcAft>
-                <a:spcPts val="0"/>
-              </a:spcAft>
-            </a:pPr>
-            <a:r>
-              <a:rPr lang="en-US" sz="1100" u="sng" dirty="0">
-                <a:effectLst/>
-                <a:ea typeface="Calibri" panose="020F0502020204030204" pitchFamily="34" charset="0"/>
-                <a:cs typeface="Times New Roman" panose="02020603050405020304" pitchFamily="18" charset="0"/>
-              </a:rPr>
-              <a:t>Step 1</a:t>
-            </a:r>
-            <a:endParaRPr lang="en-US" sz="1100" dirty="0">
-              <a:effectLst/>
-              <a:ea typeface="Calibri" panose="020F0502020204030204" pitchFamily="34" charset="0"/>
-              <a:cs typeface="Times New Roman" panose="02020603050405020304" pitchFamily="18" charset="0"/>
-            </a:endParaRPr>
-          </a:p>
-          <a:p>
-            <a:pPr marL="0" marR="0">
-              <a:spcBef>
-                <a:spcPts val="0"/>
-              </a:spcBef>
-              <a:spcAft>
-                <a:spcPts val="0"/>
-              </a:spcAft>
-            </a:pPr>
-            <a:r>
-              <a:rPr lang="en-US" sz="1100" dirty="0">
-                <a:effectLst/>
-                <a:ea typeface="Calibri" panose="020F0502020204030204" pitchFamily="34" charset="0"/>
-                <a:cs typeface="Times New Roman" panose="02020603050405020304" pitchFamily="18" charset="0"/>
-              </a:rPr>
-              <a:t>Draw and label curve</a:t>
-            </a:r>
-          </a:p>
-          <a:p>
-            <a:pPr marL="0" marR="0">
-              <a:spcBef>
-                <a:spcPts val="0"/>
-              </a:spcBef>
-              <a:spcAft>
-                <a:spcPts val="0"/>
-              </a:spcAft>
-            </a:pPr>
-            <a:r>
-              <a:rPr lang="en-US" sz="1100" dirty="0">
-                <a:effectLst/>
-                <a:ea typeface="Calibri" panose="020F0502020204030204" pitchFamily="34" charset="0"/>
-                <a:cs typeface="Times New Roman" panose="02020603050405020304" pitchFamily="18" charset="0"/>
-              </a:rPr>
-              <a:t> </a:t>
-            </a:r>
-          </a:p>
-          <a:p>
-            <a:pPr marL="0" marR="0">
-              <a:spcBef>
-                <a:spcPts val="0"/>
-              </a:spcBef>
-              <a:spcAft>
-                <a:spcPts val="0"/>
-              </a:spcAft>
-            </a:pPr>
-            <a:r>
-              <a:rPr lang="en-US" sz="1100" u="sng" dirty="0">
-                <a:effectLst/>
-                <a:ea typeface="Calibri" panose="020F0502020204030204" pitchFamily="34" charset="0"/>
-                <a:cs typeface="Times New Roman" panose="02020603050405020304" pitchFamily="18" charset="0"/>
-              </a:rPr>
-              <a:t>Step 2</a:t>
-            </a:r>
-            <a:endParaRPr lang="en-US" sz="1100" dirty="0">
-              <a:effectLst/>
-              <a:ea typeface="Calibri" panose="020F0502020204030204" pitchFamily="34" charset="0"/>
-              <a:cs typeface="Times New Roman" panose="02020603050405020304" pitchFamily="18" charset="0"/>
-            </a:endParaRPr>
-          </a:p>
-          <a:p>
-            <a:pPr marL="0" marR="0">
-              <a:spcBef>
-                <a:spcPts val="0"/>
-              </a:spcBef>
-              <a:spcAft>
-                <a:spcPts val="0"/>
-              </a:spcAft>
-            </a:pPr>
-            <a:r>
-              <a:rPr lang="en-US" sz="1100" dirty="0">
-                <a:effectLst/>
-                <a:ea typeface="Calibri" panose="020F0502020204030204" pitchFamily="34" charset="0"/>
-                <a:cs typeface="Times New Roman" panose="02020603050405020304" pitchFamily="18" charset="0"/>
-              </a:rPr>
-              <a:t>Shade area of interest </a:t>
-            </a:r>
-          </a:p>
-        </p:txBody>
-      </p:sp>
-      <p:sp>
-        <p:nvSpPr>
-          <p:cNvPr id="7" name="TextBox 6">
-            <a:extLst>
-              <a:ext uri="{FF2B5EF4-FFF2-40B4-BE49-F238E27FC236}">
-                <a16:creationId xmlns:a16="http://schemas.microsoft.com/office/drawing/2014/main" id="{CAB30301-5AA8-AA6B-A495-91CBBA572B49}"/>
-              </a:ext>
-            </a:extLst>
-          </p:cNvPr>
-          <p:cNvSpPr txBox="1"/>
-          <p:nvPr/>
-        </p:nvSpPr>
-        <p:spPr>
-          <a:xfrm>
-            <a:off x="2459122" y="2389731"/>
-            <a:ext cx="5902578" cy="2246769"/>
+            <a:off x="8585750" y="48200"/>
+            <a:ext cx="391800" cy="654600"/>
           </a:xfrm>
           <a:prstGeom prst="rect">
             <a:avLst/>
           </a:prstGeom>
           <a:noFill/>
+          <a:ln>
+            <a:noFill/>
+          </a:ln>
         </p:spPr>
         <p:txBody>
-          <a:bodyPr wrap="square" rtlCol="0">
-            <a:spAutoFit/>
+          <a:bodyPr spcFirstLastPara="1" wrap="square" lIns="91425" tIns="91425" rIns="91425" bIns="91425" anchor="b" anchorCtr="0">
+            <a:noAutofit/>
           </a:bodyPr>
           <a:lstStyle/>
           <a:p>
-            <a:pPr marL="342900" marR="0" indent="-342900">
+            <a:pPr marL="0" lvl="0" indent="0" algn="l" rtl="0">
               <a:spcBef>
                 <a:spcPts val="0"/>
               </a:spcBef>
               <a:spcAft>
                 <a:spcPts val="0"/>
               </a:spcAft>
-              <a:buAutoNum type="alphaLcParenR"/>
+              <a:buNone/>
             </a:pPr>
             <a:r>
-              <a:rPr lang="en-US" sz="1800" dirty="0">
-                <a:effectLst/>
-                <a:latin typeface="Calibri" panose="020F0502020204030204" pitchFamily="34" charset="0"/>
-                <a:ea typeface="Calibri" panose="020F0502020204030204" pitchFamily="34" charset="0"/>
-                <a:cs typeface="Times New Roman" panose="02020603050405020304" pitchFamily="18" charset="0"/>
+              <a:rPr lang="en" sz="2600" b="1">
+                <a:solidFill>
+                  <a:schemeClr val="accent5"/>
+                </a:solidFill>
+                <a:latin typeface="Roboto Condensed"/>
+                <a:ea typeface="Roboto Condensed"/>
+                <a:cs typeface="Roboto Condensed"/>
+                <a:sym typeface="Roboto Condensed"/>
               </a:rPr>
-              <a:t>What percentage of IQ scores are greater than 75?</a:t>
+              <a:t>4</a:t>
             </a:r>
-          </a:p>
-          <a:p>
-            <a:pPr marL="342900" marR="0" indent="-342900">
-              <a:spcBef>
-                <a:spcPts val="0"/>
-              </a:spcBef>
-              <a:spcAft>
-                <a:spcPts val="0"/>
-              </a:spcAft>
-              <a:buAutoNum type="alphaLcParenR"/>
-            </a:pPr>
-            <a:endParaRPr lang="en-US" sz="1800" dirty="0">
-              <a:latin typeface="Calibri" panose="020F0502020204030204" pitchFamily="34" charset="0"/>
-              <a:ea typeface="Calibri" panose="020F0502020204030204" pitchFamily="34" charset="0"/>
-              <a:cs typeface="Times New Roman" panose="02020603050405020304" pitchFamily="18" charset="0"/>
+            <a:endParaRPr sz="2600" b="1">
+              <a:solidFill>
+                <a:schemeClr val="accent5"/>
+              </a:solidFill>
+              <a:latin typeface="Roboto Condensed"/>
+              <a:ea typeface="Roboto Condensed"/>
+              <a:cs typeface="Roboto Condensed"/>
+              <a:sym typeface="Roboto Condensed"/>
             </a:endParaRPr>
-          </a:p>
-          <a:p>
-            <a:pPr marL="342900" marR="0" indent="-342900">
-              <a:spcBef>
-                <a:spcPts val="0"/>
-              </a:spcBef>
-              <a:spcAft>
-                <a:spcPts val="0"/>
-              </a:spcAft>
-              <a:buAutoNum type="alphaLcParenR"/>
-            </a:pPr>
-            <a:endParaRPr lang="en-US" sz="1800" dirty="0">
-              <a:effectLst/>
-              <a:latin typeface="Calibri" panose="020F0502020204030204" pitchFamily="34" charset="0"/>
-              <a:ea typeface="Calibri" panose="020F0502020204030204" pitchFamily="34" charset="0"/>
-              <a:cs typeface="Times New Roman" panose="02020603050405020304" pitchFamily="18" charset="0"/>
-            </a:endParaRPr>
-          </a:p>
-          <a:p>
-            <a:pPr marL="342900" marR="0" indent="-342900">
-              <a:spcBef>
-                <a:spcPts val="0"/>
-              </a:spcBef>
-              <a:spcAft>
-                <a:spcPts val="0"/>
-              </a:spcAft>
-              <a:buAutoNum type="alphaLcParenR"/>
-            </a:pPr>
-            <a:endParaRPr lang="en-US" sz="1800" dirty="0">
-              <a:latin typeface="Calibri" panose="020F0502020204030204" pitchFamily="34" charset="0"/>
-              <a:ea typeface="Calibri" panose="020F0502020204030204" pitchFamily="34" charset="0"/>
-              <a:cs typeface="Times New Roman" panose="02020603050405020304" pitchFamily="18" charset="0"/>
-            </a:endParaRPr>
-          </a:p>
-          <a:p>
-            <a:pPr marL="342900" marR="0" indent="-342900">
-              <a:spcBef>
-                <a:spcPts val="0"/>
-              </a:spcBef>
-              <a:spcAft>
-                <a:spcPts val="0"/>
-              </a:spcAft>
-              <a:buAutoNum type="alphaLcParenR"/>
-            </a:pPr>
-            <a:endParaRPr lang="en-US" sz="1800" dirty="0">
-              <a:effectLst/>
-              <a:latin typeface="Calibri" panose="020F0502020204030204" pitchFamily="34" charset="0"/>
-              <a:ea typeface="Calibri" panose="020F0502020204030204" pitchFamily="34" charset="0"/>
-              <a:cs typeface="Times New Roman" panose="02020603050405020304" pitchFamily="18" charset="0"/>
-            </a:endParaRPr>
-          </a:p>
-          <a:p>
-            <a:pPr marL="342900" marR="0" indent="-342900">
-              <a:spcBef>
-                <a:spcPts val="0"/>
-              </a:spcBef>
-              <a:spcAft>
-                <a:spcPts val="0"/>
-              </a:spcAft>
-              <a:buAutoNum type="alphaLcParenR"/>
-            </a:pPr>
-            <a:r>
-              <a:rPr lang="en-US" sz="1800" dirty="0">
-                <a:effectLst/>
-                <a:latin typeface="Calibri" panose="020F0502020204030204" pitchFamily="34" charset="0"/>
-                <a:ea typeface="Calibri" panose="020F0502020204030204" pitchFamily="34" charset="0"/>
-                <a:cs typeface="Times New Roman" panose="02020603050405020304" pitchFamily="18" charset="0"/>
-              </a:rPr>
-              <a:t>b) Between which two values do the middle 68% of IQ scores fall between?</a:t>
-            </a:r>
-          </a:p>
-          <a:p>
-            <a:endParaRPr lang="en-US" dirty="0"/>
           </a:p>
         </p:txBody>
       </p:sp>
       <p:grpSp>
         <p:nvGrpSpPr>
-          <p:cNvPr id="8" name="Group 7">
+          <p:cNvPr id="7" name="Group 6">
             <a:extLst>
               <a:ext uri="{FF2B5EF4-FFF2-40B4-BE49-F238E27FC236}">
-                <a16:creationId xmlns:a16="http://schemas.microsoft.com/office/drawing/2014/main" id="{A7D05AAC-E04A-DE94-5301-41FBF68FE4E8}"/>
+                <a16:creationId xmlns:a16="http://schemas.microsoft.com/office/drawing/2014/main" id="{2ADD558B-F2AA-F3B6-6E40-2B725E165C20}"/>
               </a:ext>
             </a:extLst>
           </p:cNvPr>
@@ -13155,18 +14333,168 @@
         </p:nvGrpSpPr>
         <p:grpSpPr>
           <a:xfrm>
-            <a:off x="3550297" y="2949370"/>
-            <a:ext cx="1114356" cy="616957"/>
+            <a:off x="1450201" y="2110072"/>
+            <a:ext cx="2367315" cy="1461200"/>
+            <a:chOff x="1450201" y="2110072"/>
+            <a:chExt cx="2367315" cy="1461200"/>
+          </a:xfrm>
+        </p:grpSpPr>
+        <p:pic>
+          <p:nvPicPr>
+            <p:cNvPr id="5" name="Picture 4">
+              <a:extLst>
+                <a:ext uri="{FF2B5EF4-FFF2-40B4-BE49-F238E27FC236}">
+                  <a16:creationId xmlns:a16="http://schemas.microsoft.com/office/drawing/2014/main" id="{E7E1AC43-CF4F-44AC-4528-D3B58F1AD186}"/>
+                </a:ext>
+              </a:extLst>
+            </p:cNvPr>
+            <p:cNvPicPr>
+              <a:picLocks noChangeAspect="1"/>
+            </p:cNvPicPr>
+            <p:nvPr/>
+          </p:nvPicPr>
+          <p:blipFill rotWithShape="1">
+            <a:blip r:embed="rId2"/>
+            <a:srcRect r="42909"/>
+            <a:stretch/>
+          </p:blipFill>
+          <p:spPr>
+            <a:xfrm>
+              <a:off x="1450201" y="2110072"/>
+              <a:ext cx="1898519" cy="1205389"/>
+            </a:xfrm>
+            <a:prstGeom prst="rect">
+              <a:avLst/>
+            </a:prstGeom>
+          </p:spPr>
+        </p:pic>
+        <p:pic>
+          <p:nvPicPr>
+            <p:cNvPr id="6" name="Picture 5" descr="Text&#10;&#10;Description automatically generated">
+              <a:extLst>
+                <a:ext uri="{FF2B5EF4-FFF2-40B4-BE49-F238E27FC236}">
+                  <a16:creationId xmlns:a16="http://schemas.microsoft.com/office/drawing/2014/main" id="{3E62CE31-5B63-8A2B-E552-BF558B2E9859}"/>
+                </a:ext>
+              </a:extLst>
+            </p:cNvPr>
+            <p:cNvPicPr>
+              <a:picLocks noChangeAspect="1"/>
+            </p:cNvPicPr>
+            <p:nvPr/>
+          </p:nvPicPr>
+          <p:blipFill>
+            <a:blip r:embed="rId3"/>
+            <a:stretch>
+              <a:fillRect/>
+            </a:stretch>
+          </p:blipFill>
+          <p:spPr>
+            <a:xfrm>
+              <a:off x="2626334" y="2673004"/>
+              <a:ext cx="1191182" cy="898268"/>
+            </a:xfrm>
+            <a:prstGeom prst="rect">
+              <a:avLst/>
+            </a:prstGeom>
+          </p:spPr>
+        </p:pic>
+      </p:grpSp>
+      <p:pic>
+        <p:nvPicPr>
+          <p:cNvPr id="8" name="Picture 3" title="Boxplot of ages constructed on JMP">
+            <a:extLst>
+              <a:ext uri="{FF2B5EF4-FFF2-40B4-BE49-F238E27FC236}">
+                <a16:creationId xmlns:a16="http://schemas.microsoft.com/office/drawing/2014/main" id="{2E973A46-656F-B634-906E-9D17E7880481}"/>
+              </a:ext>
+            </a:extLst>
+          </p:cNvPr>
+          <p:cNvPicPr>
+            <a:picLocks noChangeAspect="1" noChangeArrowheads="1"/>
+          </p:cNvPicPr>
+          <p:nvPr/>
+        </p:nvPicPr>
+        <p:blipFill>
+          <a:blip r:embed="rId4">
+            <a:extLst>
+              <a:ext uri="{28A0092B-C50C-407E-A947-70E740481C1C}">
+                <a14:useLocalDpi xmlns:a14="http://schemas.microsoft.com/office/drawing/2010/main" val="0"/>
+              </a:ext>
+            </a:extLst>
+          </a:blip>
+          <a:srcRect/>
+          <a:stretch>
+            <a:fillRect/>
+          </a:stretch>
+        </p:blipFill>
+        <p:spPr bwMode="auto">
+          <a:xfrm>
+            <a:off x="1277084" y="4115578"/>
+            <a:ext cx="3664839" cy="1041844"/>
+          </a:xfrm>
+          <a:prstGeom prst="rect">
+            <a:avLst/>
+          </a:prstGeom>
+          <a:noFill/>
+          <a:ln>
+            <a:noFill/>
+          </a:ln>
+          <a:effectLst/>
+          <a:extLst>
+            <a:ext uri="{909E8E84-426E-40DD-AFC4-6F175D3DCCD1}">
+              <a14:hiddenFill xmlns:a14="http://schemas.microsoft.com/office/drawing/2010/main">
+                <a:solidFill>
+                  <a:schemeClr val="accent1"/>
+                </a:solidFill>
+              </a14:hiddenFill>
+            </a:ext>
+            <a:ext uri="{91240B29-F687-4F45-9708-019B960494DF}">
+              <a14:hiddenLine xmlns:a14="http://schemas.microsoft.com/office/drawing/2010/main" w="9525">
+                <a:solidFill>
+                  <a:schemeClr val="tx1"/>
+                </a:solidFill>
+                <a:miter lim="800000"/>
+                <a:headEnd/>
+                <a:tailEnd/>
+              </a14:hiddenLine>
+            </a:ext>
+            <a:ext uri="{AF507438-7753-43E0-B8FC-AC1667EBCBE1}">
+              <a14:hiddenEffects xmlns:a14="http://schemas.microsoft.com/office/drawing/2010/main">
+                <a:effectLst>
+                  <a:outerShdw dist="35921" dir="2700000" algn="ctr" rotWithShape="0">
+                    <a:schemeClr val="bg2"/>
+                  </a:outerShdw>
+                </a:effectLst>
+              </a14:hiddenEffects>
+            </a:ext>
+          </a:extLst>
+        </p:spPr>
+      </p:pic>
+      <p:grpSp>
+        <p:nvGrpSpPr>
+          <p:cNvPr id="9" name="Group 8">
+            <a:extLst>
+              <a:ext uri="{FF2B5EF4-FFF2-40B4-BE49-F238E27FC236}">
+                <a16:creationId xmlns:a16="http://schemas.microsoft.com/office/drawing/2014/main" id="{A9E10A0B-05F6-3DDB-DDB5-2F891FCBAA76}"/>
+              </a:ext>
+            </a:extLst>
+          </p:cNvPr>
+          <p:cNvGrpSpPr/>
+          <p:nvPr/>
+        </p:nvGrpSpPr>
+        <p:grpSpPr>
+          <a:xfrm>
+            <a:off x="5359970" y="2488349"/>
+            <a:ext cx="1191182" cy="402102"/>
             <a:chOff x="975699" y="2805793"/>
             <a:chExt cx="4018649" cy="2390346"/>
           </a:xfrm>
         </p:grpSpPr>
         <p:sp>
           <p:nvSpPr>
-            <p:cNvPr id="9" name="Rounded Rectangle 8">
+            <p:cNvPr id="10" name="Rounded Rectangle 9">
               <a:extLst>
                 <a:ext uri="{FF2B5EF4-FFF2-40B4-BE49-F238E27FC236}">
-                  <a16:creationId xmlns:a16="http://schemas.microsoft.com/office/drawing/2014/main" id="{1C5414BC-6688-EE9B-91A2-3FC0EFF7D3C8}"/>
+                  <a16:creationId xmlns:a16="http://schemas.microsoft.com/office/drawing/2014/main" id="{F903F919-44AA-3F4C-CA10-A27BEBC19D1F}"/>
                 </a:ext>
               </a:extLst>
             </p:cNvPr>
@@ -13210,306 +14538,381 @@
             </a:p>
           </p:txBody>
         </p:sp>
-        <p:sp>
-          <p:nvSpPr>
-            <p:cNvPr id="10" name="Text Placeholder 2">
-              <a:extLst>
-                <a:ext uri="{FF2B5EF4-FFF2-40B4-BE49-F238E27FC236}">
-                  <a16:creationId xmlns:a16="http://schemas.microsoft.com/office/drawing/2014/main" id="{6EFA8D1E-1E4F-5734-DDA8-73AA2BFE408A}"/>
-                </a:ext>
-              </a:extLst>
-            </p:cNvPr>
-            <p:cNvSpPr txBox="1">
-              <a:spLocks/>
-            </p:cNvSpPr>
-            <p:nvPr/>
-          </p:nvSpPr>
-          <p:spPr>
-            <a:xfrm>
-              <a:off x="1226563" y="2839420"/>
-              <a:ext cx="3516919" cy="2217401"/>
-            </a:xfrm>
-            <a:prstGeom prst="rect">
-              <a:avLst/>
-            </a:prstGeom>
-            <a:noFill/>
-            <a:ln>
-              <a:noFill/>
-            </a:ln>
-          </p:spPr>
-          <p:txBody>
-            <a:bodyPr spcFirstLastPara="1" wrap="square" lIns="91425" tIns="91425" rIns="91425" bIns="91425" anchor="t" anchorCtr="0">
-              <a:noAutofit/>
-            </a:bodyPr>
-            <a:lstStyle>
-              <a:defPPr marR="0" lvl="0" algn="l" rtl="0">
-                <a:lnSpc>
-                  <a:spcPct val="100000"/>
-                </a:lnSpc>
-                <a:spcBef>
-                  <a:spcPts val="0"/>
-                </a:spcBef>
-                <a:spcAft>
-                  <a:spcPts val="0"/>
-                </a:spcAft>
-              </a:defPPr>
-              <a:lvl1pPr marL="457200" marR="0" lvl="0" indent="-381000" algn="l" rtl="0">
-                <a:lnSpc>
-                  <a:spcPct val="100000"/>
-                </a:lnSpc>
-                <a:spcBef>
-                  <a:spcPts val="600"/>
-                </a:spcBef>
-                <a:spcAft>
-                  <a:spcPts val="0"/>
-                </a:spcAft>
-                <a:buClr>
-                  <a:schemeClr val="accent4"/>
-                </a:buClr>
-                <a:buSzPts val="2400"/>
-                <a:buFont typeface="Roboto Condensed Light"/>
-                <a:buChar char="▰"/>
-                <a:defRPr sz="2400" b="0" i="0" u="none" strike="noStrike" cap="none">
-                  <a:solidFill>
-                    <a:schemeClr val="dk1"/>
-                  </a:solidFill>
-                  <a:latin typeface="Roboto Condensed Light"/>
-                  <a:ea typeface="Roboto Condensed Light"/>
-                  <a:cs typeface="Roboto Condensed Light"/>
-                  <a:sym typeface="Roboto Condensed Light"/>
-                </a:defRPr>
-              </a:lvl1pPr>
-              <a:lvl2pPr marL="914400" marR="0" lvl="1" indent="-381000" algn="l" rtl="0">
-                <a:lnSpc>
-                  <a:spcPct val="100000"/>
-                </a:lnSpc>
-                <a:spcBef>
-                  <a:spcPts val="1000"/>
-                </a:spcBef>
-                <a:spcAft>
-                  <a:spcPts val="0"/>
-                </a:spcAft>
-                <a:buClr>
-                  <a:schemeClr val="accent4"/>
-                </a:buClr>
-                <a:buSzPts val="2400"/>
-                <a:buFont typeface="Roboto Condensed Light"/>
-                <a:buChar char="▻"/>
-                <a:defRPr sz="2400" b="0" i="0" u="none" strike="noStrike" cap="none">
-                  <a:solidFill>
-                    <a:schemeClr val="dk1"/>
-                  </a:solidFill>
-                  <a:latin typeface="Roboto Condensed Light"/>
-                  <a:ea typeface="Roboto Condensed Light"/>
-                  <a:cs typeface="Roboto Condensed Light"/>
-                  <a:sym typeface="Roboto Condensed Light"/>
-                </a:defRPr>
-              </a:lvl2pPr>
-              <a:lvl3pPr marL="1371600" marR="0" lvl="2" indent="-381000" algn="l" rtl="0">
-                <a:lnSpc>
-                  <a:spcPct val="100000"/>
-                </a:lnSpc>
-                <a:spcBef>
-                  <a:spcPts val="1000"/>
-                </a:spcBef>
-                <a:spcAft>
-                  <a:spcPts val="0"/>
-                </a:spcAft>
-                <a:buClr>
-                  <a:schemeClr val="accent4"/>
-                </a:buClr>
-                <a:buSzPts val="2400"/>
-                <a:buFont typeface="Roboto Condensed Light"/>
-                <a:buChar char="▻"/>
-                <a:defRPr sz="2400" b="0" i="0" u="none" strike="noStrike" cap="none">
-                  <a:solidFill>
-                    <a:schemeClr val="dk1"/>
-                  </a:solidFill>
-                  <a:latin typeface="Roboto Condensed Light"/>
-                  <a:ea typeface="Roboto Condensed Light"/>
-                  <a:cs typeface="Roboto Condensed Light"/>
-                  <a:sym typeface="Roboto Condensed Light"/>
-                </a:defRPr>
-              </a:lvl3pPr>
-              <a:lvl4pPr marL="1828800" marR="0" lvl="3" indent="-381000" algn="l" rtl="0">
-                <a:lnSpc>
-                  <a:spcPct val="100000"/>
-                </a:lnSpc>
-                <a:spcBef>
-                  <a:spcPts val="1000"/>
-                </a:spcBef>
-                <a:spcAft>
-                  <a:spcPts val="0"/>
-                </a:spcAft>
-                <a:buClr>
-                  <a:schemeClr val="accent4"/>
-                </a:buClr>
-                <a:buSzPts val="2400"/>
-                <a:buFont typeface="Roboto Condensed Light"/>
-                <a:buChar char="▻"/>
-                <a:defRPr sz="2400" b="0" i="0" u="none" strike="noStrike" cap="none">
-                  <a:solidFill>
-                    <a:schemeClr val="dk1"/>
-                  </a:solidFill>
-                  <a:latin typeface="Roboto Condensed Light"/>
-                  <a:ea typeface="Roboto Condensed Light"/>
-                  <a:cs typeface="Roboto Condensed Light"/>
-                  <a:sym typeface="Roboto Condensed Light"/>
-                </a:defRPr>
-              </a:lvl4pPr>
-              <a:lvl5pPr marL="2286000" marR="0" lvl="4" indent="-381000" algn="l" rtl="0">
-                <a:lnSpc>
-                  <a:spcPct val="100000"/>
-                </a:lnSpc>
-                <a:spcBef>
-                  <a:spcPts val="1000"/>
-                </a:spcBef>
-                <a:spcAft>
-                  <a:spcPts val="0"/>
-                </a:spcAft>
-                <a:buClr>
-                  <a:schemeClr val="accent4"/>
-                </a:buClr>
-                <a:buSzPts val="2400"/>
-                <a:buFont typeface="Roboto Condensed Light"/>
-                <a:buChar char="▻"/>
-                <a:defRPr sz="2400" b="0" i="0" u="none" strike="noStrike" cap="none">
-                  <a:solidFill>
-                    <a:schemeClr val="dk1"/>
-                  </a:solidFill>
-                  <a:latin typeface="Roboto Condensed Light"/>
-                  <a:ea typeface="Roboto Condensed Light"/>
-                  <a:cs typeface="Roboto Condensed Light"/>
-                  <a:sym typeface="Roboto Condensed Light"/>
-                </a:defRPr>
-              </a:lvl5pPr>
-              <a:lvl6pPr marL="2743200" marR="0" lvl="5" indent="-381000" algn="l" rtl="0">
-                <a:lnSpc>
-                  <a:spcPct val="100000"/>
-                </a:lnSpc>
-                <a:spcBef>
-                  <a:spcPts val="1000"/>
-                </a:spcBef>
-                <a:spcAft>
-                  <a:spcPts val="0"/>
-                </a:spcAft>
-                <a:buClr>
-                  <a:schemeClr val="accent4"/>
-                </a:buClr>
-                <a:buSzPts val="2400"/>
-                <a:buFont typeface="Roboto Condensed Light"/>
-                <a:buChar char="▻"/>
-                <a:defRPr sz="2400" b="0" i="0" u="none" strike="noStrike" cap="none">
-                  <a:solidFill>
-                    <a:schemeClr val="dk1"/>
-                  </a:solidFill>
-                  <a:latin typeface="Roboto Condensed Light"/>
-                  <a:ea typeface="Roboto Condensed Light"/>
-                  <a:cs typeface="Roboto Condensed Light"/>
-                  <a:sym typeface="Roboto Condensed Light"/>
-                </a:defRPr>
-              </a:lvl6pPr>
-              <a:lvl7pPr marL="3200400" marR="0" lvl="6" indent="-381000" algn="l" rtl="0">
-                <a:lnSpc>
-                  <a:spcPct val="100000"/>
-                </a:lnSpc>
-                <a:spcBef>
-                  <a:spcPts val="1000"/>
-                </a:spcBef>
-                <a:spcAft>
-                  <a:spcPts val="0"/>
-                </a:spcAft>
-                <a:buClr>
-                  <a:schemeClr val="accent4"/>
-                </a:buClr>
-                <a:buSzPts val="2400"/>
-                <a:buFont typeface="Roboto Condensed Light"/>
-                <a:buChar char="▻"/>
-                <a:defRPr sz="2400" b="0" i="0" u="none" strike="noStrike" cap="none">
-                  <a:solidFill>
-                    <a:schemeClr val="dk1"/>
-                  </a:solidFill>
-                  <a:latin typeface="Roboto Condensed Light"/>
-                  <a:ea typeface="Roboto Condensed Light"/>
-                  <a:cs typeface="Roboto Condensed Light"/>
-                  <a:sym typeface="Roboto Condensed Light"/>
-                </a:defRPr>
-              </a:lvl7pPr>
-              <a:lvl8pPr marL="3657600" marR="0" lvl="7" indent="-381000" algn="l" rtl="0">
-                <a:lnSpc>
-                  <a:spcPct val="100000"/>
-                </a:lnSpc>
-                <a:spcBef>
-                  <a:spcPts val="1000"/>
-                </a:spcBef>
-                <a:spcAft>
-                  <a:spcPts val="0"/>
-                </a:spcAft>
-                <a:buClr>
-                  <a:schemeClr val="accent4"/>
-                </a:buClr>
-                <a:buSzPts val="2400"/>
-                <a:buFont typeface="Roboto Condensed Light"/>
-                <a:buChar char="▻"/>
-                <a:defRPr sz="2400" b="0" i="0" u="none" strike="noStrike" cap="none">
-                  <a:solidFill>
-                    <a:schemeClr val="dk1"/>
-                  </a:solidFill>
-                  <a:latin typeface="Roboto Condensed Light"/>
-                  <a:ea typeface="Roboto Condensed Light"/>
-                  <a:cs typeface="Roboto Condensed Light"/>
-                  <a:sym typeface="Roboto Condensed Light"/>
-                </a:defRPr>
-              </a:lvl8pPr>
-              <a:lvl9pPr marL="4114800" marR="0" lvl="8" indent="-381000" algn="l" rtl="0">
-                <a:lnSpc>
-                  <a:spcPct val="100000"/>
-                </a:lnSpc>
-                <a:spcBef>
-                  <a:spcPts val="1000"/>
-                </a:spcBef>
-                <a:spcAft>
-                  <a:spcPts val="1000"/>
-                </a:spcAft>
-                <a:buClr>
-                  <a:schemeClr val="accent4"/>
-                </a:buClr>
-                <a:buSzPts val="2400"/>
-                <a:buFont typeface="Roboto Condensed Light"/>
-                <a:buChar char="▻"/>
-                <a:defRPr sz="2400" b="0" i="0" u="none" strike="noStrike" cap="none">
-                  <a:solidFill>
-                    <a:schemeClr val="dk1"/>
-                  </a:solidFill>
-                  <a:latin typeface="Roboto Condensed Light"/>
-                  <a:ea typeface="Roboto Condensed Light"/>
-                  <a:cs typeface="Roboto Condensed Light"/>
-                  <a:sym typeface="Roboto Condensed Light"/>
-                </a:defRPr>
-              </a:lvl9pPr>
-            </a:lstStyle>
-            <a:p>
-              <a:pPr marL="76200" indent="0">
-                <a:buNone/>
-              </a:pPr>
-              <a:r>
-                <a:rPr lang="en-US" sz="2000" dirty="0">
-                  <a:solidFill>
-                    <a:schemeClr val="bg1"/>
-                  </a:solidFill>
-                </a:rPr>
-                <a:t>97.5%</a:t>
-              </a:r>
-            </a:p>
-          </p:txBody>
-        </p:sp>
+        <mc:AlternateContent xmlns:mc="http://schemas.openxmlformats.org/markup-compatibility/2006" xmlns:a14="http://schemas.microsoft.com/office/drawing/2010/main">
+          <mc:Choice Requires="a14">
+            <p:sp>
+              <p:nvSpPr>
+                <p:cNvPr id="11" name="Text Placeholder 2">
+                  <a:extLst>
+                    <a:ext uri="{FF2B5EF4-FFF2-40B4-BE49-F238E27FC236}">
+                      <a16:creationId xmlns:a16="http://schemas.microsoft.com/office/drawing/2014/main" id="{5B537441-F2BF-C1DB-5CAC-774FDF3373A9}"/>
+                    </a:ext>
+                  </a:extLst>
+                </p:cNvPr>
+                <p:cNvSpPr txBox="1">
+                  <a:spLocks/>
+                </p:cNvSpPr>
+                <p:nvPr/>
+              </p:nvSpPr>
+              <p:spPr>
+                <a:xfrm>
+                  <a:off x="1226563" y="2839420"/>
+                  <a:ext cx="3516919" cy="2217401"/>
+                </a:xfrm>
+                <a:prstGeom prst="rect">
+                  <a:avLst/>
+                </a:prstGeom>
+                <a:noFill/>
+                <a:ln>
+                  <a:noFill/>
+                </a:ln>
+              </p:spPr>
+              <p:txBody>
+                <a:bodyPr spcFirstLastPara="1" wrap="square" lIns="91425" tIns="91425" rIns="91425" bIns="91425" anchor="t" anchorCtr="0">
+                  <a:noAutofit/>
+                </a:bodyPr>
+                <a:lstStyle>
+                  <a:defPPr marR="0" lvl="0" algn="l" rtl="0">
+                    <a:lnSpc>
+                      <a:spcPct val="100000"/>
+                    </a:lnSpc>
+                    <a:spcBef>
+                      <a:spcPts val="0"/>
+                    </a:spcBef>
+                    <a:spcAft>
+                      <a:spcPts val="0"/>
+                    </a:spcAft>
+                  </a:defPPr>
+                  <a:lvl1pPr marL="457200" marR="0" lvl="0" indent="-381000" algn="l" rtl="0">
+                    <a:lnSpc>
+                      <a:spcPct val="100000"/>
+                    </a:lnSpc>
+                    <a:spcBef>
+                      <a:spcPts val="600"/>
+                    </a:spcBef>
+                    <a:spcAft>
+                      <a:spcPts val="0"/>
+                    </a:spcAft>
+                    <a:buClr>
+                      <a:schemeClr val="accent4"/>
+                    </a:buClr>
+                    <a:buSzPts val="2400"/>
+                    <a:buFont typeface="Roboto Condensed Light"/>
+                    <a:buChar char="▰"/>
+                    <a:defRPr sz="2400" b="0" i="0" u="none" strike="noStrike" cap="none">
+                      <a:solidFill>
+                        <a:schemeClr val="dk1"/>
+                      </a:solidFill>
+                      <a:latin typeface="Roboto Condensed Light"/>
+                      <a:ea typeface="Roboto Condensed Light"/>
+                      <a:cs typeface="Roboto Condensed Light"/>
+                      <a:sym typeface="Roboto Condensed Light"/>
+                    </a:defRPr>
+                  </a:lvl1pPr>
+                  <a:lvl2pPr marL="914400" marR="0" lvl="1" indent="-381000" algn="l" rtl="0">
+                    <a:lnSpc>
+                      <a:spcPct val="100000"/>
+                    </a:lnSpc>
+                    <a:spcBef>
+                      <a:spcPts val="1000"/>
+                    </a:spcBef>
+                    <a:spcAft>
+                      <a:spcPts val="0"/>
+                    </a:spcAft>
+                    <a:buClr>
+                      <a:schemeClr val="accent4"/>
+                    </a:buClr>
+                    <a:buSzPts val="2400"/>
+                    <a:buFont typeface="Roboto Condensed Light"/>
+                    <a:buChar char="▻"/>
+                    <a:defRPr sz="2400" b="0" i="0" u="none" strike="noStrike" cap="none">
+                      <a:solidFill>
+                        <a:schemeClr val="dk1"/>
+                      </a:solidFill>
+                      <a:latin typeface="Roboto Condensed Light"/>
+                      <a:ea typeface="Roboto Condensed Light"/>
+                      <a:cs typeface="Roboto Condensed Light"/>
+                      <a:sym typeface="Roboto Condensed Light"/>
+                    </a:defRPr>
+                  </a:lvl2pPr>
+                  <a:lvl3pPr marL="1371600" marR="0" lvl="2" indent="-381000" algn="l" rtl="0">
+                    <a:lnSpc>
+                      <a:spcPct val="100000"/>
+                    </a:lnSpc>
+                    <a:spcBef>
+                      <a:spcPts val="1000"/>
+                    </a:spcBef>
+                    <a:spcAft>
+                      <a:spcPts val="0"/>
+                    </a:spcAft>
+                    <a:buClr>
+                      <a:schemeClr val="accent4"/>
+                    </a:buClr>
+                    <a:buSzPts val="2400"/>
+                    <a:buFont typeface="Roboto Condensed Light"/>
+                    <a:buChar char="▻"/>
+                    <a:defRPr sz="2400" b="0" i="0" u="none" strike="noStrike" cap="none">
+                      <a:solidFill>
+                        <a:schemeClr val="dk1"/>
+                      </a:solidFill>
+                      <a:latin typeface="Roboto Condensed Light"/>
+                      <a:ea typeface="Roboto Condensed Light"/>
+                      <a:cs typeface="Roboto Condensed Light"/>
+                      <a:sym typeface="Roboto Condensed Light"/>
+                    </a:defRPr>
+                  </a:lvl3pPr>
+                  <a:lvl4pPr marL="1828800" marR="0" lvl="3" indent="-381000" algn="l" rtl="0">
+                    <a:lnSpc>
+                      <a:spcPct val="100000"/>
+                    </a:lnSpc>
+                    <a:spcBef>
+                      <a:spcPts val="1000"/>
+                    </a:spcBef>
+                    <a:spcAft>
+                      <a:spcPts val="0"/>
+                    </a:spcAft>
+                    <a:buClr>
+                      <a:schemeClr val="accent4"/>
+                    </a:buClr>
+                    <a:buSzPts val="2400"/>
+                    <a:buFont typeface="Roboto Condensed Light"/>
+                    <a:buChar char="▻"/>
+                    <a:defRPr sz="2400" b="0" i="0" u="none" strike="noStrike" cap="none">
+                      <a:solidFill>
+                        <a:schemeClr val="dk1"/>
+                      </a:solidFill>
+                      <a:latin typeface="Roboto Condensed Light"/>
+                      <a:ea typeface="Roboto Condensed Light"/>
+                      <a:cs typeface="Roboto Condensed Light"/>
+                      <a:sym typeface="Roboto Condensed Light"/>
+                    </a:defRPr>
+                  </a:lvl4pPr>
+                  <a:lvl5pPr marL="2286000" marR="0" lvl="4" indent="-381000" algn="l" rtl="0">
+                    <a:lnSpc>
+                      <a:spcPct val="100000"/>
+                    </a:lnSpc>
+                    <a:spcBef>
+                      <a:spcPts val="1000"/>
+                    </a:spcBef>
+                    <a:spcAft>
+                      <a:spcPts val="0"/>
+                    </a:spcAft>
+                    <a:buClr>
+                      <a:schemeClr val="accent4"/>
+                    </a:buClr>
+                    <a:buSzPts val="2400"/>
+                    <a:buFont typeface="Roboto Condensed Light"/>
+                    <a:buChar char="▻"/>
+                    <a:defRPr sz="2400" b="0" i="0" u="none" strike="noStrike" cap="none">
+                      <a:solidFill>
+                        <a:schemeClr val="dk1"/>
+                      </a:solidFill>
+                      <a:latin typeface="Roboto Condensed Light"/>
+                      <a:ea typeface="Roboto Condensed Light"/>
+                      <a:cs typeface="Roboto Condensed Light"/>
+                      <a:sym typeface="Roboto Condensed Light"/>
+                    </a:defRPr>
+                  </a:lvl5pPr>
+                  <a:lvl6pPr marL="2743200" marR="0" lvl="5" indent="-381000" algn="l" rtl="0">
+                    <a:lnSpc>
+                      <a:spcPct val="100000"/>
+                    </a:lnSpc>
+                    <a:spcBef>
+                      <a:spcPts val="1000"/>
+                    </a:spcBef>
+                    <a:spcAft>
+                      <a:spcPts val="0"/>
+                    </a:spcAft>
+                    <a:buClr>
+                      <a:schemeClr val="accent4"/>
+                    </a:buClr>
+                    <a:buSzPts val="2400"/>
+                    <a:buFont typeface="Roboto Condensed Light"/>
+                    <a:buChar char="▻"/>
+                    <a:defRPr sz="2400" b="0" i="0" u="none" strike="noStrike" cap="none">
+                      <a:solidFill>
+                        <a:schemeClr val="dk1"/>
+                      </a:solidFill>
+                      <a:latin typeface="Roboto Condensed Light"/>
+                      <a:ea typeface="Roboto Condensed Light"/>
+                      <a:cs typeface="Roboto Condensed Light"/>
+                      <a:sym typeface="Roboto Condensed Light"/>
+                    </a:defRPr>
+                  </a:lvl6pPr>
+                  <a:lvl7pPr marL="3200400" marR="0" lvl="6" indent="-381000" algn="l" rtl="0">
+                    <a:lnSpc>
+                      <a:spcPct val="100000"/>
+                    </a:lnSpc>
+                    <a:spcBef>
+                      <a:spcPts val="1000"/>
+                    </a:spcBef>
+                    <a:spcAft>
+                      <a:spcPts val="0"/>
+                    </a:spcAft>
+                    <a:buClr>
+                      <a:schemeClr val="accent4"/>
+                    </a:buClr>
+                    <a:buSzPts val="2400"/>
+                    <a:buFont typeface="Roboto Condensed Light"/>
+                    <a:buChar char="▻"/>
+                    <a:defRPr sz="2400" b="0" i="0" u="none" strike="noStrike" cap="none">
+                      <a:solidFill>
+                        <a:schemeClr val="dk1"/>
+                      </a:solidFill>
+                      <a:latin typeface="Roboto Condensed Light"/>
+                      <a:ea typeface="Roboto Condensed Light"/>
+                      <a:cs typeface="Roboto Condensed Light"/>
+                      <a:sym typeface="Roboto Condensed Light"/>
+                    </a:defRPr>
+                  </a:lvl7pPr>
+                  <a:lvl8pPr marL="3657600" marR="0" lvl="7" indent="-381000" algn="l" rtl="0">
+                    <a:lnSpc>
+                      <a:spcPct val="100000"/>
+                    </a:lnSpc>
+                    <a:spcBef>
+                      <a:spcPts val="1000"/>
+                    </a:spcBef>
+                    <a:spcAft>
+                      <a:spcPts val="0"/>
+                    </a:spcAft>
+                    <a:buClr>
+                      <a:schemeClr val="accent4"/>
+                    </a:buClr>
+                    <a:buSzPts val="2400"/>
+                    <a:buFont typeface="Roboto Condensed Light"/>
+                    <a:buChar char="▻"/>
+                    <a:defRPr sz="2400" b="0" i="0" u="none" strike="noStrike" cap="none">
+                      <a:solidFill>
+                        <a:schemeClr val="dk1"/>
+                      </a:solidFill>
+                      <a:latin typeface="Roboto Condensed Light"/>
+                      <a:ea typeface="Roboto Condensed Light"/>
+                      <a:cs typeface="Roboto Condensed Light"/>
+                      <a:sym typeface="Roboto Condensed Light"/>
+                    </a:defRPr>
+                  </a:lvl8pPr>
+                  <a:lvl9pPr marL="4114800" marR="0" lvl="8" indent="-381000" algn="l" rtl="0">
+                    <a:lnSpc>
+                      <a:spcPct val="100000"/>
+                    </a:lnSpc>
+                    <a:spcBef>
+                      <a:spcPts val="1000"/>
+                    </a:spcBef>
+                    <a:spcAft>
+                      <a:spcPts val="1000"/>
+                    </a:spcAft>
+                    <a:buClr>
+                      <a:schemeClr val="accent4"/>
+                    </a:buClr>
+                    <a:buSzPts val="2400"/>
+                    <a:buFont typeface="Roboto Condensed Light"/>
+                    <a:buChar char="▻"/>
+                    <a:defRPr sz="2400" b="0" i="0" u="none" strike="noStrike" cap="none">
+                      <a:solidFill>
+                        <a:schemeClr val="dk1"/>
+                      </a:solidFill>
+                      <a:latin typeface="Roboto Condensed Light"/>
+                      <a:ea typeface="Roboto Condensed Light"/>
+                      <a:cs typeface="Roboto Condensed Light"/>
+                      <a:sym typeface="Roboto Condensed Light"/>
+                    </a:defRPr>
+                  </a:lvl9pPr>
+                </a:lstStyle>
+                <a:p>
+                  <a:pPr marL="76200" indent="0">
+                    <a:buNone/>
+                  </a:pPr>
+                  <a14:m>
+                    <m:oMathPara xmlns:m="http://schemas.openxmlformats.org/officeDocument/2006/math">
+                      <m:oMathParaPr>
+                        <m:jc m:val="centerGroup"/>
+                      </m:oMathParaPr>
+                      <m:oMath xmlns:m="http://schemas.openxmlformats.org/officeDocument/2006/math">
+                        <m:r>
+                          <a:rPr lang="en-US" sz="1600" i="1" dirty="0" smtClean="0">
+                            <a:solidFill>
+                              <a:schemeClr val="bg1"/>
+                            </a:solidFill>
+                            <a:latin typeface="Cambria Math" panose="02040503050406030204" pitchFamily="18" charset="0"/>
+                          </a:rPr>
+                          <m:t>𝐼𝑄𝑅</m:t>
+                        </m:r>
+                        <m:r>
+                          <a:rPr lang="en-US" sz="1600" i="1" dirty="0" smtClean="0">
+                            <a:solidFill>
+                              <a:schemeClr val="bg1"/>
+                            </a:solidFill>
+                            <a:latin typeface="Cambria Math" panose="02040503050406030204" pitchFamily="18" charset="0"/>
+                          </a:rPr>
+                          <m:t> =9</m:t>
+                        </m:r>
+                      </m:oMath>
+                    </m:oMathPara>
+                  </a14:m>
+                  <a:endParaRPr lang="en-US" sz="1600" dirty="0">
+                    <a:solidFill>
+                      <a:schemeClr val="bg1"/>
+                    </a:solidFill>
+                  </a:endParaRPr>
+                </a:p>
+              </p:txBody>
+            </p:sp>
+          </mc:Choice>
+          <mc:Fallback xmlns="">
+            <p:sp>
+              <p:nvSpPr>
+                <p:cNvPr id="11" name="Text Placeholder 2">
+                  <a:extLst>
+                    <a:ext uri="{FF2B5EF4-FFF2-40B4-BE49-F238E27FC236}">
+                      <a16:creationId xmlns:a16="http://schemas.microsoft.com/office/drawing/2014/main" id="{5B537441-F2BF-C1DB-5CAC-774FDF3373A9}"/>
+                    </a:ext>
+                  </a:extLst>
+                </p:cNvPr>
+                <p:cNvSpPr txBox="1">
+                  <a:spLocks noRot="1" noChangeAspect="1" noMove="1" noResize="1" noEditPoints="1" noAdjustHandles="1" noChangeArrowheads="1" noChangeShapeType="1" noTextEdit="1"/>
+                </p:cNvSpPr>
+                <p:nvPr/>
+              </p:nvSpPr>
+              <p:spPr>
+                <a:xfrm>
+                  <a:off x="1226563" y="2839420"/>
+                  <a:ext cx="3516919" cy="2217401"/>
+                </a:xfrm>
+                <a:prstGeom prst="rect">
+                  <a:avLst/>
+                </a:prstGeom>
+                <a:blipFill>
+                  <a:blip r:embed="rId5"/>
+                  <a:stretch>
+                    <a:fillRect b="-16667"/>
+                  </a:stretch>
+                </a:blipFill>
+                <a:ln>
+                  <a:noFill/>
+                </a:ln>
+              </p:spPr>
+              <p:txBody>
+                <a:bodyPr/>
+                <a:lstStyle/>
+                <a:p>
+                  <a:r>
+                    <a:rPr lang="en-US">
+                      <a:noFill/>
+                    </a:rPr>
+                    <a:t> </a:t>
+                  </a:r>
+                </a:p>
+              </p:txBody>
+            </p:sp>
+          </mc:Fallback>
+        </mc:AlternateContent>
       </p:grpSp>
       <p:grpSp>
         <p:nvGrpSpPr>
-          <p:cNvPr id="11" name="Group 10">
+          <p:cNvPr id="18" name="Group 17">
             <a:extLst>
               <a:ext uri="{FF2B5EF4-FFF2-40B4-BE49-F238E27FC236}">
-                <a16:creationId xmlns:a16="http://schemas.microsoft.com/office/drawing/2014/main" id="{B1885334-B2D3-DFAF-0A82-9AD39DDB6727}"/>
+                <a16:creationId xmlns:a16="http://schemas.microsoft.com/office/drawing/2014/main" id="{B118184F-9778-23D4-4B85-97751758A11C}"/>
               </a:ext>
             </a:extLst>
           </p:cNvPr>
@@ -13518,18 +14921,18 @@
         </p:nvGrpSpPr>
         <p:grpSpPr>
           <a:xfrm>
-            <a:off x="3550297" y="4485821"/>
-            <a:ext cx="1413858" cy="616957"/>
-            <a:chOff x="724834" y="2805793"/>
-            <a:chExt cx="5098728" cy="2390346"/>
+            <a:off x="5359970" y="4115578"/>
+            <a:ext cx="1265539" cy="402102"/>
+            <a:chOff x="975699" y="2805793"/>
+            <a:chExt cx="4269505" cy="2390346"/>
           </a:xfrm>
         </p:grpSpPr>
         <p:sp>
           <p:nvSpPr>
-            <p:cNvPr id="18" name="Rounded Rectangle 17">
+            <p:cNvPr id="19" name="Rounded Rectangle 18">
               <a:extLst>
                 <a:ext uri="{FF2B5EF4-FFF2-40B4-BE49-F238E27FC236}">
-                  <a16:creationId xmlns:a16="http://schemas.microsoft.com/office/drawing/2014/main" id="{E170DF15-82EB-6D4F-478C-A6A0149BF192}"/>
+                  <a16:creationId xmlns:a16="http://schemas.microsoft.com/office/drawing/2014/main" id="{B755FD09-0445-0C45-AA37-A60177AB9E36}"/>
                 </a:ext>
               </a:extLst>
             </p:cNvPr>
@@ -13573,304 +14976,379 @@
             </a:p>
           </p:txBody>
         </p:sp>
-        <p:sp>
-          <p:nvSpPr>
-            <p:cNvPr id="19" name="Text Placeholder 2">
-              <a:extLst>
-                <a:ext uri="{FF2B5EF4-FFF2-40B4-BE49-F238E27FC236}">
-                  <a16:creationId xmlns:a16="http://schemas.microsoft.com/office/drawing/2014/main" id="{1A2854AC-50AD-406E-9F7A-EA93C11D543A}"/>
-                </a:ext>
-              </a:extLst>
-            </p:cNvPr>
-            <p:cNvSpPr txBox="1">
-              <a:spLocks/>
-            </p:cNvSpPr>
-            <p:nvPr/>
-          </p:nvSpPr>
-          <p:spPr>
-            <a:xfrm>
-              <a:off x="724834" y="2805793"/>
-              <a:ext cx="5098728" cy="2217400"/>
-            </a:xfrm>
-            <a:prstGeom prst="rect">
-              <a:avLst/>
-            </a:prstGeom>
-            <a:noFill/>
-            <a:ln>
-              <a:noFill/>
-            </a:ln>
-          </p:spPr>
-          <p:txBody>
-            <a:bodyPr spcFirstLastPara="1" wrap="square" lIns="91425" tIns="91425" rIns="91425" bIns="91425" anchor="t" anchorCtr="0">
-              <a:noAutofit/>
-            </a:bodyPr>
-            <a:lstStyle>
-              <a:defPPr marR="0" lvl="0" algn="l" rtl="0">
-                <a:lnSpc>
-                  <a:spcPct val="100000"/>
-                </a:lnSpc>
-                <a:spcBef>
-                  <a:spcPts val="0"/>
-                </a:spcBef>
-                <a:spcAft>
-                  <a:spcPts val="0"/>
-                </a:spcAft>
-              </a:defPPr>
-              <a:lvl1pPr marL="457200" marR="0" lvl="0" indent="-381000" algn="l" rtl="0">
-                <a:lnSpc>
-                  <a:spcPct val="100000"/>
-                </a:lnSpc>
-                <a:spcBef>
-                  <a:spcPts val="600"/>
-                </a:spcBef>
-                <a:spcAft>
-                  <a:spcPts val="0"/>
-                </a:spcAft>
-                <a:buClr>
-                  <a:schemeClr val="accent4"/>
-                </a:buClr>
-                <a:buSzPts val="2400"/>
-                <a:buFont typeface="Roboto Condensed Light"/>
-                <a:buChar char="▰"/>
-                <a:defRPr sz="2400" b="0" i="0" u="none" strike="noStrike" cap="none">
-                  <a:solidFill>
-                    <a:schemeClr val="dk1"/>
-                  </a:solidFill>
-                  <a:latin typeface="Roboto Condensed Light"/>
-                  <a:ea typeface="Roboto Condensed Light"/>
-                  <a:cs typeface="Roboto Condensed Light"/>
-                  <a:sym typeface="Roboto Condensed Light"/>
-                </a:defRPr>
-              </a:lvl1pPr>
-              <a:lvl2pPr marL="914400" marR="0" lvl="1" indent="-381000" algn="l" rtl="0">
-                <a:lnSpc>
-                  <a:spcPct val="100000"/>
-                </a:lnSpc>
-                <a:spcBef>
-                  <a:spcPts val="1000"/>
-                </a:spcBef>
-                <a:spcAft>
-                  <a:spcPts val="0"/>
-                </a:spcAft>
-                <a:buClr>
-                  <a:schemeClr val="accent4"/>
-                </a:buClr>
-                <a:buSzPts val="2400"/>
-                <a:buFont typeface="Roboto Condensed Light"/>
-                <a:buChar char="▻"/>
-                <a:defRPr sz="2400" b="0" i="0" u="none" strike="noStrike" cap="none">
-                  <a:solidFill>
-                    <a:schemeClr val="dk1"/>
-                  </a:solidFill>
-                  <a:latin typeface="Roboto Condensed Light"/>
-                  <a:ea typeface="Roboto Condensed Light"/>
-                  <a:cs typeface="Roboto Condensed Light"/>
-                  <a:sym typeface="Roboto Condensed Light"/>
-                </a:defRPr>
-              </a:lvl2pPr>
-              <a:lvl3pPr marL="1371600" marR="0" lvl="2" indent="-381000" algn="l" rtl="0">
-                <a:lnSpc>
-                  <a:spcPct val="100000"/>
-                </a:lnSpc>
-                <a:spcBef>
-                  <a:spcPts val="1000"/>
-                </a:spcBef>
-                <a:spcAft>
-                  <a:spcPts val="0"/>
-                </a:spcAft>
-                <a:buClr>
-                  <a:schemeClr val="accent4"/>
-                </a:buClr>
-                <a:buSzPts val="2400"/>
-                <a:buFont typeface="Roboto Condensed Light"/>
-                <a:buChar char="▻"/>
-                <a:defRPr sz="2400" b="0" i="0" u="none" strike="noStrike" cap="none">
-                  <a:solidFill>
-                    <a:schemeClr val="dk1"/>
-                  </a:solidFill>
-                  <a:latin typeface="Roboto Condensed Light"/>
-                  <a:ea typeface="Roboto Condensed Light"/>
-                  <a:cs typeface="Roboto Condensed Light"/>
-                  <a:sym typeface="Roboto Condensed Light"/>
-                </a:defRPr>
-              </a:lvl3pPr>
-              <a:lvl4pPr marL="1828800" marR="0" lvl="3" indent="-381000" algn="l" rtl="0">
-                <a:lnSpc>
-                  <a:spcPct val="100000"/>
-                </a:lnSpc>
-                <a:spcBef>
-                  <a:spcPts val="1000"/>
-                </a:spcBef>
-                <a:spcAft>
-                  <a:spcPts val="0"/>
-                </a:spcAft>
-                <a:buClr>
-                  <a:schemeClr val="accent4"/>
-                </a:buClr>
-                <a:buSzPts val="2400"/>
-                <a:buFont typeface="Roboto Condensed Light"/>
-                <a:buChar char="▻"/>
-                <a:defRPr sz="2400" b="0" i="0" u="none" strike="noStrike" cap="none">
-                  <a:solidFill>
-                    <a:schemeClr val="dk1"/>
-                  </a:solidFill>
-                  <a:latin typeface="Roboto Condensed Light"/>
-                  <a:ea typeface="Roboto Condensed Light"/>
-                  <a:cs typeface="Roboto Condensed Light"/>
-                  <a:sym typeface="Roboto Condensed Light"/>
-                </a:defRPr>
-              </a:lvl4pPr>
-              <a:lvl5pPr marL="2286000" marR="0" lvl="4" indent="-381000" algn="l" rtl="0">
-                <a:lnSpc>
-                  <a:spcPct val="100000"/>
-                </a:lnSpc>
-                <a:spcBef>
-                  <a:spcPts val="1000"/>
-                </a:spcBef>
-                <a:spcAft>
-                  <a:spcPts val="0"/>
-                </a:spcAft>
-                <a:buClr>
-                  <a:schemeClr val="accent4"/>
-                </a:buClr>
-                <a:buSzPts val="2400"/>
-                <a:buFont typeface="Roboto Condensed Light"/>
-                <a:buChar char="▻"/>
-                <a:defRPr sz="2400" b="0" i="0" u="none" strike="noStrike" cap="none">
-                  <a:solidFill>
-                    <a:schemeClr val="dk1"/>
-                  </a:solidFill>
-                  <a:latin typeface="Roboto Condensed Light"/>
-                  <a:ea typeface="Roboto Condensed Light"/>
-                  <a:cs typeface="Roboto Condensed Light"/>
-                  <a:sym typeface="Roboto Condensed Light"/>
-                </a:defRPr>
-              </a:lvl5pPr>
-              <a:lvl6pPr marL="2743200" marR="0" lvl="5" indent="-381000" algn="l" rtl="0">
-                <a:lnSpc>
-                  <a:spcPct val="100000"/>
-                </a:lnSpc>
-                <a:spcBef>
-                  <a:spcPts val="1000"/>
-                </a:spcBef>
-                <a:spcAft>
-                  <a:spcPts val="0"/>
-                </a:spcAft>
-                <a:buClr>
-                  <a:schemeClr val="accent4"/>
-                </a:buClr>
-                <a:buSzPts val="2400"/>
-                <a:buFont typeface="Roboto Condensed Light"/>
-                <a:buChar char="▻"/>
-                <a:defRPr sz="2400" b="0" i="0" u="none" strike="noStrike" cap="none">
-                  <a:solidFill>
-                    <a:schemeClr val="dk1"/>
-                  </a:solidFill>
-                  <a:latin typeface="Roboto Condensed Light"/>
-                  <a:ea typeface="Roboto Condensed Light"/>
-                  <a:cs typeface="Roboto Condensed Light"/>
-                  <a:sym typeface="Roboto Condensed Light"/>
-                </a:defRPr>
-              </a:lvl6pPr>
-              <a:lvl7pPr marL="3200400" marR="0" lvl="6" indent="-381000" algn="l" rtl="0">
-                <a:lnSpc>
-                  <a:spcPct val="100000"/>
-                </a:lnSpc>
-                <a:spcBef>
-                  <a:spcPts val="1000"/>
-                </a:spcBef>
-                <a:spcAft>
-                  <a:spcPts val="0"/>
-                </a:spcAft>
-                <a:buClr>
-                  <a:schemeClr val="accent4"/>
-                </a:buClr>
-                <a:buSzPts val="2400"/>
-                <a:buFont typeface="Roboto Condensed Light"/>
-                <a:buChar char="▻"/>
-                <a:defRPr sz="2400" b="0" i="0" u="none" strike="noStrike" cap="none">
-                  <a:solidFill>
-                    <a:schemeClr val="dk1"/>
-                  </a:solidFill>
-                  <a:latin typeface="Roboto Condensed Light"/>
-                  <a:ea typeface="Roboto Condensed Light"/>
-                  <a:cs typeface="Roboto Condensed Light"/>
-                  <a:sym typeface="Roboto Condensed Light"/>
-                </a:defRPr>
-              </a:lvl7pPr>
-              <a:lvl8pPr marL="3657600" marR="0" lvl="7" indent="-381000" algn="l" rtl="0">
-                <a:lnSpc>
-                  <a:spcPct val="100000"/>
-                </a:lnSpc>
-                <a:spcBef>
-                  <a:spcPts val="1000"/>
-                </a:spcBef>
-                <a:spcAft>
-                  <a:spcPts val="0"/>
-                </a:spcAft>
-                <a:buClr>
-                  <a:schemeClr val="accent4"/>
-                </a:buClr>
-                <a:buSzPts val="2400"/>
-                <a:buFont typeface="Roboto Condensed Light"/>
-                <a:buChar char="▻"/>
-                <a:defRPr sz="2400" b="0" i="0" u="none" strike="noStrike" cap="none">
-                  <a:solidFill>
-                    <a:schemeClr val="dk1"/>
-                  </a:solidFill>
-                  <a:latin typeface="Roboto Condensed Light"/>
-                  <a:ea typeface="Roboto Condensed Light"/>
-                  <a:cs typeface="Roboto Condensed Light"/>
-                  <a:sym typeface="Roboto Condensed Light"/>
-                </a:defRPr>
-              </a:lvl8pPr>
-              <a:lvl9pPr marL="4114800" marR="0" lvl="8" indent="-381000" algn="l" rtl="0">
-                <a:lnSpc>
-                  <a:spcPct val="100000"/>
-                </a:lnSpc>
-                <a:spcBef>
-                  <a:spcPts val="1000"/>
-                </a:spcBef>
-                <a:spcAft>
-                  <a:spcPts val="1000"/>
-                </a:spcAft>
-                <a:buClr>
-                  <a:schemeClr val="accent4"/>
-                </a:buClr>
-                <a:buSzPts val="2400"/>
-                <a:buFont typeface="Roboto Condensed Light"/>
-                <a:buChar char="▻"/>
-                <a:defRPr sz="2400" b="0" i="0" u="none" strike="noStrike" cap="none">
-                  <a:solidFill>
-                    <a:schemeClr val="dk1"/>
-                  </a:solidFill>
-                  <a:latin typeface="Roboto Condensed Light"/>
-                  <a:ea typeface="Roboto Condensed Light"/>
-                  <a:cs typeface="Roboto Condensed Light"/>
-                  <a:sym typeface="Roboto Condensed Light"/>
-                </a:defRPr>
-              </a:lvl9pPr>
-            </a:lstStyle>
-            <a:p>
-              <a:pPr marL="76200" indent="0">
-                <a:buNone/>
-              </a:pPr>
-              <a:r>
-                <a:rPr lang="en-US" sz="2000" dirty="0">
-                  <a:solidFill>
-                    <a:schemeClr val="bg1"/>
-                  </a:solidFill>
-                </a:rPr>
-                <a:t>(90, 120)</a:t>
-              </a:r>
-            </a:p>
-          </p:txBody>
-        </p:sp>
+        <mc:AlternateContent xmlns:mc="http://schemas.openxmlformats.org/markup-compatibility/2006" xmlns:a14="http://schemas.microsoft.com/office/drawing/2010/main">
+          <mc:Choice Requires="a14">
+            <p:sp>
+              <p:nvSpPr>
+                <p:cNvPr id="20" name="Text Placeholder 2">
+                  <a:extLst>
+                    <a:ext uri="{FF2B5EF4-FFF2-40B4-BE49-F238E27FC236}">
+                      <a16:creationId xmlns:a16="http://schemas.microsoft.com/office/drawing/2014/main" id="{688EC59B-EDC0-31B2-BC11-96DF320AEE77}"/>
+                    </a:ext>
+                  </a:extLst>
+                </p:cNvPr>
+                <p:cNvSpPr txBox="1">
+                  <a:spLocks/>
+                </p:cNvSpPr>
+                <p:nvPr/>
+              </p:nvSpPr>
+              <p:spPr>
+                <a:xfrm>
+                  <a:off x="1226558" y="2839422"/>
+                  <a:ext cx="4018646" cy="2217399"/>
+                </a:xfrm>
+                <a:prstGeom prst="rect">
+                  <a:avLst/>
+                </a:prstGeom>
+                <a:noFill/>
+                <a:ln>
+                  <a:noFill/>
+                </a:ln>
+              </p:spPr>
+              <p:txBody>
+                <a:bodyPr spcFirstLastPara="1" wrap="square" lIns="91425" tIns="91425" rIns="91425" bIns="91425" anchor="t" anchorCtr="0">
+                  <a:noAutofit/>
+                </a:bodyPr>
+                <a:lstStyle>
+                  <a:defPPr marR="0" lvl="0" algn="l" rtl="0">
+                    <a:lnSpc>
+                      <a:spcPct val="100000"/>
+                    </a:lnSpc>
+                    <a:spcBef>
+                      <a:spcPts val="0"/>
+                    </a:spcBef>
+                    <a:spcAft>
+                      <a:spcPts val="0"/>
+                    </a:spcAft>
+                  </a:defPPr>
+                  <a:lvl1pPr marL="457200" marR="0" lvl="0" indent="-381000" algn="l" rtl="0">
+                    <a:lnSpc>
+                      <a:spcPct val="100000"/>
+                    </a:lnSpc>
+                    <a:spcBef>
+                      <a:spcPts val="600"/>
+                    </a:spcBef>
+                    <a:spcAft>
+                      <a:spcPts val="0"/>
+                    </a:spcAft>
+                    <a:buClr>
+                      <a:schemeClr val="accent4"/>
+                    </a:buClr>
+                    <a:buSzPts val="2400"/>
+                    <a:buFont typeface="Roboto Condensed Light"/>
+                    <a:buChar char="▰"/>
+                    <a:defRPr sz="2400" b="0" i="0" u="none" strike="noStrike" cap="none">
+                      <a:solidFill>
+                        <a:schemeClr val="dk1"/>
+                      </a:solidFill>
+                      <a:latin typeface="Roboto Condensed Light"/>
+                      <a:ea typeface="Roboto Condensed Light"/>
+                      <a:cs typeface="Roboto Condensed Light"/>
+                      <a:sym typeface="Roboto Condensed Light"/>
+                    </a:defRPr>
+                  </a:lvl1pPr>
+                  <a:lvl2pPr marL="914400" marR="0" lvl="1" indent="-381000" algn="l" rtl="0">
+                    <a:lnSpc>
+                      <a:spcPct val="100000"/>
+                    </a:lnSpc>
+                    <a:spcBef>
+                      <a:spcPts val="1000"/>
+                    </a:spcBef>
+                    <a:spcAft>
+                      <a:spcPts val="0"/>
+                    </a:spcAft>
+                    <a:buClr>
+                      <a:schemeClr val="accent4"/>
+                    </a:buClr>
+                    <a:buSzPts val="2400"/>
+                    <a:buFont typeface="Roboto Condensed Light"/>
+                    <a:buChar char="▻"/>
+                    <a:defRPr sz="2400" b="0" i="0" u="none" strike="noStrike" cap="none">
+                      <a:solidFill>
+                        <a:schemeClr val="dk1"/>
+                      </a:solidFill>
+                      <a:latin typeface="Roboto Condensed Light"/>
+                      <a:ea typeface="Roboto Condensed Light"/>
+                      <a:cs typeface="Roboto Condensed Light"/>
+                      <a:sym typeface="Roboto Condensed Light"/>
+                    </a:defRPr>
+                  </a:lvl2pPr>
+                  <a:lvl3pPr marL="1371600" marR="0" lvl="2" indent="-381000" algn="l" rtl="0">
+                    <a:lnSpc>
+                      <a:spcPct val="100000"/>
+                    </a:lnSpc>
+                    <a:spcBef>
+                      <a:spcPts val="1000"/>
+                    </a:spcBef>
+                    <a:spcAft>
+                      <a:spcPts val="0"/>
+                    </a:spcAft>
+                    <a:buClr>
+                      <a:schemeClr val="accent4"/>
+                    </a:buClr>
+                    <a:buSzPts val="2400"/>
+                    <a:buFont typeface="Roboto Condensed Light"/>
+                    <a:buChar char="▻"/>
+                    <a:defRPr sz="2400" b="0" i="0" u="none" strike="noStrike" cap="none">
+                      <a:solidFill>
+                        <a:schemeClr val="dk1"/>
+                      </a:solidFill>
+                      <a:latin typeface="Roboto Condensed Light"/>
+                      <a:ea typeface="Roboto Condensed Light"/>
+                      <a:cs typeface="Roboto Condensed Light"/>
+                      <a:sym typeface="Roboto Condensed Light"/>
+                    </a:defRPr>
+                  </a:lvl3pPr>
+                  <a:lvl4pPr marL="1828800" marR="0" lvl="3" indent="-381000" algn="l" rtl="0">
+                    <a:lnSpc>
+                      <a:spcPct val="100000"/>
+                    </a:lnSpc>
+                    <a:spcBef>
+                      <a:spcPts val="1000"/>
+                    </a:spcBef>
+                    <a:spcAft>
+                      <a:spcPts val="0"/>
+                    </a:spcAft>
+                    <a:buClr>
+                      <a:schemeClr val="accent4"/>
+                    </a:buClr>
+                    <a:buSzPts val="2400"/>
+                    <a:buFont typeface="Roboto Condensed Light"/>
+                    <a:buChar char="▻"/>
+                    <a:defRPr sz="2400" b="0" i="0" u="none" strike="noStrike" cap="none">
+                      <a:solidFill>
+                        <a:schemeClr val="dk1"/>
+                      </a:solidFill>
+                      <a:latin typeface="Roboto Condensed Light"/>
+                      <a:ea typeface="Roboto Condensed Light"/>
+                      <a:cs typeface="Roboto Condensed Light"/>
+                      <a:sym typeface="Roboto Condensed Light"/>
+                    </a:defRPr>
+                  </a:lvl4pPr>
+                  <a:lvl5pPr marL="2286000" marR="0" lvl="4" indent="-381000" algn="l" rtl="0">
+                    <a:lnSpc>
+                      <a:spcPct val="100000"/>
+                    </a:lnSpc>
+                    <a:spcBef>
+                      <a:spcPts val="1000"/>
+                    </a:spcBef>
+                    <a:spcAft>
+                      <a:spcPts val="0"/>
+                    </a:spcAft>
+                    <a:buClr>
+                      <a:schemeClr val="accent4"/>
+                    </a:buClr>
+                    <a:buSzPts val="2400"/>
+                    <a:buFont typeface="Roboto Condensed Light"/>
+                    <a:buChar char="▻"/>
+                    <a:defRPr sz="2400" b="0" i="0" u="none" strike="noStrike" cap="none">
+                      <a:solidFill>
+                        <a:schemeClr val="dk1"/>
+                      </a:solidFill>
+                      <a:latin typeface="Roboto Condensed Light"/>
+                      <a:ea typeface="Roboto Condensed Light"/>
+                      <a:cs typeface="Roboto Condensed Light"/>
+                      <a:sym typeface="Roboto Condensed Light"/>
+                    </a:defRPr>
+                  </a:lvl5pPr>
+                  <a:lvl6pPr marL="2743200" marR="0" lvl="5" indent="-381000" algn="l" rtl="0">
+                    <a:lnSpc>
+                      <a:spcPct val="100000"/>
+                    </a:lnSpc>
+                    <a:spcBef>
+                      <a:spcPts val="1000"/>
+                    </a:spcBef>
+                    <a:spcAft>
+                      <a:spcPts val="0"/>
+                    </a:spcAft>
+                    <a:buClr>
+                      <a:schemeClr val="accent4"/>
+                    </a:buClr>
+                    <a:buSzPts val="2400"/>
+                    <a:buFont typeface="Roboto Condensed Light"/>
+                    <a:buChar char="▻"/>
+                    <a:defRPr sz="2400" b="0" i="0" u="none" strike="noStrike" cap="none">
+                      <a:solidFill>
+                        <a:schemeClr val="dk1"/>
+                      </a:solidFill>
+                      <a:latin typeface="Roboto Condensed Light"/>
+                      <a:ea typeface="Roboto Condensed Light"/>
+                      <a:cs typeface="Roboto Condensed Light"/>
+                      <a:sym typeface="Roboto Condensed Light"/>
+                    </a:defRPr>
+                  </a:lvl6pPr>
+                  <a:lvl7pPr marL="3200400" marR="0" lvl="6" indent="-381000" algn="l" rtl="0">
+                    <a:lnSpc>
+                      <a:spcPct val="100000"/>
+                    </a:lnSpc>
+                    <a:spcBef>
+                      <a:spcPts val="1000"/>
+                    </a:spcBef>
+                    <a:spcAft>
+                      <a:spcPts val="0"/>
+                    </a:spcAft>
+                    <a:buClr>
+                      <a:schemeClr val="accent4"/>
+                    </a:buClr>
+                    <a:buSzPts val="2400"/>
+                    <a:buFont typeface="Roboto Condensed Light"/>
+                    <a:buChar char="▻"/>
+                    <a:defRPr sz="2400" b="0" i="0" u="none" strike="noStrike" cap="none">
+                      <a:solidFill>
+                        <a:schemeClr val="dk1"/>
+                      </a:solidFill>
+                      <a:latin typeface="Roboto Condensed Light"/>
+                      <a:ea typeface="Roboto Condensed Light"/>
+                      <a:cs typeface="Roboto Condensed Light"/>
+                      <a:sym typeface="Roboto Condensed Light"/>
+                    </a:defRPr>
+                  </a:lvl7pPr>
+                  <a:lvl8pPr marL="3657600" marR="0" lvl="7" indent="-381000" algn="l" rtl="0">
+                    <a:lnSpc>
+                      <a:spcPct val="100000"/>
+                    </a:lnSpc>
+                    <a:spcBef>
+                      <a:spcPts val="1000"/>
+                    </a:spcBef>
+                    <a:spcAft>
+                      <a:spcPts val="0"/>
+                    </a:spcAft>
+                    <a:buClr>
+                      <a:schemeClr val="accent4"/>
+                    </a:buClr>
+                    <a:buSzPts val="2400"/>
+                    <a:buFont typeface="Roboto Condensed Light"/>
+                    <a:buChar char="▻"/>
+                    <a:defRPr sz="2400" b="0" i="0" u="none" strike="noStrike" cap="none">
+                      <a:solidFill>
+                        <a:schemeClr val="dk1"/>
+                      </a:solidFill>
+                      <a:latin typeface="Roboto Condensed Light"/>
+                      <a:ea typeface="Roboto Condensed Light"/>
+                      <a:cs typeface="Roboto Condensed Light"/>
+                      <a:sym typeface="Roboto Condensed Light"/>
+                    </a:defRPr>
+                  </a:lvl8pPr>
+                  <a:lvl9pPr marL="4114800" marR="0" lvl="8" indent="-381000" algn="l" rtl="0">
+                    <a:lnSpc>
+                      <a:spcPct val="100000"/>
+                    </a:lnSpc>
+                    <a:spcBef>
+                      <a:spcPts val="1000"/>
+                    </a:spcBef>
+                    <a:spcAft>
+                      <a:spcPts val="1000"/>
+                    </a:spcAft>
+                    <a:buClr>
+                      <a:schemeClr val="accent4"/>
+                    </a:buClr>
+                    <a:buSzPts val="2400"/>
+                    <a:buFont typeface="Roboto Condensed Light"/>
+                    <a:buChar char="▻"/>
+                    <a:defRPr sz="2400" b="0" i="0" u="none" strike="noStrike" cap="none">
+                      <a:solidFill>
+                        <a:schemeClr val="dk1"/>
+                      </a:solidFill>
+                      <a:latin typeface="Roboto Condensed Light"/>
+                      <a:ea typeface="Roboto Condensed Light"/>
+                      <a:cs typeface="Roboto Condensed Light"/>
+                      <a:sym typeface="Roboto Condensed Light"/>
+                    </a:defRPr>
+                  </a:lvl9pPr>
+                </a:lstStyle>
+                <a:p>
+                  <a:pPr marL="76200" indent="0">
+                    <a:buNone/>
+                  </a:pPr>
+                  <a14:m>
+                    <m:oMathPara xmlns:m="http://schemas.openxmlformats.org/officeDocument/2006/math">
+                      <m:oMathParaPr>
+                        <m:jc m:val="centerGroup"/>
+                      </m:oMathParaPr>
+                      <m:oMath xmlns:m="http://schemas.openxmlformats.org/officeDocument/2006/math">
+                        <m:r>
+                          <a:rPr lang="en-US" sz="1600" i="1" dirty="0" smtClean="0">
+                            <a:solidFill>
+                              <a:schemeClr val="bg1"/>
+                            </a:solidFill>
+                            <a:latin typeface="Cambria Math" panose="02040503050406030204" pitchFamily="18" charset="0"/>
+                          </a:rPr>
+                          <m:t>𝐼𝑄𝑅</m:t>
+                        </m:r>
+                        <m:r>
+                          <a:rPr lang="en-US" sz="1600" i="1" dirty="0" smtClean="0">
+                            <a:solidFill>
+                              <a:schemeClr val="bg1"/>
+                            </a:solidFill>
+                            <a:latin typeface="Cambria Math" panose="02040503050406030204" pitchFamily="18" charset="0"/>
+                          </a:rPr>
+                          <m:t> =15</m:t>
+                        </m:r>
+                      </m:oMath>
+                    </m:oMathPara>
+                  </a14:m>
+                  <a:endParaRPr lang="en-US" sz="1600" dirty="0">
+                    <a:solidFill>
+                      <a:schemeClr val="bg1"/>
+                    </a:solidFill>
+                  </a:endParaRPr>
+                </a:p>
+              </p:txBody>
+            </p:sp>
+          </mc:Choice>
+          <mc:Fallback xmlns="">
+            <p:sp>
+              <p:nvSpPr>
+                <p:cNvPr id="20" name="Text Placeholder 2">
+                  <a:extLst>
+                    <a:ext uri="{FF2B5EF4-FFF2-40B4-BE49-F238E27FC236}">
+                      <a16:creationId xmlns:a16="http://schemas.microsoft.com/office/drawing/2014/main" id="{688EC59B-EDC0-31B2-BC11-96DF320AEE77}"/>
+                    </a:ext>
+                  </a:extLst>
+                </p:cNvPr>
+                <p:cNvSpPr txBox="1">
+                  <a:spLocks noRot="1" noChangeAspect="1" noMove="1" noResize="1" noEditPoints="1" noAdjustHandles="1" noChangeArrowheads="1" noChangeShapeType="1" noTextEdit="1"/>
+                </p:cNvSpPr>
+                <p:nvPr/>
+              </p:nvSpPr>
+              <p:spPr>
+                <a:xfrm>
+                  <a:off x="1226558" y="2839422"/>
+                  <a:ext cx="4018646" cy="2217399"/>
+                </a:xfrm>
+                <a:prstGeom prst="rect">
+                  <a:avLst/>
+                </a:prstGeom>
+                <a:blipFill>
+                  <a:blip r:embed="rId6"/>
+                  <a:stretch>
+                    <a:fillRect b="-16667"/>
+                  </a:stretch>
+                </a:blipFill>
+                <a:ln>
+                  <a:noFill/>
+                </a:ln>
+              </p:spPr>
+              <p:txBody>
+                <a:bodyPr/>
+                <a:lstStyle/>
+                <a:p>
+                  <a:r>
+                    <a:rPr lang="en-US">
+                      <a:noFill/>
+                    </a:rPr>
+                    <a:t> </a:t>
+                  </a:r>
+                </a:p>
+              </p:txBody>
+            </p:sp>
+          </mc:Fallback>
+        </mc:AlternateContent>
       </p:grpSp>
     </p:spTree>
     <p:extLst>
       <p:ext uri="{BB962C8B-B14F-4D97-AF65-F5344CB8AC3E}">
-        <p14:creationId xmlns:p14="http://schemas.microsoft.com/office/powerpoint/2010/main" val="2402709051"/>
+        <p14:creationId xmlns:p14="http://schemas.microsoft.com/office/powerpoint/2010/main" val="2339152751"/>
       </p:ext>
     </p:extLst>
   </p:cSld>
@@ -13911,7 +15389,7 @@
                                           </p:stCondLst>
                                         </p:cTn>
                                         <p:tgtEl>
-                                          <p:spTgt spid="8"/>
+                                          <p:spTgt spid="9"/>
                                         </p:tgtEl>
                                         <p:attrNameLst>
                                           <p:attrName>style.visibility</p:attrName>
@@ -13956,7 +15434,7 @@
                                           </p:stCondLst>
                                         </p:cTn>
                                         <p:tgtEl>
-                                          <p:spTgt spid="11"/>
+                                          <p:spTgt spid="18"/>
                                         </p:tgtEl>
                                         <p:attrNameLst>
                                           <p:attrName>style.visibility</p:attrName>
@@ -16257,6 +17735,26 @@
               </a:spcAft>
               <a:buNone/>
             </a:pPr>
+            <a:endParaRPr lang="en" dirty="0">
+              <a:solidFill>
+                <a:schemeClr val="dk2"/>
+              </a:solidFill>
+              <a:latin typeface="Roboto Condensed"/>
+              <a:ea typeface="Roboto Condensed"/>
+              <a:cs typeface="Roboto Condensed"/>
+              <a:sym typeface="Roboto Condensed"/>
+            </a:endParaRPr>
+          </a:p>
+          <a:p>
+            <a:pPr marL="0" lvl="0" indent="0" algn="ctr" rtl="0">
+              <a:spcBef>
+                <a:spcPts val="0"/>
+              </a:spcBef>
+              <a:spcAft>
+                <a:spcPts val="0"/>
+              </a:spcAft>
+              <a:buNone/>
+            </a:pPr>
             <a:r>
               <a:rPr lang="en" dirty="0">
                 <a:solidFill>
@@ -16267,7 +17765,7 @@
                 <a:cs typeface="Roboto Condensed"/>
                 <a:sym typeface="Roboto Condensed"/>
               </a:rPr>
-              <a:t>Empirical Rule</a:t>
+              <a:t>Measures of Relative Position</a:t>
             </a:r>
             <a:endParaRPr dirty="0">
               <a:solidFill>
@@ -16434,6 +17932,1476 @@
   <p:clrMapOvr>
     <a:masterClrMapping/>
   </p:clrMapOvr>
+</p:sld>
+</file>
+
+<file path=ppt/slides/slide20.xml><?xml version="1.0" encoding="utf-8"?>
+<p:sld xmlns:a="http://schemas.openxmlformats.org/drawingml/2006/main" xmlns:r="http://schemas.openxmlformats.org/officeDocument/2006/relationships" xmlns:p="http://schemas.openxmlformats.org/presentationml/2006/main">
+  <p:cSld>
+    <p:spTree>
+      <p:nvGrpSpPr>
+        <p:cNvPr id="1" name="">
+          <a:extLst>
+            <a:ext uri="{FF2B5EF4-FFF2-40B4-BE49-F238E27FC236}">
+              <a16:creationId xmlns:a16="http://schemas.microsoft.com/office/drawing/2014/main" id="{2B39CCE3-68BD-642C-1C5D-13B3E5C7D3A4}"/>
+            </a:ext>
+          </a:extLst>
+        </p:cNvPr>
+        <p:cNvGrpSpPr/>
+        <p:nvPr/>
+      </p:nvGrpSpPr>
+      <p:grpSpPr>
+        <a:xfrm>
+          <a:off x="0" y="0"/>
+          <a:ext cx="0" cy="0"/>
+          <a:chOff x="0" y="0"/>
+          <a:chExt cx="0" cy="0"/>
+        </a:xfrm>
+      </p:grpSpPr>
+      <p:sp>
+        <p:nvSpPr>
+          <p:cNvPr id="2" name="Title 1">
+            <a:extLst>
+              <a:ext uri="{FF2B5EF4-FFF2-40B4-BE49-F238E27FC236}">
+                <a16:creationId xmlns:a16="http://schemas.microsoft.com/office/drawing/2014/main" id="{3AB72BA1-E08B-B06E-6C6D-D568BC5DB8BF}"/>
+              </a:ext>
+            </a:extLst>
+          </p:cNvPr>
+          <p:cNvSpPr>
+            <a:spLocks noGrp="1"/>
+          </p:cNvSpPr>
+          <p:nvPr>
+            <p:ph type="title"/>
+          </p:nvPr>
+        </p:nvSpPr>
+        <p:spPr>
+          <a:xfrm>
+            <a:off x="771441" y="391668"/>
+            <a:ext cx="5492400" cy="766200"/>
+          </a:xfrm>
+        </p:spPr>
+        <p:txBody>
+          <a:bodyPr/>
+          <a:lstStyle/>
+          <a:p>
+            <a:pPr marL="0" marR="0">
+              <a:spcBef>
+                <a:spcPts val="0"/>
+              </a:spcBef>
+              <a:spcAft>
+                <a:spcPts val="0"/>
+              </a:spcAft>
+            </a:pPr>
+            <a:r>
+              <a:rPr lang="en-US" sz="1800" b="1" dirty="0">
+                <a:effectLst/>
+                <a:latin typeface="Calibri" panose="020F0502020204030204" pitchFamily="34" charset="0"/>
+                <a:ea typeface="Calibri" panose="020F0502020204030204" pitchFamily="34" charset="0"/>
+                <a:cs typeface="Times New Roman" panose="02020603050405020304" pitchFamily="18" charset="0"/>
+              </a:rPr>
+              <a:t>Examples</a:t>
+            </a:r>
+            <a:endParaRPr lang="en-US" sz="1800" dirty="0">
+              <a:effectLst/>
+              <a:latin typeface="Calibri" panose="020F0502020204030204" pitchFamily="34" charset="0"/>
+              <a:ea typeface="Calibri" panose="020F0502020204030204" pitchFamily="34" charset="0"/>
+              <a:cs typeface="Times New Roman" panose="02020603050405020304" pitchFamily="18" charset="0"/>
+            </a:endParaRPr>
+          </a:p>
+        </p:txBody>
+      </p:sp>
+      <p:sp>
+        <p:nvSpPr>
+          <p:cNvPr id="3" name="Text Placeholder 2">
+            <a:extLst>
+              <a:ext uri="{FF2B5EF4-FFF2-40B4-BE49-F238E27FC236}">
+                <a16:creationId xmlns:a16="http://schemas.microsoft.com/office/drawing/2014/main" id="{FED59DD4-714B-6584-8835-D4B6C9AFAABE}"/>
+              </a:ext>
+            </a:extLst>
+          </p:cNvPr>
+          <p:cNvSpPr>
+            <a:spLocks noGrp="1"/>
+          </p:cNvSpPr>
+          <p:nvPr>
+            <p:ph type="body" idx="1"/>
+          </p:nvPr>
+        </p:nvSpPr>
+        <p:spPr>
+          <a:xfrm>
+            <a:off x="152401" y="935750"/>
+            <a:ext cx="8825149" cy="1529692"/>
+          </a:xfrm>
+        </p:spPr>
+        <p:txBody>
+          <a:bodyPr anchor="t"/>
+          <a:lstStyle/>
+          <a:p>
+            <a:pPr marL="533400" lvl="1" indent="0">
+              <a:buNone/>
+            </a:pPr>
+            <a:endParaRPr lang="en-US" sz="1400" dirty="0"/>
+          </a:p>
+          <a:p>
+            <a:r>
+              <a:rPr lang="en-US" sz="1400" b="1" dirty="0"/>
+              <a:t>Example 5:</a:t>
+            </a:r>
+          </a:p>
+          <a:p>
+            <a:pPr lvl="1">
+              <a:buFont typeface="+mj-lt"/>
+              <a:buAutoNum type="alphaLcParenR"/>
+            </a:pPr>
+            <a:r>
+              <a:rPr lang="en-US" sz="1400" dirty="0"/>
+              <a:t>Calculate the 5-number summary of the following dataset (20 numbers):</a:t>
+            </a:r>
+          </a:p>
+          <a:p>
+            <a:pPr lvl="1">
+              <a:buFont typeface="+mj-lt"/>
+              <a:buAutoNum type="alphaLcParenR"/>
+            </a:pPr>
+            <a:endParaRPr lang="en-US" sz="1400" dirty="0"/>
+          </a:p>
+          <a:p>
+            <a:pPr lvl="1">
+              <a:buFont typeface="+mj-lt"/>
+              <a:buAutoNum type="alphaLcParenR"/>
+            </a:pPr>
+            <a:endParaRPr lang="en-US" sz="1400" dirty="0"/>
+          </a:p>
+          <a:p>
+            <a:pPr lvl="1">
+              <a:buFont typeface="+mj-lt"/>
+              <a:buAutoNum type="alphaLcParenR"/>
+            </a:pPr>
+            <a:endParaRPr lang="en-US" sz="1400" dirty="0"/>
+          </a:p>
+          <a:p>
+            <a:pPr lvl="1">
+              <a:buFont typeface="+mj-lt"/>
+              <a:buAutoNum type="alphaLcParenR"/>
+            </a:pPr>
+            <a:endParaRPr lang="en-US" sz="1400" dirty="0"/>
+          </a:p>
+          <a:p>
+            <a:pPr lvl="1">
+              <a:buFont typeface="+mj-lt"/>
+              <a:buAutoNum type="alphaLcParenR"/>
+            </a:pPr>
+            <a:r>
+              <a:rPr lang="en-US" sz="1400" dirty="0"/>
+              <a:t>Draw a </a:t>
+            </a:r>
+            <a:r>
+              <a:rPr lang="en-US" sz="1400"/>
+              <a:t>boxplot based </a:t>
+            </a:r>
+            <a:r>
+              <a:rPr lang="en-US" sz="1400" dirty="0"/>
+              <a:t>on the 5-number summary from (a).</a:t>
+            </a:r>
+          </a:p>
+          <a:p>
+            <a:pPr marL="533400" lvl="1" indent="0">
+              <a:buNone/>
+            </a:pPr>
+            <a:endParaRPr lang="en-US" sz="1400" dirty="0"/>
+          </a:p>
+          <a:p>
+            <a:pPr lvl="1">
+              <a:buFont typeface="+mj-lt"/>
+              <a:buAutoNum type="alphaLcParenR"/>
+            </a:pPr>
+            <a:endParaRPr lang="en-US" sz="1400" dirty="0"/>
+          </a:p>
+          <a:p>
+            <a:pPr lvl="1"/>
+            <a:endParaRPr lang="en-US" sz="1400" dirty="0"/>
+          </a:p>
+        </p:txBody>
+      </p:sp>
+      <p:sp>
+        <p:nvSpPr>
+          <p:cNvPr id="4" name="Slide Number Placeholder 3">
+            <a:extLst>
+              <a:ext uri="{FF2B5EF4-FFF2-40B4-BE49-F238E27FC236}">
+                <a16:creationId xmlns:a16="http://schemas.microsoft.com/office/drawing/2014/main" id="{6D124010-68EC-39CB-EAB4-EF87C8ACDEB4}"/>
+              </a:ext>
+            </a:extLst>
+          </p:cNvPr>
+          <p:cNvSpPr>
+            <a:spLocks noGrp="1"/>
+          </p:cNvSpPr>
+          <p:nvPr>
+            <p:ph type="sldNum" idx="12"/>
+          </p:nvPr>
+        </p:nvSpPr>
+        <p:spPr/>
+        <p:txBody>
+          <a:bodyPr/>
+          <a:lstStyle/>
+          <a:p>
+            <a:pPr marL="0" lvl="0" indent="0" algn="r" rtl="0">
+              <a:spcBef>
+                <a:spcPts val="0"/>
+              </a:spcBef>
+              <a:spcAft>
+                <a:spcPts val="0"/>
+              </a:spcAft>
+              <a:buNone/>
+            </a:pPr>
+            <a:fld id="{00000000-1234-1234-1234-123412341234}" type="slidenum">
+              <a:rPr lang="en" smtClean="0"/>
+              <a:t>20</a:t>
+            </a:fld>
+            <a:endParaRPr lang="en"/>
+          </a:p>
+        </p:txBody>
+      </p:sp>
+      <p:grpSp>
+        <p:nvGrpSpPr>
+          <p:cNvPr id="12" name="Group 11">
+            <a:extLst>
+              <a:ext uri="{FF2B5EF4-FFF2-40B4-BE49-F238E27FC236}">
+                <a16:creationId xmlns:a16="http://schemas.microsoft.com/office/drawing/2014/main" id="{04B220AC-CEAE-4231-C013-33298B760E0D}"/>
+              </a:ext>
+            </a:extLst>
+          </p:cNvPr>
+          <p:cNvGrpSpPr/>
+          <p:nvPr/>
+        </p:nvGrpSpPr>
+        <p:grpSpPr>
+          <a:xfrm>
+            <a:off x="7218250" y="126225"/>
+            <a:ext cx="1824283" cy="562200"/>
+            <a:chOff x="7218250" y="126225"/>
+            <a:chExt cx="1824283" cy="562200"/>
+          </a:xfrm>
+        </p:grpSpPr>
+        <p:sp>
+          <p:nvSpPr>
+            <p:cNvPr id="13" name="Google Shape;304;p20">
+              <a:extLst>
+                <a:ext uri="{FF2B5EF4-FFF2-40B4-BE49-F238E27FC236}">
+                  <a16:creationId xmlns:a16="http://schemas.microsoft.com/office/drawing/2014/main" id="{83A3EBB1-7C1F-6CAF-90F9-8F3C7080F3DB}"/>
+                </a:ext>
+              </a:extLst>
+            </p:cNvPr>
+            <p:cNvSpPr/>
+            <p:nvPr/>
+          </p:nvSpPr>
+          <p:spPr>
+            <a:xfrm>
+              <a:off x="7636825" y="126225"/>
+              <a:ext cx="562200" cy="562200"/>
+            </a:xfrm>
+            <a:prstGeom prst="diamond">
+              <a:avLst/>
+            </a:prstGeom>
+            <a:solidFill>
+              <a:schemeClr val="lt1"/>
+            </a:solidFill>
+            <a:ln w="76200" cap="flat" cmpd="sng">
+              <a:solidFill>
+                <a:schemeClr val="dk2"/>
+              </a:solidFill>
+              <a:prstDash val="solid"/>
+              <a:miter lim="8000"/>
+              <a:headEnd type="none" w="sm" len="sm"/>
+              <a:tailEnd type="none" w="sm" len="sm"/>
+            </a:ln>
+          </p:spPr>
+          <p:txBody>
+            <a:bodyPr spcFirstLastPara="1" wrap="square" lIns="91425" tIns="91425" rIns="91425" bIns="91425" anchor="ctr" anchorCtr="0">
+              <a:noAutofit/>
+            </a:bodyPr>
+            <a:lstStyle/>
+            <a:p>
+              <a:pPr marL="0" lvl="0" indent="0" algn="ctr" rtl="0">
+                <a:spcBef>
+                  <a:spcPts val="0"/>
+                </a:spcBef>
+                <a:spcAft>
+                  <a:spcPts val="0"/>
+                </a:spcAft>
+                <a:buNone/>
+              </a:pPr>
+              <a:endParaRPr>
+                <a:solidFill>
+                  <a:schemeClr val="dk2"/>
+                </a:solidFill>
+                <a:latin typeface="Roboto Condensed"/>
+                <a:ea typeface="Roboto Condensed"/>
+                <a:cs typeface="Roboto Condensed"/>
+                <a:sym typeface="Roboto Condensed"/>
+              </a:endParaRPr>
+            </a:p>
+          </p:txBody>
+        </p:sp>
+        <p:sp>
+          <p:nvSpPr>
+            <p:cNvPr id="14" name="Google Shape;305;p20">
+              <a:extLst>
+                <a:ext uri="{FF2B5EF4-FFF2-40B4-BE49-F238E27FC236}">
+                  <a16:creationId xmlns:a16="http://schemas.microsoft.com/office/drawing/2014/main" id="{57F23019-8F3F-D059-618B-B2D54E042EF5}"/>
+                </a:ext>
+              </a:extLst>
+            </p:cNvPr>
+            <p:cNvSpPr/>
+            <p:nvPr/>
+          </p:nvSpPr>
+          <p:spPr>
+            <a:xfrm>
+              <a:off x="7218250" y="126225"/>
+              <a:ext cx="562200" cy="562200"/>
+            </a:xfrm>
+            <a:prstGeom prst="diamond">
+              <a:avLst/>
+            </a:prstGeom>
+            <a:noFill/>
+            <a:ln w="76200" cap="flat" cmpd="sng">
+              <a:solidFill>
+                <a:schemeClr val="dk2"/>
+              </a:solidFill>
+              <a:prstDash val="solid"/>
+              <a:miter lim="8000"/>
+              <a:headEnd type="none" w="sm" len="sm"/>
+              <a:tailEnd type="none" w="sm" len="sm"/>
+            </a:ln>
+          </p:spPr>
+          <p:txBody>
+            <a:bodyPr spcFirstLastPara="1" wrap="square" lIns="91425" tIns="91425" rIns="91425" bIns="91425" anchor="ctr" anchorCtr="0">
+              <a:noAutofit/>
+            </a:bodyPr>
+            <a:lstStyle/>
+            <a:p>
+              <a:pPr marL="0" lvl="0" indent="0" algn="ctr" rtl="0">
+                <a:spcBef>
+                  <a:spcPts val="0"/>
+                </a:spcBef>
+                <a:spcAft>
+                  <a:spcPts val="0"/>
+                </a:spcAft>
+                <a:buNone/>
+              </a:pPr>
+              <a:endParaRPr>
+                <a:solidFill>
+                  <a:schemeClr val="dk2"/>
+                </a:solidFill>
+                <a:latin typeface="Roboto Condensed"/>
+                <a:ea typeface="Roboto Condensed"/>
+                <a:cs typeface="Roboto Condensed"/>
+                <a:sym typeface="Roboto Condensed"/>
+              </a:endParaRPr>
+            </a:p>
+          </p:txBody>
+        </p:sp>
+        <p:sp>
+          <p:nvSpPr>
+            <p:cNvPr id="15" name="Google Shape;306;p20">
+              <a:extLst>
+                <a:ext uri="{FF2B5EF4-FFF2-40B4-BE49-F238E27FC236}">
+                  <a16:creationId xmlns:a16="http://schemas.microsoft.com/office/drawing/2014/main" id="{844CBDA1-3432-FD11-8C7B-F9CAFBCEE06A}"/>
+                </a:ext>
+              </a:extLst>
+            </p:cNvPr>
+            <p:cNvSpPr/>
+            <p:nvPr/>
+          </p:nvSpPr>
+          <p:spPr>
+            <a:xfrm>
+              <a:off x="8055399" y="126225"/>
+              <a:ext cx="562200" cy="562200"/>
+            </a:xfrm>
+            <a:prstGeom prst="diamond">
+              <a:avLst/>
+            </a:prstGeom>
+            <a:noFill/>
+            <a:ln w="76200" cap="flat" cmpd="sng">
+              <a:solidFill>
+                <a:schemeClr val="dk2"/>
+              </a:solidFill>
+              <a:prstDash val="solid"/>
+              <a:miter lim="8000"/>
+              <a:headEnd type="none" w="sm" len="sm"/>
+              <a:tailEnd type="none" w="sm" len="sm"/>
+            </a:ln>
+          </p:spPr>
+          <p:txBody>
+            <a:bodyPr spcFirstLastPara="1" wrap="square" lIns="91425" tIns="91425" rIns="91425" bIns="91425" anchor="ctr" anchorCtr="0">
+              <a:noAutofit/>
+            </a:bodyPr>
+            <a:lstStyle/>
+            <a:p>
+              <a:pPr marL="0" lvl="0" indent="0" algn="ctr" rtl="0">
+                <a:spcBef>
+                  <a:spcPts val="0"/>
+                </a:spcBef>
+                <a:spcAft>
+                  <a:spcPts val="0"/>
+                </a:spcAft>
+                <a:buNone/>
+              </a:pPr>
+              <a:endParaRPr>
+                <a:solidFill>
+                  <a:schemeClr val="dk2"/>
+                </a:solidFill>
+                <a:latin typeface="Roboto Condensed"/>
+                <a:ea typeface="Roboto Condensed"/>
+                <a:cs typeface="Roboto Condensed"/>
+                <a:sym typeface="Roboto Condensed"/>
+              </a:endParaRPr>
+            </a:p>
+          </p:txBody>
+        </p:sp>
+        <p:sp>
+          <p:nvSpPr>
+            <p:cNvPr id="16" name="Google Shape;307;p20">
+              <a:extLst>
+                <a:ext uri="{FF2B5EF4-FFF2-40B4-BE49-F238E27FC236}">
+                  <a16:creationId xmlns:a16="http://schemas.microsoft.com/office/drawing/2014/main" id="{00D379BA-75E1-5429-2FAE-0603F0518EFA}"/>
+                </a:ext>
+              </a:extLst>
+            </p:cNvPr>
+            <p:cNvSpPr/>
+            <p:nvPr/>
+          </p:nvSpPr>
+          <p:spPr>
+            <a:xfrm>
+              <a:off x="8480333" y="126225"/>
+              <a:ext cx="562200" cy="562200"/>
+            </a:xfrm>
+            <a:prstGeom prst="diamond">
+              <a:avLst/>
+            </a:prstGeom>
+            <a:solidFill>
+              <a:schemeClr val="lt1"/>
+            </a:solidFill>
+            <a:ln w="76200" cap="flat" cmpd="sng">
+              <a:solidFill>
+                <a:schemeClr val="accent5"/>
+              </a:solidFill>
+              <a:prstDash val="solid"/>
+              <a:miter lim="8000"/>
+              <a:headEnd type="none" w="sm" len="sm"/>
+              <a:tailEnd type="none" w="sm" len="sm"/>
+            </a:ln>
+          </p:spPr>
+          <p:txBody>
+            <a:bodyPr spcFirstLastPara="1" wrap="square" lIns="91425" tIns="91425" rIns="91425" bIns="91425" anchor="ctr" anchorCtr="0">
+              <a:noAutofit/>
+            </a:bodyPr>
+            <a:lstStyle/>
+            <a:p>
+              <a:pPr marL="0" lvl="0" indent="0" algn="ctr" rtl="0">
+                <a:spcBef>
+                  <a:spcPts val="0"/>
+                </a:spcBef>
+                <a:spcAft>
+                  <a:spcPts val="0"/>
+                </a:spcAft>
+                <a:buNone/>
+              </a:pPr>
+              <a:endParaRPr>
+                <a:solidFill>
+                  <a:schemeClr val="dk2"/>
+                </a:solidFill>
+                <a:latin typeface="Roboto Condensed"/>
+                <a:ea typeface="Roboto Condensed"/>
+                <a:cs typeface="Roboto Condensed"/>
+                <a:sym typeface="Roboto Condensed"/>
+              </a:endParaRPr>
+            </a:p>
+          </p:txBody>
+        </p:sp>
+      </p:grpSp>
+      <p:sp>
+        <p:nvSpPr>
+          <p:cNvPr id="17" name="Google Shape;308;p20">
+            <a:extLst>
+              <a:ext uri="{FF2B5EF4-FFF2-40B4-BE49-F238E27FC236}">
+                <a16:creationId xmlns:a16="http://schemas.microsoft.com/office/drawing/2014/main" id="{8AAEAA9A-DC2D-0FB1-5AAE-BCC60D2061BA}"/>
+              </a:ext>
+            </a:extLst>
+          </p:cNvPr>
+          <p:cNvSpPr txBox="1"/>
+          <p:nvPr/>
+        </p:nvSpPr>
+        <p:spPr>
+          <a:xfrm>
+            <a:off x="8585750" y="48200"/>
+            <a:ext cx="391800" cy="654600"/>
+          </a:xfrm>
+          <a:prstGeom prst="rect">
+            <a:avLst/>
+          </a:prstGeom>
+          <a:noFill/>
+          <a:ln>
+            <a:noFill/>
+          </a:ln>
+        </p:spPr>
+        <p:txBody>
+          <a:bodyPr spcFirstLastPara="1" wrap="square" lIns="91425" tIns="91425" rIns="91425" bIns="91425" anchor="b" anchorCtr="0">
+            <a:noAutofit/>
+          </a:bodyPr>
+          <a:lstStyle/>
+          <a:p>
+            <a:pPr marL="0" lvl="0" indent="0" algn="l" rtl="0">
+              <a:spcBef>
+                <a:spcPts val="0"/>
+              </a:spcBef>
+              <a:spcAft>
+                <a:spcPts val="0"/>
+              </a:spcAft>
+              <a:buNone/>
+            </a:pPr>
+            <a:r>
+              <a:rPr lang="en" sz="2600" b="1">
+                <a:solidFill>
+                  <a:schemeClr val="accent5"/>
+                </a:solidFill>
+                <a:latin typeface="Roboto Condensed"/>
+                <a:ea typeface="Roboto Condensed"/>
+                <a:cs typeface="Roboto Condensed"/>
+                <a:sym typeface="Roboto Condensed"/>
+              </a:rPr>
+              <a:t>4</a:t>
+            </a:r>
+            <a:endParaRPr sz="2600" b="1">
+              <a:solidFill>
+                <a:schemeClr val="accent5"/>
+              </a:solidFill>
+              <a:latin typeface="Roboto Condensed"/>
+              <a:ea typeface="Roboto Condensed"/>
+              <a:cs typeface="Roboto Condensed"/>
+              <a:sym typeface="Roboto Condensed"/>
+            </a:endParaRPr>
+          </a:p>
+        </p:txBody>
+      </p:sp>
+      <p:sp>
+        <p:nvSpPr>
+          <p:cNvPr id="9" name="TextBox 8">
+            <a:extLst>
+              <a:ext uri="{FF2B5EF4-FFF2-40B4-BE49-F238E27FC236}">
+                <a16:creationId xmlns:a16="http://schemas.microsoft.com/office/drawing/2014/main" id="{DAF52D05-BC47-A3A0-6B71-EE2D7037C7E2}"/>
+              </a:ext>
+            </a:extLst>
+          </p:cNvPr>
+          <p:cNvSpPr txBox="1"/>
+          <p:nvPr/>
+        </p:nvSpPr>
+        <p:spPr>
+          <a:xfrm>
+            <a:off x="906904" y="2263973"/>
+            <a:ext cx="5750292" cy="307777"/>
+          </a:xfrm>
+          <a:prstGeom prst="rect">
+            <a:avLst/>
+          </a:prstGeom>
+          <a:noFill/>
+        </p:spPr>
+        <p:txBody>
+          <a:bodyPr wrap="none" rtlCol="0">
+            <a:spAutoFit/>
+          </a:bodyPr>
+          <a:lstStyle/>
+          <a:p>
+            <a:r>
+              <a:rPr lang="en-US" sz="1400" dirty="0"/>
+              <a:t>38, 33, 5, 5, 47, 29, 24, 42, 3, 18, 30, 46, 25, 44, 40, 42, 39, 44, 29, 13</a:t>
+            </a:r>
+            <a:endParaRPr lang="en-US" dirty="0"/>
+          </a:p>
+        </p:txBody>
+      </p:sp>
+      <p:grpSp>
+        <p:nvGrpSpPr>
+          <p:cNvPr id="18" name="Group 17">
+            <a:extLst>
+              <a:ext uri="{FF2B5EF4-FFF2-40B4-BE49-F238E27FC236}">
+                <a16:creationId xmlns:a16="http://schemas.microsoft.com/office/drawing/2014/main" id="{0C731251-04D3-3279-C630-B064001E6D13}"/>
+              </a:ext>
+            </a:extLst>
+          </p:cNvPr>
+          <p:cNvGrpSpPr/>
+          <p:nvPr/>
+        </p:nvGrpSpPr>
+        <p:grpSpPr>
+          <a:xfrm>
+            <a:off x="5765932" y="3121184"/>
+            <a:ext cx="3051379" cy="1529691"/>
+            <a:chOff x="5765932" y="3121184"/>
+            <a:chExt cx="3051379" cy="1529691"/>
+          </a:xfrm>
+        </p:grpSpPr>
+        <p:pic>
+          <p:nvPicPr>
+            <p:cNvPr id="10" name="Picture 9">
+              <a:extLst>
+                <a:ext uri="{FF2B5EF4-FFF2-40B4-BE49-F238E27FC236}">
+                  <a16:creationId xmlns:a16="http://schemas.microsoft.com/office/drawing/2014/main" id="{266223B0-38B7-3291-E137-E19DFF07D614}"/>
+                </a:ext>
+              </a:extLst>
+            </p:cNvPr>
+            <p:cNvPicPr>
+              <a:picLocks noChangeAspect="1"/>
+            </p:cNvPicPr>
+            <p:nvPr/>
+          </p:nvPicPr>
+          <p:blipFill rotWithShape="1">
+            <a:blip r:embed="rId2"/>
+            <a:srcRect l="484" t="1" r="-484" b="33521"/>
+            <a:stretch/>
+          </p:blipFill>
+          <p:spPr>
+            <a:xfrm>
+              <a:off x="5765932" y="3121184"/>
+              <a:ext cx="3051379" cy="1529691"/>
+            </a:xfrm>
+            <a:prstGeom prst="rect">
+              <a:avLst/>
+            </a:prstGeom>
+          </p:spPr>
+        </p:pic>
+        <p:sp>
+          <p:nvSpPr>
+            <p:cNvPr id="11" name="TextBox 10">
+              <a:extLst>
+                <a:ext uri="{FF2B5EF4-FFF2-40B4-BE49-F238E27FC236}">
+                  <a16:creationId xmlns:a16="http://schemas.microsoft.com/office/drawing/2014/main" id="{B898826C-5232-B333-2C3C-801927EF2CCD}"/>
+                </a:ext>
+              </a:extLst>
+            </p:cNvPr>
+            <p:cNvSpPr txBox="1"/>
+            <p:nvPr/>
+          </p:nvSpPr>
+          <p:spPr>
+            <a:xfrm>
+              <a:off x="6193156" y="4335275"/>
+              <a:ext cx="2340705" cy="253916"/>
+            </a:xfrm>
+            <a:prstGeom prst="rect">
+              <a:avLst/>
+            </a:prstGeom>
+            <a:noFill/>
+          </p:spPr>
+          <p:txBody>
+            <a:bodyPr wrap="none" rtlCol="0">
+              <a:spAutoFit/>
+            </a:bodyPr>
+            <a:lstStyle/>
+            <a:p>
+              <a:r>
+                <a:rPr lang="en-US" sz="1050" dirty="0"/>
+                <a:t>3                 15.5      29.5       41    47</a:t>
+              </a:r>
+            </a:p>
+          </p:txBody>
+        </p:sp>
+      </p:grpSp>
+      <p:grpSp>
+        <p:nvGrpSpPr>
+          <p:cNvPr id="19" name="Group 18">
+            <a:extLst>
+              <a:ext uri="{FF2B5EF4-FFF2-40B4-BE49-F238E27FC236}">
+                <a16:creationId xmlns:a16="http://schemas.microsoft.com/office/drawing/2014/main" id="{F022D830-C950-1E9C-B074-26D29B703C15}"/>
+              </a:ext>
+            </a:extLst>
+          </p:cNvPr>
+          <p:cNvGrpSpPr/>
+          <p:nvPr/>
+        </p:nvGrpSpPr>
+        <p:grpSpPr>
+          <a:xfrm>
+            <a:off x="6886734" y="829362"/>
+            <a:ext cx="1894916" cy="2146307"/>
+            <a:chOff x="975699" y="2805793"/>
+            <a:chExt cx="4018649" cy="2390346"/>
+          </a:xfrm>
+        </p:grpSpPr>
+        <p:sp>
+          <p:nvSpPr>
+            <p:cNvPr id="20" name="Rounded Rectangle 19">
+              <a:extLst>
+                <a:ext uri="{FF2B5EF4-FFF2-40B4-BE49-F238E27FC236}">
+                  <a16:creationId xmlns:a16="http://schemas.microsoft.com/office/drawing/2014/main" id="{D9211E0D-A9DA-E783-7A50-1A7B45E7231D}"/>
+                </a:ext>
+              </a:extLst>
+            </p:cNvPr>
+            <p:cNvSpPr/>
+            <p:nvPr/>
+          </p:nvSpPr>
+          <p:spPr>
+            <a:xfrm>
+              <a:off x="975699" y="2805793"/>
+              <a:ext cx="4018649" cy="2390346"/>
+            </a:xfrm>
+            <a:prstGeom prst="roundRect">
+              <a:avLst/>
+            </a:prstGeom>
+            <a:solidFill>
+              <a:schemeClr val="accent5"/>
+            </a:solidFill>
+          </p:spPr>
+          <p:style>
+            <a:lnRef idx="2">
+              <a:schemeClr val="accent1">
+                <a:shade val="50000"/>
+              </a:schemeClr>
+            </a:lnRef>
+            <a:fillRef idx="1">
+              <a:schemeClr val="accent1"/>
+            </a:fillRef>
+            <a:effectRef idx="0">
+              <a:schemeClr val="accent1"/>
+            </a:effectRef>
+            <a:fontRef idx="minor">
+              <a:schemeClr val="lt1"/>
+            </a:fontRef>
+          </p:style>
+          <p:txBody>
+            <a:bodyPr rtlCol="0" anchor="ctr"/>
+            <a:lstStyle/>
+            <a:p>
+              <a:pPr algn="ctr"/>
+              <a:endParaRPr lang="en-US" sz="1800" dirty="0"/>
+            </a:p>
+          </p:txBody>
+        </p:sp>
+        <mc:AlternateContent xmlns:mc="http://schemas.openxmlformats.org/markup-compatibility/2006" xmlns:a14="http://schemas.microsoft.com/office/drawing/2010/main">
+          <mc:Choice Requires="a14">
+            <p:sp>
+              <p:nvSpPr>
+                <p:cNvPr id="21" name="Text Placeholder 2">
+                  <a:extLst>
+                    <a:ext uri="{FF2B5EF4-FFF2-40B4-BE49-F238E27FC236}">
+                      <a16:creationId xmlns:a16="http://schemas.microsoft.com/office/drawing/2014/main" id="{E9D5FB91-C855-5AF4-858C-A4F6B417AA14}"/>
+                    </a:ext>
+                  </a:extLst>
+                </p:cNvPr>
+                <p:cNvSpPr txBox="1">
+                  <a:spLocks/>
+                </p:cNvSpPr>
+                <p:nvPr/>
+              </p:nvSpPr>
+              <p:spPr>
+                <a:xfrm>
+                  <a:off x="1226563" y="2839420"/>
+                  <a:ext cx="3516919" cy="2217401"/>
+                </a:xfrm>
+                <a:prstGeom prst="rect">
+                  <a:avLst/>
+                </a:prstGeom>
+                <a:noFill/>
+                <a:ln>
+                  <a:noFill/>
+                </a:ln>
+              </p:spPr>
+              <p:txBody>
+                <a:bodyPr spcFirstLastPara="1" wrap="square" lIns="91425" tIns="91425" rIns="91425" bIns="91425" anchor="t" anchorCtr="0">
+                  <a:noAutofit/>
+                </a:bodyPr>
+                <a:lstStyle>
+                  <a:defPPr marR="0" lvl="0" algn="l" rtl="0">
+                    <a:lnSpc>
+                      <a:spcPct val="100000"/>
+                    </a:lnSpc>
+                    <a:spcBef>
+                      <a:spcPts val="0"/>
+                    </a:spcBef>
+                    <a:spcAft>
+                      <a:spcPts val="0"/>
+                    </a:spcAft>
+                  </a:defPPr>
+                  <a:lvl1pPr marL="457200" marR="0" lvl="0" indent="-381000" algn="l" rtl="0">
+                    <a:lnSpc>
+                      <a:spcPct val="100000"/>
+                    </a:lnSpc>
+                    <a:spcBef>
+                      <a:spcPts val="600"/>
+                    </a:spcBef>
+                    <a:spcAft>
+                      <a:spcPts val="0"/>
+                    </a:spcAft>
+                    <a:buClr>
+                      <a:schemeClr val="accent4"/>
+                    </a:buClr>
+                    <a:buSzPts val="2400"/>
+                    <a:buFont typeface="Roboto Condensed Light"/>
+                    <a:buChar char="▰"/>
+                    <a:defRPr sz="2400" b="0" i="0" u="none" strike="noStrike" cap="none">
+                      <a:solidFill>
+                        <a:schemeClr val="dk1"/>
+                      </a:solidFill>
+                      <a:latin typeface="Roboto Condensed Light"/>
+                      <a:ea typeface="Roboto Condensed Light"/>
+                      <a:cs typeface="Roboto Condensed Light"/>
+                      <a:sym typeface="Roboto Condensed Light"/>
+                    </a:defRPr>
+                  </a:lvl1pPr>
+                  <a:lvl2pPr marL="914400" marR="0" lvl="1" indent="-381000" algn="l" rtl="0">
+                    <a:lnSpc>
+                      <a:spcPct val="100000"/>
+                    </a:lnSpc>
+                    <a:spcBef>
+                      <a:spcPts val="1000"/>
+                    </a:spcBef>
+                    <a:spcAft>
+                      <a:spcPts val="0"/>
+                    </a:spcAft>
+                    <a:buClr>
+                      <a:schemeClr val="accent4"/>
+                    </a:buClr>
+                    <a:buSzPts val="2400"/>
+                    <a:buFont typeface="Roboto Condensed Light"/>
+                    <a:buChar char="▻"/>
+                    <a:defRPr sz="2400" b="0" i="0" u="none" strike="noStrike" cap="none">
+                      <a:solidFill>
+                        <a:schemeClr val="dk1"/>
+                      </a:solidFill>
+                      <a:latin typeface="Roboto Condensed Light"/>
+                      <a:ea typeface="Roboto Condensed Light"/>
+                      <a:cs typeface="Roboto Condensed Light"/>
+                      <a:sym typeface="Roboto Condensed Light"/>
+                    </a:defRPr>
+                  </a:lvl2pPr>
+                  <a:lvl3pPr marL="1371600" marR="0" lvl="2" indent="-381000" algn="l" rtl="0">
+                    <a:lnSpc>
+                      <a:spcPct val="100000"/>
+                    </a:lnSpc>
+                    <a:spcBef>
+                      <a:spcPts val="1000"/>
+                    </a:spcBef>
+                    <a:spcAft>
+                      <a:spcPts val="0"/>
+                    </a:spcAft>
+                    <a:buClr>
+                      <a:schemeClr val="accent4"/>
+                    </a:buClr>
+                    <a:buSzPts val="2400"/>
+                    <a:buFont typeface="Roboto Condensed Light"/>
+                    <a:buChar char="▻"/>
+                    <a:defRPr sz="2400" b="0" i="0" u="none" strike="noStrike" cap="none">
+                      <a:solidFill>
+                        <a:schemeClr val="dk1"/>
+                      </a:solidFill>
+                      <a:latin typeface="Roboto Condensed Light"/>
+                      <a:ea typeface="Roboto Condensed Light"/>
+                      <a:cs typeface="Roboto Condensed Light"/>
+                      <a:sym typeface="Roboto Condensed Light"/>
+                    </a:defRPr>
+                  </a:lvl3pPr>
+                  <a:lvl4pPr marL="1828800" marR="0" lvl="3" indent="-381000" algn="l" rtl="0">
+                    <a:lnSpc>
+                      <a:spcPct val="100000"/>
+                    </a:lnSpc>
+                    <a:spcBef>
+                      <a:spcPts val="1000"/>
+                    </a:spcBef>
+                    <a:spcAft>
+                      <a:spcPts val="0"/>
+                    </a:spcAft>
+                    <a:buClr>
+                      <a:schemeClr val="accent4"/>
+                    </a:buClr>
+                    <a:buSzPts val="2400"/>
+                    <a:buFont typeface="Roboto Condensed Light"/>
+                    <a:buChar char="▻"/>
+                    <a:defRPr sz="2400" b="0" i="0" u="none" strike="noStrike" cap="none">
+                      <a:solidFill>
+                        <a:schemeClr val="dk1"/>
+                      </a:solidFill>
+                      <a:latin typeface="Roboto Condensed Light"/>
+                      <a:ea typeface="Roboto Condensed Light"/>
+                      <a:cs typeface="Roboto Condensed Light"/>
+                      <a:sym typeface="Roboto Condensed Light"/>
+                    </a:defRPr>
+                  </a:lvl4pPr>
+                  <a:lvl5pPr marL="2286000" marR="0" lvl="4" indent="-381000" algn="l" rtl="0">
+                    <a:lnSpc>
+                      <a:spcPct val="100000"/>
+                    </a:lnSpc>
+                    <a:spcBef>
+                      <a:spcPts val="1000"/>
+                    </a:spcBef>
+                    <a:spcAft>
+                      <a:spcPts val="0"/>
+                    </a:spcAft>
+                    <a:buClr>
+                      <a:schemeClr val="accent4"/>
+                    </a:buClr>
+                    <a:buSzPts val="2400"/>
+                    <a:buFont typeface="Roboto Condensed Light"/>
+                    <a:buChar char="▻"/>
+                    <a:defRPr sz="2400" b="0" i="0" u="none" strike="noStrike" cap="none">
+                      <a:solidFill>
+                        <a:schemeClr val="dk1"/>
+                      </a:solidFill>
+                      <a:latin typeface="Roboto Condensed Light"/>
+                      <a:ea typeface="Roboto Condensed Light"/>
+                      <a:cs typeface="Roboto Condensed Light"/>
+                      <a:sym typeface="Roboto Condensed Light"/>
+                    </a:defRPr>
+                  </a:lvl5pPr>
+                  <a:lvl6pPr marL="2743200" marR="0" lvl="5" indent="-381000" algn="l" rtl="0">
+                    <a:lnSpc>
+                      <a:spcPct val="100000"/>
+                    </a:lnSpc>
+                    <a:spcBef>
+                      <a:spcPts val="1000"/>
+                    </a:spcBef>
+                    <a:spcAft>
+                      <a:spcPts val="0"/>
+                    </a:spcAft>
+                    <a:buClr>
+                      <a:schemeClr val="accent4"/>
+                    </a:buClr>
+                    <a:buSzPts val="2400"/>
+                    <a:buFont typeface="Roboto Condensed Light"/>
+                    <a:buChar char="▻"/>
+                    <a:defRPr sz="2400" b="0" i="0" u="none" strike="noStrike" cap="none">
+                      <a:solidFill>
+                        <a:schemeClr val="dk1"/>
+                      </a:solidFill>
+                      <a:latin typeface="Roboto Condensed Light"/>
+                      <a:ea typeface="Roboto Condensed Light"/>
+                      <a:cs typeface="Roboto Condensed Light"/>
+                      <a:sym typeface="Roboto Condensed Light"/>
+                    </a:defRPr>
+                  </a:lvl6pPr>
+                  <a:lvl7pPr marL="3200400" marR="0" lvl="6" indent="-381000" algn="l" rtl="0">
+                    <a:lnSpc>
+                      <a:spcPct val="100000"/>
+                    </a:lnSpc>
+                    <a:spcBef>
+                      <a:spcPts val="1000"/>
+                    </a:spcBef>
+                    <a:spcAft>
+                      <a:spcPts val="0"/>
+                    </a:spcAft>
+                    <a:buClr>
+                      <a:schemeClr val="accent4"/>
+                    </a:buClr>
+                    <a:buSzPts val="2400"/>
+                    <a:buFont typeface="Roboto Condensed Light"/>
+                    <a:buChar char="▻"/>
+                    <a:defRPr sz="2400" b="0" i="0" u="none" strike="noStrike" cap="none">
+                      <a:solidFill>
+                        <a:schemeClr val="dk1"/>
+                      </a:solidFill>
+                      <a:latin typeface="Roboto Condensed Light"/>
+                      <a:ea typeface="Roboto Condensed Light"/>
+                      <a:cs typeface="Roboto Condensed Light"/>
+                      <a:sym typeface="Roboto Condensed Light"/>
+                    </a:defRPr>
+                  </a:lvl7pPr>
+                  <a:lvl8pPr marL="3657600" marR="0" lvl="7" indent="-381000" algn="l" rtl="0">
+                    <a:lnSpc>
+                      <a:spcPct val="100000"/>
+                    </a:lnSpc>
+                    <a:spcBef>
+                      <a:spcPts val="1000"/>
+                    </a:spcBef>
+                    <a:spcAft>
+                      <a:spcPts val="0"/>
+                    </a:spcAft>
+                    <a:buClr>
+                      <a:schemeClr val="accent4"/>
+                    </a:buClr>
+                    <a:buSzPts val="2400"/>
+                    <a:buFont typeface="Roboto Condensed Light"/>
+                    <a:buChar char="▻"/>
+                    <a:defRPr sz="2400" b="0" i="0" u="none" strike="noStrike" cap="none">
+                      <a:solidFill>
+                        <a:schemeClr val="dk1"/>
+                      </a:solidFill>
+                      <a:latin typeface="Roboto Condensed Light"/>
+                      <a:ea typeface="Roboto Condensed Light"/>
+                      <a:cs typeface="Roboto Condensed Light"/>
+                      <a:sym typeface="Roboto Condensed Light"/>
+                    </a:defRPr>
+                  </a:lvl8pPr>
+                  <a:lvl9pPr marL="4114800" marR="0" lvl="8" indent="-381000" algn="l" rtl="0">
+                    <a:lnSpc>
+                      <a:spcPct val="100000"/>
+                    </a:lnSpc>
+                    <a:spcBef>
+                      <a:spcPts val="1000"/>
+                    </a:spcBef>
+                    <a:spcAft>
+                      <a:spcPts val="1000"/>
+                    </a:spcAft>
+                    <a:buClr>
+                      <a:schemeClr val="accent4"/>
+                    </a:buClr>
+                    <a:buSzPts val="2400"/>
+                    <a:buFont typeface="Roboto Condensed Light"/>
+                    <a:buChar char="▻"/>
+                    <a:defRPr sz="2400" b="0" i="0" u="none" strike="noStrike" cap="none">
+                      <a:solidFill>
+                        <a:schemeClr val="dk1"/>
+                      </a:solidFill>
+                      <a:latin typeface="Roboto Condensed Light"/>
+                      <a:ea typeface="Roboto Condensed Light"/>
+                      <a:cs typeface="Roboto Condensed Light"/>
+                      <a:sym typeface="Roboto Condensed Light"/>
+                    </a:defRPr>
+                  </a:lvl9pPr>
+                </a:lstStyle>
+                <a:p>
+                  <a:pPr marL="76200" indent="0">
+                    <a:buNone/>
+                  </a:pPr>
+                  <a:r>
+                    <a:rPr lang="en-US" sz="1400" u="sng" dirty="0">
+                      <a:solidFill>
+                        <a:schemeClr val="bg1"/>
+                      </a:solidFill>
+                    </a:rPr>
+                    <a:t>5-number summary</a:t>
+                  </a:r>
+                </a:p>
+                <a:p>
+                  <a:pPr marL="76200" indent="0">
+                    <a:buNone/>
+                  </a:pPr>
+                  <a14:m>
+                    <m:oMath xmlns:m="http://schemas.openxmlformats.org/officeDocument/2006/math">
+                      <m:r>
+                        <a:rPr lang="en-US" sz="1400" i="1" dirty="0" smtClean="0">
+                          <a:solidFill>
+                            <a:schemeClr val="bg1"/>
+                          </a:solidFill>
+                          <a:latin typeface="Cambria Math" panose="02040503050406030204" pitchFamily="18" charset="0"/>
+                        </a:rPr>
+                        <m:t>𝑀𝑖𝑛</m:t>
+                      </m:r>
+                      <m:r>
+                        <a:rPr lang="en-US" sz="1400" i="1" dirty="0">
+                          <a:solidFill>
+                            <a:schemeClr val="bg1"/>
+                          </a:solidFill>
+                          <a:latin typeface="Cambria Math" panose="02040503050406030204" pitchFamily="18" charset="0"/>
+                        </a:rPr>
+                        <m:t> </m:t>
+                      </m:r>
+                      <m:r>
+                        <a:rPr lang="en-US" sz="1400" i="1" dirty="0" smtClean="0">
+                          <a:solidFill>
+                            <a:schemeClr val="bg1"/>
+                          </a:solidFill>
+                          <a:latin typeface="Cambria Math" panose="02040503050406030204" pitchFamily="18" charset="0"/>
+                        </a:rPr>
+                        <m:t>=</m:t>
+                      </m:r>
+                      <m:r>
+                        <a:rPr lang="en-US" sz="1400" i="1" dirty="0">
+                          <a:solidFill>
+                            <a:schemeClr val="bg1"/>
+                          </a:solidFill>
+                          <a:latin typeface="Cambria Math" panose="02040503050406030204" pitchFamily="18" charset="0"/>
+                        </a:rPr>
+                        <m:t> </m:t>
+                      </m:r>
+                      <m:r>
+                        <a:rPr lang="en-US" sz="1400" i="1" dirty="0" smtClean="0">
+                          <a:solidFill>
+                            <a:schemeClr val="bg1"/>
+                          </a:solidFill>
+                          <a:latin typeface="Cambria Math" panose="02040503050406030204" pitchFamily="18" charset="0"/>
+                        </a:rPr>
+                        <m:t>3</m:t>
+                      </m:r>
+                    </m:oMath>
+                  </a14:m>
+                  <a:r>
+                    <a:rPr lang="en-US" sz="1400" dirty="0">
+                      <a:solidFill>
+                        <a:schemeClr val="bg1"/>
+                      </a:solidFill>
+                    </a:rPr>
+                    <a:t> </a:t>
+                  </a:r>
+                </a:p>
+                <a:p>
+                  <a:pPr marL="76200" indent="0">
+                    <a:buNone/>
+                  </a:pPr>
+                  <a14:m>
+                    <m:oMath xmlns:m="http://schemas.openxmlformats.org/officeDocument/2006/math">
+                      <m:r>
+                        <a:rPr lang="en-US" sz="1400" i="1" dirty="0" smtClean="0">
+                          <a:solidFill>
+                            <a:schemeClr val="bg1"/>
+                          </a:solidFill>
+                          <a:latin typeface="Cambria Math" panose="02040503050406030204" pitchFamily="18" charset="0"/>
+                        </a:rPr>
+                        <m:t>𝑄</m:t>
+                      </m:r>
+                      <m:r>
+                        <a:rPr lang="en-US" sz="1400" i="1" baseline="-25000" dirty="0" smtClean="0">
+                          <a:solidFill>
+                            <a:schemeClr val="bg1"/>
+                          </a:solidFill>
+                          <a:latin typeface="Cambria Math" panose="02040503050406030204" pitchFamily="18" charset="0"/>
+                        </a:rPr>
+                        <m:t>1</m:t>
+                      </m:r>
+                      <m:r>
+                        <a:rPr lang="en-US" sz="1400" i="1" dirty="0" smtClean="0">
+                          <a:solidFill>
+                            <a:schemeClr val="bg1"/>
+                          </a:solidFill>
+                          <a:latin typeface="Cambria Math" panose="02040503050406030204" pitchFamily="18" charset="0"/>
+                        </a:rPr>
+                        <m:t> = 15.5</m:t>
+                      </m:r>
+                    </m:oMath>
+                  </a14:m>
+                  <a:r>
+                    <a:rPr lang="en-US" sz="1400" dirty="0">
+                      <a:solidFill>
+                        <a:schemeClr val="bg1"/>
+                      </a:solidFill>
+                    </a:rPr>
+                    <a:t> </a:t>
+                  </a:r>
+                </a:p>
+                <a:p>
+                  <a:pPr marL="76200" indent="0">
+                    <a:buNone/>
+                  </a:pPr>
+                  <a14:m>
+                    <m:oMath xmlns:m="http://schemas.openxmlformats.org/officeDocument/2006/math">
+                      <m:r>
+                        <a:rPr lang="en-US" sz="1400" i="1" dirty="0" smtClean="0">
+                          <a:solidFill>
+                            <a:schemeClr val="bg1"/>
+                          </a:solidFill>
+                          <a:latin typeface="Cambria Math" panose="02040503050406030204" pitchFamily="18" charset="0"/>
+                        </a:rPr>
+                        <m:t>𝑀𝑒𝑑</m:t>
+                      </m:r>
+                      <m:r>
+                        <a:rPr lang="en-US" sz="1400" i="1" dirty="0">
+                          <a:solidFill>
+                            <a:schemeClr val="bg1"/>
+                          </a:solidFill>
+                          <a:latin typeface="Cambria Math" panose="02040503050406030204" pitchFamily="18" charset="0"/>
+                        </a:rPr>
+                        <m:t> </m:t>
+                      </m:r>
+                      <m:r>
+                        <a:rPr lang="en-US" sz="1400" i="1" dirty="0" smtClean="0">
+                          <a:solidFill>
+                            <a:schemeClr val="bg1"/>
+                          </a:solidFill>
+                          <a:latin typeface="Cambria Math" panose="02040503050406030204" pitchFamily="18" charset="0"/>
+                        </a:rPr>
+                        <m:t>=</m:t>
+                      </m:r>
+                      <m:r>
+                        <a:rPr lang="en-US" sz="1400" i="1" dirty="0">
+                          <a:solidFill>
+                            <a:schemeClr val="bg1"/>
+                          </a:solidFill>
+                          <a:latin typeface="Cambria Math" panose="02040503050406030204" pitchFamily="18" charset="0"/>
+                        </a:rPr>
+                        <m:t> </m:t>
+                      </m:r>
+                      <m:r>
+                        <a:rPr lang="en-US" sz="1400" i="1" dirty="0" smtClean="0">
+                          <a:solidFill>
+                            <a:schemeClr val="bg1"/>
+                          </a:solidFill>
+                          <a:latin typeface="Cambria Math" panose="02040503050406030204" pitchFamily="18" charset="0"/>
+                        </a:rPr>
+                        <m:t>29.5</m:t>
+                      </m:r>
+                    </m:oMath>
+                  </a14:m>
+                  <a:r>
+                    <a:rPr lang="en-US" sz="1400" dirty="0">
+                      <a:solidFill>
+                        <a:schemeClr val="bg1"/>
+                      </a:solidFill>
+                    </a:rPr>
+                    <a:t> </a:t>
+                  </a:r>
+                </a:p>
+                <a:p>
+                  <a:pPr marL="76200" indent="0">
+                    <a:buNone/>
+                  </a:pPr>
+                  <a14:m>
+                    <m:oMath xmlns:m="http://schemas.openxmlformats.org/officeDocument/2006/math">
+                      <m:r>
+                        <a:rPr lang="en-US" sz="1400" i="1" dirty="0" smtClean="0">
+                          <a:solidFill>
+                            <a:schemeClr val="bg1"/>
+                          </a:solidFill>
+                          <a:latin typeface="Cambria Math" panose="02040503050406030204" pitchFamily="18" charset="0"/>
+                        </a:rPr>
+                        <m:t>𝑄</m:t>
+                      </m:r>
+                      <m:r>
+                        <a:rPr lang="en-US" sz="1400" i="1" baseline="-25000" dirty="0" smtClean="0">
+                          <a:solidFill>
+                            <a:schemeClr val="bg1"/>
+                          </a:solidFill>
+                          <a:latin typeface="Cambria Math" panose="02040503050406030204" pitchFamily="18" charset="0"/>
+                        </a:rPr>
+                        <m:t>3</m:t>
+                      </m:r>
+                      <m:r>
+                        <a:rPr lang="en-US" sz="1400" i="1" dirty="0" smtClean="0">
+                          <a:solidFill>
+                            <a:schemeClr val="bg1"/>
+                          </a:solidFill>
+                          <a:latin typeface="Cambria Math" panose="02040503050406030204" pitchFamily="18" charset="0"/>
+                        </a:rPr>
+                        <m:t> = 41</m:t>
+                      </m:r>
+                    </m:oMath>
+                  </a14:m>
+                  <a:r>
+                    <a:rPr lang="en-US" sz="1400" dirty="0">
+                      <a:solidFill>
+                        <a:schemeClr val="bg1"/>
+                      </a:solidFill>
+                    </a:rPr>
+                    <a:t> </a:t>
+                  </a:r>
+                </a:p>
+                <a:p>
+                  <a:pPr marL="76200" indent="0">
+                    <a:buNone/>
+                  </a:pPr>
+                  <a14:m>
+                    <m:oMath xmlns:m="http://schemas.openxmlformats.org/officeDocument/2006/math">
+                      <m:r>
+                        <a:rPr lang="en-US" sz="1400" i="1" dirty="0" smtClean="0">
+                          <a:solidFill>
+                            <a:schemeClr val="bg1"/>
+                          </a:solidFill>
+                          <a:latin typeface="Cambria Math" panose="02040503050406030204" pitchFamily="18" charset="0"/>
+                        </a:rPr>
+                        <m:t>𝑀𝑎𝑥</m:t>
+                      </m:r>
+                      <m:r>
+                        <a:rPr lang="en-US" sz="1400" i="1" dirty="0">
+                          <a:solidFill>
+                            <a:schemeClr val="bg1"/>
+                          </a:solidFill>
+                          <a:latin typeface="Cambria Math" panose="02040503050406030204" pitchFamily="18" charset="0"/>
+                        </a:rPr>
+                        <m:t> </m:t>
+                      </m:r>
+                      <m:r>
+                        <a:rPr lang="en-US" sz="1400" i="1" dirty="0" smtClean="0">
+                          <a:solidFill>
+                            <a:schemeClr val="bg1"/>
+                          </a:solidFill>
+                          <a:latin typeface="Cambria Math" panose="02040503050406030204" pitchFamily="18" charset="0"/>
+                        </a:rPr>
+                        <m:t>= 47</m:t>
+                      </m:r>
+                    </m:oMath>
+                  </a14:m>
+                  <a:r>
+                    <a:rPr lang="en-US" sz="1400" dirty="0">
+                      <a:solidFill>
+                        <a:schemeClr val="bg1"/>
+                      </a:solidFill>
+                    </a:rPr>
+                    <a:t> </a:t>
+                  </a:r>
+                </a:p>
+              </p:txBody>
+            </p:sp>
+          </mc:Choice>
+          <mc:Fallback xmlns="">
+            <p:sp>
+              <p:nvSpPr>
+                <p:cNvPr id="21" name="Text Placeholder 2">
+                  <a:extLst>
+                    <a:ext uri="{FF2B5EF4-FFF2-40B4-BE49-F238E27FC236}">
+                      <a16:creationId xmlns:a16="http://schemas.microsoft.com/office/drawing/2014/main" id="{E9D5FB91-C855-5AF4-858C-A4F6B417AA14}"/>
+                    </a:ext>
+                  </a:extLst>
+                </p:cNvPr>
+                <p:cNvSpPr txBox="1">
+                  <a:spLocks noRot="1" noChangeAspect="1" noMove="1" noResize="1" noEditPoints="1" noAdjustHandles="1" noChangeArrowheads="1" noChangeShapeType="1" noTextEdit="1"/>
+                </p:cNvSpPr>
+                <p:nvPr/>
+              </p:nvSpPr>
+              <p:spPr>
+                <a:xfrm>
+                  <a:off x="1226563" y="2839420"/>
+                  <a:ext cx="3516919" cy="2217401"/>
+                </a:xfrm>
+                <a:prstGeom prst="rect">
+                  <a:avLst/>
+                </a:prstGeom>
+                <a:blipFill>
+                  <a:blip r:embed="rId3"/>
+                  <a:stretch>
+                    <a:fillRect/>
+                  </a:stretch>
+                </a:blipFill>
+                <a:ln>
+                  <a:noFill/>
+                </a:ln>
+              </p:spPr>
+              <p:txBody>
+                <a:bodyPr/>
+                <a:lstStyle/>
+                <a:p>
+                  <a:r>
+                    <a:rPr lang="en-US">
+                      <a:noFill/>
+                    </a:rPr>
+                    <a:t> </a:t>
+                  </a:r>
+                </a:p>
+              </p:txBody>
+            </p:sp>
+          </mc:Fallback>
+        </mc:AlternateContent>
+      </p:grpSp>
+    </p:spTree>
+    <p:extLst>
+      <p:ext uri="{BB962C8B-B14F-4D97-AF65-F5344CB8AC3E}">
+        <p14:creationId xmlns:p14="http://schemas.microsoft.com/office/powerpoint/2010/main" val="710357811"/>
+      </p:ext>
+    </p:extLst>
+  </p:cSld>
+  <p:clrMapOvr>
+    <a:masterClrMapping/>
+  </p:clrMapOvr>
+  <p:timing>
+    <p:tnLst>
+      <p:par>
+        <p:cTn id="1" dur="indefinite" restart="never" nodeType="tmRoot">
+          <p:childTnLst>
+            <p:seq concurrent="1" nextAc="seek">
+              <p:cTn id="2" dur="indefinite" nodeType="mainSeq">
+                <p:childTnLst>
+                  <p:par>
+                    <p:cTn id="3" fill="hold">
+                      <p:stCondLst>
+                        <p:cond delay="indefinite"/>
+                      </p:stCondLst>
+                      <p:childTnLst>
+                        <p:par>
+                          <p:cTn id="4" fill="hold">
+                            <p:stCondLst>
+                              <p:cond delay="0"/>
+                            </p:stCondLst>
+                            <p:childTnLst>
+                              <p:par>
+                                <p:cTn id="5" presetID="1" presetClass="entr" presetSubtype="0" fill="hold" nodeType="clickEffect">
+                                  <p:stCondLst>
+                                    <p:cond delay="0"/>
+                                  </p:stCondLst>
+                                  <p:childTnLst>
+                                    <p:set>
+                                      <p:cBhvr>
+                                        <p:cTn id="6" dur="1" fill="hold">
+                                          <p:stCondLst>
+                                            <p:cond delay="0"/>
+                                          </p:stCondLst>
+                                        </p:cTn>
+                                        <p:tgtEl>
+                                          <p:spTgt spid="19"/>
+                                        </p:tgtEl>
+                                        <p:attrNameLst>
+                                          <p:attrName>style.visibility</p:attrName>
+                                        </p:attrNameLst>
+                                      </p:cBhvr>
+                                      <p:to>
+                                        <p:strVal val="visible"/>
+                                      </p:to>
+                                    </p:set>
+                                  </p:childTnLst>
+                                </p:cTn>
+                              </p:par>
+                            </p:childTnLst>
+                          </p:cTn>
+                        </p:par>
+                      </p:childTnLst>
+                    </p:cTn>
+                  </p:par>
+                  <p:par>
+                    <p:cTn id="7" fill="hold">
+                      <p:stCondLst>
+                        <p:cond delay="indefinite"/>
+                      </p:stCondLst>
+                      <p:childTnLst>
+                        <p:par>
+                          <p:cTn id="8" fill="hold">
+                            <p:stCondLst>
+                              <p:cond delay="0"/>
+                            </p:stCondLst>
+                            <p:childTnLst>
+                              <p:par>
+                                <p:cTn id="9" presetID="1" presetClass="entr" presetSubtype="0" fill="hold" nodeType="clickEffect">
+                                  <p:stCondLst>
+                                    <p:cond delay="0"/>
+                                  </p:stCondLst>
+                                  <p:childTnLst>
+                                    <p:set>
+                                      <p:cBhvr>
+                                        <p:cTn id="10" dur="1" fill="hold">
+                                          <p:stCondLst>
+                                            <p:cond delay="0"/>
+                                          </p:stCondLst>
+                                        </p:cTn>
+                                        <p:tgtEl>
+                                          <p:spTgt spid="18"/>
+                                        </p:tgtEl>
+                                        <p:attrNameLst>
+                                          <p:attrName>style.visibility</p:attrName>
+                                        </p:attrNameLst>
+                                      </p:cBhvr>
+                                      <p:to>
+                                        <p:strVal val="visible"/>
+                                      </p:to>
+                                    </p:set>
+                                  </p:childTnLst>
+                                </p:cTn>
+                              </p:par>
+                            </p:childTnLst>
+                          </p:cTn>
+                        </p:par>
+                      </p:childTnLst>
+                    </p:cTn>
+                  </p:par>
+                </p:childTnLst>
+              </p:cTn>
+              <p:prevCondLst>
+                <p:cond evt="onPrev" delay="0">
+                  <p:tgtEl>
+                    <p:sldTgt/>
+                  </p:tgtEl>
+                </p:cond>
+              </p:prevCondLst>
+              <p:nextCondLst>
+                <p:cond evt="onNext" delay="0">
+                  <p:tgtEl>
+                    <p:sldTgt/>
+                  </p:tgtEl>
+                </p:cond>
+              </p:nextCondLst>
+            </p:seq>
+          </p:childTnLst>
+        </p:cTn>
+      </p:par>
+    </p:tnLst>
+  </p:timing>
 </p:sld>
 </file>
 
@@ -16659,8 +19627,8 @@
           </a:p>
         </p:txBody>
       </p:sp>
-      <mc:AlternateContent xmlns:mc="http://schemas.openxmlformats.org/markup-compatibility/2006">
-        <mc:Choice xmlns:a14="http://schemas.microsoft.com/office/drawing/2010/main" Requires="a14">
+      <mc:AlternateContent xmlns:mc="http://schemas.openxmlformats.org/markup-compatibility/2006" xmlns:a14="http://schemas.microsoft.com/office/drawing/2010/main">
+        <mc:Choice Requires="a14">
           <p:sp>
             <p:nvSpPr>
               <p:cNvPr id="2" name="Text Placeholder 1">
@@ -16769,7 +19737,7 @@
             </p:txBody>
           </p:sp>
         </mc:Choice>
-        <mc:Fallback>
+        <mc:Fallback xmlns="">
           <p:sp>
             <p:nvSpPr>
               <p:cNvPr id="2" name="Text Placeholder 1">
@@ -17742,8 +20710,8 @@
           </a:p>
         </p:txBody>
       </p:sp>
-      <mc:AlternateContent xmlns:mc="http://schemas.openxmlformats.org/markup-compatibility/2006">
-        <mc:Choice xmlns:a14="http://schemas.microsoft.com/office/drawing/2010/main" Requires="a14">
+      <mc:AlternateContent xmlns:mc="http://schemas.openxmlformats.org/markup-compatibility/2006" xmlns:a14="http://schemas.microsoft.com/office/drawing/2010/main">
+        <mc:Choice Requires="a14">
           <p:sp>
             <p:nvSpPr>
               <p:cNvPr id="3" name="TextBox 3">
@@ -18028,7 +20996,7 @@
             </p:txBody>
           </p:sp>
         </mc:Choice>
-        <mc:Fallback>
+        <mc:Fallback xmlns="">
           <p:sp>
             <p:nvSpPr>
               <p:cNvPr id="3" name="TextBox 3">
@@ -18204,8 +21172,8 @@
           </a:p>
         </p:txBody>
       </p:sp>
-      <mc:AlternateContent xmlns:mc="http://schemas.openxmlformats.org/markup-compatibility/2006">
-        <mc:Choice xmlns:a14="http://schemas.microsoft.com/office/drawing/2010/main" Requires="a14">
+      <mc:AlternateContent xmlns:mc="http://schemas.openxmlformats.org/markup-compatibility/2006" xmlns:a14="http://schemas.microsoft.com/office/drawing/2010/main">
+        <mc:Choice Requires="a14">
           <p:sp>
             <p:nvSpPr>
               <p:cNvPr id="7" name="TextBox 3">
@@ -18361,7 +21329,7 @@
             </p:txBody>
           </p:sp>
         </mc:Choice>
-        <mc:Fallback>
+        <mc:Fallback xmlns="">
           <p:sp>
             <p:nvSpPr>
               <p:cNvPr id="7" name="TextBox 3">
@@ -18441,8 +21409,8 @@
           </a:p>
         </p:txBody>
       </p:sp>
-      <mc:AlternateContent xmlns:mc="http://schemas.openxmlformats.org/markup-compatibility/2006">
-        <mc:Choice xmlns:a14="http://schemas.microsoft.com/office/drawing/2010/main" Requires="a14">
+      <mc:AlternateContent xmlns:mc="http://schemas.openxmlformats.org/markup-compatibility/2006" xmlns:a14="http://schemas.microsoft.com/office/drawing/2010/main">
+        <mc:Choice Requires="a14">
           <p:sp>
             <p:nvSpPr>
               <p:cNvPr id="9" name="TextBox 3">
@@ -18561,7 +21529,7 @@
             </p:txBody>
           </p:sp>
         </mc:Choice>
-        <mc:Fallback>
+        <mc:Fallback xmlns="">
           <p:sp>
             <p:nvSpPr>
               <p:cNvPr id="9" name="TextBox 3">
@@ -20492,8 +23460,8 @@
           </a:p>
         </p:txBody>
       </p:sp>
-      <mc:AlternateContent xmlns:mc="http://schemas.openxmlformats.org/markup-compatibility/2006">
-        <mc:Choice xmlns:a14="http://schemas.microsoft.com/office/drawing/2010/main" Requires="a14">
+      <mc:AlternateContent xmlns:mc="http://schemas.openxmlformats.org/markup-compatibility/2006" xmlns:a14="http://schemas.microsoft.com/office/drawing/2010/main">
+        <mc:Choice Requires="a14">
           <p:sp>
             <p:nvSpPr>
               <p:cNvPr id="33" name="TextBox 32">
@@ -20522,6 +23490,7 @@
               </a:bodyPr>
               <a:lstStyle/>
               <a:p>
+                <a:pPr/>
                 <a14:m>
                   <m:oMathPara xmlns:m="http://schemas.openxmlformats.org/officeDocument/2006/math">
                     <m:oMathParaPr>
@@ -20579,7 +23548,7 @@
             </p:txBody>
           </p:sp>
         </mc:Choice>
-        <mc:Fallback>
+        <mc:Fallback xmlns="">
           <p:sp>
             <p:nvSpPr>
               <p:cNvPr id="33" name="TextBox 32">
@@ -20664,8 +23633,8 @@
               <a:chExt cx="592200" cy="202680"/>
             </a:xfrm>
           </p:grpSpPr>
-          <mc:AlternateContent xmlns:mc="http://schemas.openxmlformats.org/markup-compatibility/2006">
-            <mc:Choice xmlns:p14="http://schemas.microsoft.com/office/powerpoint/2010/main" Requires="p14">
+          <mc:AlternateContent xmlns:mc="http://schemas.openxmlformats.org/markup-compatibility/2006" xmlns:p14="http://schemas.microsoft.com/office/powerpoint/2010/main">
+            <mc:Choice Requires="p14">
               <p:contentPart p14:bwMode="auto" r:id="rId4">
                 <p14:nvContentPartPr>
                   <p14:cNvPr id="37" name="Ink 36">
@@ -20684,7 +23653,7 @@
                 </p14:xfrm>
               </p:contentPart>
             </mc:Choice>
-            <mc:Fallback>
+            <mc:Fallback xmlns="">
               <p:pic>
                 <p:nvPicPr>
                   <p:cNvPr id="37" name="Ink 36">
@@ -20715,8 +23684,8 @@
               </p:pic>
             </mc:Fallback>
           </mc:AlternateContent>
-          <mc:AlternateContent xmlns:mc="http://schemas.openxmlformats.org/markup-compatibility/2006">
-            <mc:Choice xmlns:p14="http://schemas.microsoft.com/office/powerpoint/2010/main" Requires="p14">
+          <mc:AlternateContent xmlns:mc="http://schemas.openxmlformats.org/markup-compatibility/2006" xmlns:p14="http://schemas.microsoft.com/office/powerpoint/2010/main">
+            <mc:Choice Requires="p14">
               <p:contentPart p14:bwMode="auto" r:id="rId6">
                 <p14:nvContentPartPr>
                   <p14:cNvPr id="38" name="Ink 37">
@@ -20735,7 +23704,7 @@
                 </p14:xfrm>
               </p:contentPart>
             </mc:Choice>
-            <mc:Fallback>
+            <mc:Fallback xmlns="">
               <p:pic>
                 <p:nvPicPr>
                   <p:cNvPr id="38" name="Ink 37">
@@ -20766,8 +23735,8 @@
               </p:pic>
             </mc:Fallback>
           </mc:AlternateContent>
-          <mc:AlternateContent xmlns:mc="http://schemas.openxmlformats.org/markup-compatibility/2006">
-            <mc:Choice xmlns:p14="http://schemas.microsoft.com/office/powerpoint/2010/main" Requires="p14">
+          <mc:AlternateContent xmlns:mc="http://schemas.openxmlformats.org/markup-compatibility/2006" xmlns:p14="http://schemas.microsoft.com/office/powerpoint/2010/main">
+            <mc:Choice Requires="p14">
               <p:contentPart p14:bwMode="auto" r:id="rId8">
                 <p14:nvContentPartPr>
                   <p14:cNvPr id="39" name="Ink 38">
@@ -20786,7 +23755,7 @@
                 </p14:xfrm>
               </p:contentPart>
             </mc:Choice>
-            <mc:Fallback>
+            <mc:Fallback xmlns="">
               <p:pic>
                 <p:nvPicPr>
                   <p:cNvPr id="39" name="Ink 38">
@@ -20838,8 +23807,8 @@
               <a:chExt cx="672120" cy="175680"/>
             </a:xfrm>
           </p:grpSpPr>
-          <mc:AlternateContent xmlns:mc="http://schemas.openxmlformats.org/markup-compatibility/2006">
-            <mc:Choice xmlns:p14="http://schemas.microsoft.com/office/powerpoint/2010/main" Requires="p14">
+          <mc:AlternateContent xmlns:mc="http://schemas.openxmlformats.org/markup-compatibility/2006" xmlns:p14="http://schemas.microsoft.com/office/powerpoint/2010/main">
+            <mc:Choice Requires="p14">
               <p:contentPart p14:bwMode="auto" r:id="rId10">
                 <p14:nvContentPartPr>
                   <p14:cNvPr id="41" name="Ink 40">
@@ -20858,7 +23827,7 @@
                 </p14:xfrm>
               </p:contentPart>
             </mc:Choice>
-            <mc:Fallback>
+            <mc:Fallback xmlns="">
               <p:pic>
                 <p:nvPicPr>
                   <p:cNvPr id="41" name="Ink 40">
@@ -20889,8 +23858,8 @@
               </p:pic>
             </mc:Fallback>
           </mc:AlternateContent>
-          <mc:AlternateContent xmlns:mc="http://schemas.openxmlformats.org/markup-compatibility/2006">
-            <mc:Choice xmlns:p14="http://schemas.microsoft.com/office/powerpoint/2010/main" Requires="p14">
+          <mc:AlternateContent xmlns:mc="http://schemas.openxmlformats.org/markup-compatibility/2006" xmlns:p14="http://schemas.microsoft.com/office/powerpoint/2010/main">
+            <mc:Choice Requires="p14">
               <p:contentPart p14:bwMode="auto" r:id="rId12">
                 <p14:nvContentPartPr>
                   <p14:cNvPr id="42" name="Ink 41">
@@ -20909,7 +23878,7 @@
                 </p14:xfrm>
               </p:contentPart>
             </mc:Choice>
-            <mc:Fallback>
+            <mc:Fallback xmlns="">
               <p:pic>
                 <p:nvPicPr>
                   <p:cNvPr id="42" name="Ink 41">
@@ -20940,8 +23909,8 @@
               </p:pic>
             </mc:Fallback>
           </mc:AlternateContent>
-          <mc:AlternateContent xmlns:mc="http://schemas.openxmlformats.org/markup-compatibility/2006">
-            <mc:Choice xmlns:p14="http://schemas.microsoft.com/office/powerpoint/2010/main" Requires="p14">
+          <mc:AlternateContent xmlns:mc="http://schemas.openxmlformats.org/markup-compatibility/2006" xmlns:p14="http://schemas.microsoft.com/office/powerpoint/2010/main">
+            <mc:Choice Requires="p14">
               <p:contentPart p14:bwMode="auto" r:id="rId14">
                 <p14:nvContentPartPr>
                   <p14:cNvPr id="43" name="Ink 42">
@@ -20960,7 +23929,7 @@
                 </p14:xfrm>
               </p:contentPart>
             </mc:Choice>
-            <mc:Fallback>
+            <mc:Fallback xmlns="">
               <p:pic>
                 <p:nvPicPr>
                   <p:cNvPr id="43" name="Ink 42">
@@ -21040,8 +24009,8 @@
           </a:p>
         </p:txBody>
       </p:sp>
-      <mc:AlternateContent xmlns:mc="http://schemas.openxmlformats.org/markup-compatibility/2006">
-        <mc:Choice xmlns:a14="http://schemas.microsoft.com/office/drawing/2010/main" Requires="a14">
+      <mc:AlternateContent xmlns:mc="http://schemas.openxmlformats.org/markup-compatibility/2006" xmlns:a14="http://schemas.microsoft.com/office/drawing/2010/main">
+        <mc:Choice Requires="a14">
           <p:sp>
             <p:nvSpPr>
               <p:cNvPr id="47" name="TextBox 46">
@@ -21070,6 +24039,7 @@
               </a:bodyPr>
               <a:lstStyle/>
               <a:p>
+                <a:pPr/>
                 <a14:m>
                   <m:oMathPara xmlns:m="http://schemas.openxmlformats.org/officeDocument/2006/math">
                     <m:oMathParaPr>
@@ -21096,7 +24066,7 @@
             </p:txBody>
           </p:sp>
         </mc:Choice>
-        <mc:Fallback>
+        <mc:Fallback xmlns="">
           <p:sp>
             <p:nvSpPr>
               <p:cNvPr id="47" name="TextBox 46">
@@ -21181,8 +24151,8 @@
               <a:chExt cx="648720" cy="263520"/>
             </a:xfrm>
           </p:grpSpPr>
-          <mc:AlternateContent xmlns:mc="http://schemas.openxmlformats.org/markup-compatibility/2006">
-            <mc:Choice xmlns:p14="http://schemas.microsoft.com/office/powerpoint/2010/main" Requires="p14">
+          <mc:AlternateContent xmlns:mc="http://schemas.openxmlformats.org/markup-compatibility/2006" xmlns:p14="http://schemas.microsoft.com/office/powerpoint/2010/main">
+            <mc:Choice Requires="p14">
               <p:contentPart p14:bwMode="auto" r:id="rId17">
                 <p14:nvContentPartPr>
                   <p14:cNvPr id="48" name="Ink 47">
@@ -21201,7 +24171,7 @@
                 </p14:xfrm>
               </p:contentPart>
             </mc:Choice>
-            <mc:Fallback>
+            <mc:Fallback xmlns="">
               <p:pic>
                 <p:nvPicPr>
                   <p:cNvPr id="48" name="Ink 47">
@@ -21232,8 +24202,8 @@
               </p:pic>
             </mc:Fallback>
           </mc:AlternateContent>
-          <mc:AlternateContent xmlns:mc="http://schemas.openxmlformats.org/markup-compatibility/2006">
-            <mc:Choice xmlns:p14="http://schemas.microsoft.com/office/powerpoint/2010/main" Requires="p14">
+          <mc:AlternateContent xmlns:mc="http://schemas.openxmlformats.org/markup-compatibility/2006" xmlns:p14="http://schemas.microsoft.com/office/powerpoint/2010/main">
+            <mc:Choice Requires="p14">
               <p:contentPart p14:bwMode="auto" r:id="rId19">
                 <p14:nvContentPartPr>
                   <p14:cNvPr id="49" name="Ink 48">
@@ -21252,7 +24222,7 @@
                 </p14:xfrm>
               </p:contentPart>
             </mc:Choice>
-            <mc:Fallback>
+            <mc:Fallback xmlns="">
               <p:pic>
                 <p:nvPicPr>
                   <p:cNvPr id="49" name="Ink 48">
@@ -21283,8 +24253,8 @@
               </p:pic>
             </mc:Fallback>
           </mc:AlternateContent>
-          <mc:AlternateContent xmlns:mc="http://schemas.openxmlformats.org/markup-compatibility/2006">
-            <mc:Choice xmlns:p14="http://schemas.microsoft.com/office/powerpoint/2010/main" Requires="p14">
+          <mc:AlternateContent xmlns:mc="http://schemas.openxmlformats.org/markup-compatibility/2006" xmlns:p14="http://schemas.microsoft.com/office/powerpoint/2010/main">
+            <mc:Choice Requires="p14">
               <p:contentPart p14:bwMode="auto" r:id="rId21">
                 <p14:nvContentPartPr>
                   <p14:cNvPr id="50" name="Ink 49">
@@ -21303,7 +24273,7 @@
                 </p14:xfrm>
               </p:contentPart>
             </mc:Choice>
-            <mc:Fallback>
+            <mc:Fallback xmlns="">
               <p:pic>
                 <p:nvPicPr>
                   <p:cNvPr id="50" name="Ink 49">
@@ -21355,8 +24325,8 @@
               <a:chExt cx="719280" cy="241200"/>
             </a:xfrm>
           </p:grpSpPr>
-          <mc:AlternateContent xmlns:mc="http://schemas.openxmlformats.org/markup-compatibility/2006">
-            <mc:Choice xmlns:p14="http://schemas.microsoft.com/office/powerpoint/2010/main" Requires="p14">
+          <mc:AlternateContent xmlns:mc="http://schemas.openxmlformats.org/markup-compatibility/2006" xmlns:p14="http://schemas.microsoft.com/office/powerpoint/2010/main">
+            <mc:Choice Requires="p14">
               <p:contentPart p14:bwMode="auto" r:id="rId23">
                 <p14:nvContentPartPr>
                   <p14:cNvPr id="52" name="Ink 51">
@@ -21375,7 +24345,7 @@
                 </p14:xfrm>
               </p:contentPart>
             </mc:Choice>
-            <mc:Fallback>
+            <mc:Fallback xmlns="">
               <p:pic>
                 <p:nvPicPr>
                   <p:cNvPr id="52" name="Ink 51">
@@ -21406,8 +24376,8 @@
               </p:pic>
             </mc:Fallback>
           </mc:AlternateContent>
-          <mc:AlternateContent xmlns:mc="http://schemas.openxmlformats.org/markup-compatibility/2006">
-            <mc:Choice xmlns:p14="http://schemas.microsoft.com/office/powerpoint/2010/main" Requires="p14">
+          <mc:AlternateContent xmlns:mc="http://schemas.openxmlformats.org/markup-compatibility/2006" xmlns:p14="http://schemas.microsoft.com/office/powerpoint/2010/main">
+            <mc:Choice Requires="p14">
               <p:contentPart p14:bwMode="auto" r:id="rId25">
                 <p14:nvContentPartPr>
                   <p14:cNvPr id="53" name="Ink 52">
@@ -21426,7 +24396,7 @@
                 </p14:xfrm>
               </p:contentPart>
             </mc:Choice>
-            <mc:Fallback>
+            <mc:Fallback xmlns="">
               <p:pic>
                 <p:nvPicPr>
                   <p:cNvPr id="53" name="Ink 52">
@@ -21457,8 +24427,8 @@
               </p:pic>
             </mc:Fallback>
           </mc:AlternateContent>
-          <mc:AlternateContent xmlns:mc="http://schemas.openxmlformats.org/markup-compatibility/2006">
-            <mc:Choice xmlns:p14="http://schemas.microsoft.com/office/powerpoint/2010/main" Requires="p14">
+          <mc:AlternateContent xmlns:mc="http://schemas.openxmlformats.org/markup-compatibility/2006" xmlns:p14="http://schemas.microsoft.com/office/powerpoint/2010/main">
+            <mc:Choice Requires="p14">
               <p:contentPart p14:bwMode="auto" r:id="rId27">
                 <p14:nvContentPartPr>
                   <p14:cNvPr id="54" name="Ink 53">
@@ -21477,7 +24447,7 @@
                 </p14:xfrm>
               </p:contentPart>
             </mc:Choice>
-            <mc:Fallback>
+            <mc:Fallback xmlns="">
               <p:pic>
                 <p:nvPicPr>
                   <p:cNvPr id="54" name="Ink 53">
@@ -26393,8 +29363,8 @@
             <a:chExt cx="1054440" cy="448560"/>
           </a:xfrm>
         </p:grpSpPr>
-        <mc:AlternateContent xmlns:mc="http://schemas.openxmlformats.org/markup-compatibility/2006">
-          <mc:Choice xmlns:p14="http://schemas.microsoft.com/office/powerpoint/2010/main" Requires="p14">
+        <mc:AlternateContent xmlns:mc="http://schemas.openxmlformats.org/markup-compatibility/2006" xmlns:p14="http://schemas.microsoft.com/office/powerpoint/2010/main">
+          <mc:Choice Requires="p14">
             <p:contentPart p14:bwMode="auto" r:id="rId5">
               <p14:nvContentPartPr>
                 <p14:cNvPr id="11" name="Ink 10">
@@ -26413,7 +29383,7 @@
               </p14:xfrm>
             </p:contentPart>
           </mc:Choice>
-          <mc:Fallback>
+          <mc:Fallback xmlns="">
             <p:pic>
               <p:nvPicPr>
                 <p:cNvPr id="11" name="Ink 10">
@@ -26444,8 +29414,8 @@
             </p:pic>
           </mc:Fallback>
         </mc:AlternateContent>
-        <mc:AlternateContent xmlns:mc="http://schemas.openxmlformats.org/markup-compatibility/2006">
-          <mc:Choice xmlns:p14="http://schemas.microsoft.com/office/powerpoint/2010/main" Requires="p14">
+        <mc:AlternateContent xmlns:mc="http://schemas.openxmlformats.org/markup-compatibility/2006" xmlns:p14="http://schemas.microsoft.com/office/powerpoint/2010/main">
+          <mc:Choice Requires="p14">
             <p:contentPart p14:bwMode="auto" r:id="rId7">
               <p14:nvContentPartPr>
                 <p14:cNvPr id="12" name="Ink 11">
@@ -26464,7 +29434,7 @@
               </p14:xfrm>
             </p:contentPart>
           </mc:Choice>
-          <mc:Fallback>
+          <mc:Fallback xmlns="">
             <p:pic>
               <p:nvPicPr>
                 <p:cNvPr id="12" name="Ink 11">
@@ -26495,8 +29465,8 @@
             </p:pic>
           </mc:Fallback>
         </mc:AlternateContent>
-        <mc:AlternateContent xmlns:mc="http://schemas.openxmlformats.org/markup-compatibility/2006">
-          <mc:Choice xmlns:p14="http://schemas.microsoft.com/office/powerpoint/2010/main" Requires="p14">
+        <mc:AlternateContent xmlns:mc="http://schemas.openxmlformats.org/markup-compatibility/2006" xmlns:p14="http://schemas.microsoft.com/office/powerpoint/2010/main">
+          <mc:Choice Requires="p14">
             <p:contentPart p14:bwMode="auto" r:id="rId9">
               <p14:nvContentPartPr>
                 <p14:cNvPr id="18" name="Ink 17">
@@ -26515,7 +29485,7 @@
               </p14:xfrm>
             </p:contentPart>
           </mc:Choice>
-          <mc:Fallback>
+          <mc:Fallback xmlns="">
             <p:pic>
               <p:nvPicPr>
                 <p:cNvPr id="18" name="Ink 17">
@@ -26546,8 +29516,8 @@
             </p:pic>
           </mc:Fallback>
         </mc:AlternateContent>
-        <mc:AlternateContent xmlns:mc="http://schemas.openxmlformats.org/markup-compatibility/2006">
-          <mc:Choice xmlns:p14="http://schemas.microsoft.com/office/powerpoint/2010/main" Requires="p14">
+        <mc:AlternateContent xmlns:mc="http://schemas.openxmlformats.org/markup-compatibility/2006" xmlns:p14="http://schemas.microsoft.com/office/powerpoint/2010/main">
+          <mc:Choice Requires="p14">
             <p:contentPart p14:bwMode="auto" r:id="rId11">
               <p14:nvContentPartPr>
                 <p14:cNvPr id="19" name="Ink 18">
@@ -26566,7 +29536,7 @@
               </p14:xfrm>
             </p:contentPart>
           </mc:Choice>
-          <mc:Fallback>
+          <mc:Fallback xmlns="">
             <p:pic>
               <p:nvPicPr>
                 <p:cNvPr id="19" name="Ink 18">
@@ -26618,8 +29588,8 @@
             <a:chExt cx="175680" cy="232560"/>
           </a:xfrm>
         </p:grpSpPr>
-        <mc:AlternateContent xmlns:mc="http://schemas.openxmlformats.org/markup-compatibility/2006">
-          <mc:Choice xmlns:p14="http://schemas.microsoft.com/office/powerpoint/2010/main" Requires="p14">
+        <mc:AlternateContent xmlns:mc="http://schemas.openxmlformats.org/markup-compatibility/2006" xmlns:p14="http://schemas.microsoft.com/office/powerpoint/2010/main">
+          <mc:Choice Requires="p14">
             <p:contentPart p14:bwMode="auto" r:id="rId13">
               <p14:nvContentPartPr>
                 <p14:cNvPr id="20" name="Ink 19">
@@ -26638,7 +29608,7 @@
               </p14:xfrm>
             </p:contentPart>
           </mc:Choice>
-          <mc:Fallback>
+          <mc:Fallback xmlns="">
             <p:pic>
               <p:nvPicPr>
                 <p:cNvPr id="20" name="Ink 19">
@@ -26689,8 +29659,8 @@
               <a:chExt cx="175680" cy="99720"/>
             </a:xfrm>
           </p:grpSpPr>
-          <mc:AlternateContent xmlns:mc="http://schemas.openxmlformats.org/markup-compatibility/2006">
-            <mc:Choice xmlns:p14="http://schemas.microsoft.com/office/powerpoint/2010/main" Requires="p14">
+          <mc:AlternateContent xmlns:mc="http://schemas.openxmlformats.org/markup-compatibility/2006" xmlns:p14="http://schemas.microsoft.com/office/powerpoint/2010/main">
+            <mc:Choice Requires="p14">
               <p:contentPart p14:bwMode="auto" r:id="rId15">
                 <p14:nvContentPartPr>
                   <p14:cNvPr id="21" name="Ink 20">
@@ -26709,7 +29679,7 @@
                 </p14:xfrm>
               </p:contentPart>
             </mc:Choice>
-            <mc:Fallback>
+            <mc:Fallback xmlns="">
               <p:pic>
                 <p:nvPicPr>
                   <p:cNvPr id="21" name="Ink 20">
@@ -26740,8 +29710,8 @@
               </p:pic>
             </mc:Fallback>
           </mc:AlternateContent>
-          <mc:AlternateContent xmlns:mc="http://schemas.openxmlformats.org/markup-compatibility/2006">
-            <mc:Choice xmlns:p14="http://schemas.microsoft.com/office/powerpoint/2010/main" Requires="p14">
+          <mc:AlternateContent xmlns:mc="http://schemas.openxmlformats.org/markup-compatibility/2006" xmlns:p14="http://schemas.microsoft.com/office/powerpoint/2010/main">
+            <mc:Choice Requires="p14">
               <p:contentPart p14:bwMode="auto" r:id="rId17">
                 <p14:nvContentPartPr>
                   <p14:cNvPr id="22" name="Ink 21">
@@ -26760,7 +29730,7 @@
                 </p14:xfrm>
               </p:contentPart>
             </mc:Choice>
-            <mc:Fallback>
+            <mc:Fallback xmlns="">
               <p:pic>
                 <p:nvPicPr>
                   <p:cNvPr id="22" name="Ink 21">
@@ -26791,8 +29761,8 @@
               </p:pic>
             </mc:Fallback>
           </mc:AlternateContent>
-          <mc:AlternateContent xmlns:mc="http://schemas.openxmlformats.org/markup-compatibility/2006">
-            <mc:Choice xmlns:p14="http://schemas.microsoft.com/office/powerpoint/2010/main" Requires="p14">
+          <mc:AlternateContent xmlns:mc="http://schemas.openxmlformats.org/markup-compatibility/2006" xmlns:p14="http://schemas.microsoft.com/office/powerpoint/2010/main">
+            <mc:Choice Requires="p14">
               <p:contentPart p14:bwMode="auto" r:id="rId19">
                 <p14:nvContentPartPr>
                   <p14:cNvPr id="24" name="Ink 23">
@@ -26811,7 +29781,7 @@
                 </p14:xfrm>
               </p:contentPart>
             </mc:Choice>
-            <mc:Fallback>
+            <mc:Fallback xmlns="">
               <p:pic>
                 <p:nvPicPr>
                   <p:cNvPr id="24" name="Ink 23">

--- a/stats/describing-and-analyzing-data.pptx
+++ b/stats/describing-and-analyzing-data.pptx
@@ -18092,15 +18092,7 @@
             </a:pPr>
             <a:r>
               <a:rPr lang="en-US" sz="1400" dirty="0"/>
-              <a:t>Draw a </a:t>
-            </a:r>
-            <a:r>
-              <a:rPr lang="en-US" sz="1400"/>
-              <a:t>boxplot based </a:t>
-            </a:r>
-            <a:r>
-              <a:rPr lang="en-US" sz="1400" dirty="0"/>
-              <a:t>on the 5-number summary from (a).</a:t>
+              <a:t>Draw a boxplot based on the 5-number summary from (a).</a:t>
             </a:r>
           </a:p>
           <a:p>
@@ -18581,7 +18573,7 @@
           <p:spPr>
             <a:xfrm>
               <a:off x="6193156" y="4335275"/>
-              <a:ext cx="2340705" cy="253916"/>
+              <a:ext cx="2339102" cy="253916"/>
             </a:xfrm>
             <a:prstGeom prst="rect">
               <a:avLst/>
@@ -18596,7 +18588,7 @@
             <a:p>
               <a:r>
                 <a:rPr lang="en-US" sz="1050" dirty="0"/>
-                <a:t>3                 15.5      29.5       41    47</a:t>
+                <a:t>3                 21       31.5         42    47</a:t>
               </a:r>
             </a:p>
           </p:txBody>
@@ -18671,8 +18663,8 @@
             </a:p>
           </p:txBody>
         </p:sp>
-        <mc:AlternateContent xmlns:mc="http://schemas.openxmlformats.org/markup-compatibility/2006" xmlns:a14="http://schemas.microsoft.com/office/drawing/2010/main">
-          <mc:Choice Requires="a14">
+        <mc:AlternateContent xmlns:mc="http://schemas.openxmlformats.org/markup-compatibility/2006">
+          <mc:Choice xmlns:a14="http://schemas.microsoft.com/office/drawing/2010/main" Requires="a14">
             <p:sp>
               <p:nvSpPr>
                 <p:cNvPr id="21" name="Text Placeholder 2">
@@ -19057,7 +19049,16 @@
                           </a:solidFill>
                           <a:latin typeface="Cambria Math" panose="02040503050406030204" pitchFamily="18" charset="0"/>
                         </a:rPr>
-                        <m:t> = 15.5</m:t>
+                        <m:t> =</m:t>
+                      </m:r>
+                      <m:r>
+                        <a:rPr lang="en-US" sz="1400" b="0" i="1" dirty="0" smtClean="0">
+                          <a:solidFill>
+                            <a:schemeClr val="bg1"/>
+                          </a:solidFill>
+                          <a:latin typeface="Cambria Math" panose="02040503050406030204" pitchFamily="18" charset="0"/>
+                        </a:rPr>
+                        <m:t>21</m:t>
                       </m:r>
                     </m:oMath>
                   </a14:m>
@@ -19104,22 +19105,13 @@
                         <m:t>=</m:t>
                       </m:r>
                       <m:r>
-                        <a:rPr lang="en-US" sz="1400" i="1" dirty="0">
+                        <a:rPr lang="en-US" sz="1400" b="0" i="1" dirty="0" smtClean="0">
                           <a:solidFill>
                             <a:schemeClr val="bg1"/>
                           </a:solidFill>
                           <a:latin typeface="Cambria Math" panose="02040503050406030204" pitchFamily="18" charset="0"/>
                         </a:rPr>
-                        <m:t> </m:t>
-                      </m:r>
-                      <m:r>
-                        <a:rPr lang="en-US" sz="1400" i="1" dirty="0" smtClean="0">
-                          <a:solidFill>
-                            <a:schemeClr val="bg1"/>
-                          </a:solidFill>
-                          <a:latin typeface="Cambria Math" panose="02040503050406030204" pitchFamily="18" charset="0"/>
-                        </a:rPr>
-                        <m:t>29.5</m:t>
+                        <m:t>31.5</m:t>
                       </m:r>
                     </m:oMath>
                   </a14:m>
@@ -19163,7 +19155,16 @@
                           </a:solidFill>
                           <a:latin typeface="Cambria Math" panose="02040503050406030204" pitchFamily="18" charset="0"/>
                         </a:rPr>
-                        <m:t> = 41</m:t>
+                        <m:t> = 4</m:t>
+                      </m:r>
+                      <m:r>
+                        <a:rPr lang="en-US" sz="1400" b="0" i="1" dirty="0" smtClean="0">
+                          <a:solidFill>
+                            <a:schemeClr val="bg1"/>
+                          </a:solidFill>
+                          <a:latin typeface="Cambria Math" panose="02040503050406030204" pitchFamily="18" charset="0"/>
+                        </a:rPr>
+                        <m:t>2</m:t>
                       </m:r>
                     </m:oMath>
                   </a14:m>
@@ -19223,7 +19224,7 @@
               </p:txBody>
             </p:sp>
           </mc:Choice>
-          <mc:Fallback xmlns="">
+          <mc:Fallback>
             <p:sp>
               <p:nvSpPr>
                 <p:cNvPr id="21" name="Text Placeholder 2">
